--- a/shop_ppt.pptx
+++ b/shop_ppt.pptx
@@ -9,9 +9,14 @@
     <p:sldId id="258" r:id="rId3"/>
     <p:sldId id="257" r:id="rId4"/>
     <p:sldId id="259" r:id="rId5"/>
-    <p:sldId id="260" r:id="rId6"/>
-    <p:sldId id="261" r:id="rId7"/>
-    <p:sldId id="262" r:id="rId8"/>
+    <p:sldId id="264" r:id="rId6"/>
+    <p:sldId id="266" r:id="rId7"/>
+    <p:sldId id="267" r:id="rId8"/>
+    <p:sldId id="268" r:id="rId9"/>
+    <p:sldId id="265" r:id="rId10"/>
+    <p:sldId id="261" r:id="rId11"/>
+    <p:sldId id="269" r:id="rId12"/>
+    <p:sldId id="262" r:id="rId13"/>
   </p:sldIdLst>
   <p:sldSz cx="9144000" cy="6858000" type="screen4x3"/>
   <p:notesSz cx="6858000" cy="9144000"/>
@@ -383,511 +388,7 @@
 </c:chartSpace>
 </file>
 
-<file path=ppt/charts/chart2.xml><?xml version="1.0" encoding="utf-8"?>
-<c:chartSpace xmlns:c="http://schemas.openxmlformats.org/drawingml/2006/chart" xmlns:a="http://schemas.openxmlformats.org/drawingml/2006/main" xmlns:r="http://schemas.openxmlformats.org/officeDocument/2006/relationships" xmlns:c16r2="http://schemas.microsoft.com/office/drawing/2015/06/chart">
-  <c:date1904 val="0"/>
-  <c:lang val="ko-KR"/>
-  <c:roundedCorners val="0"/>
-  <mc:AlternateContent xmlns:mc="http://schemas.openxmlformats.org/markup-compatibility/2006">
-    <mc:Choice xmlns:c14="http://schemas.microsoft.com/office/drawing/2007/8/2/chart" Requires="c14">
-      <c14:style val="102"/>
-    </mc:Choice>
-    <mc:Fallback>
-      <c:style val="2"/>
-    </mc:Fallback>
-  </mc:AlternateContent>
-  <c:chart>
-    <c:autoTitleDeleted val="1"/>
-    <c:plotArea>
-      <c:layout/>
-      <c:lineChart>
-        <c:grouping val="standard"/>
-        <c:varyColors val="0"/>
-        <c:ser>
-          <c:idx val="0"/>
-          <c:order val="0"/>
-          <c:tx>
-            <c:strRef>
-              <c:f>Sheet1!$B$1</c:f>
-              <c:strCache>
-                <c:ptCount val="1"/>
-                <c:pt idx="0">
-                  <c:v>계열 1</c:v>
-                </c:pt>
-              </c:strCache>
-            </c:strRef>
-          </c:tx>
-          <c:spPr>
-            <a:ln w="28575" cap="rnd">
-              <a:solidFill>
-                <a:schemeClr val="accent1"/>
-              </a:solidFill>
-              <a:round/>
-            </a:ln>
-            <a:effectLst/>
-          </c:spPr>
-          <c:marker>
-            <c:symbol val="circle"/>
-            <c:size val="5"/>
-            <c:spPr>
-              <a:solidFill>
-                <a:schemeClr val="accent1"/>
-              </a:solidFill>
-              <a:ln w="9525">
-                <a:solidFill>
-                  <a:schemeClr val="accent1"/>
-                </a:solidFill>
-              </a:ln>
-              <a:effectLst/>
-            </c:spPr>
-          </c:marker>
-          <c:cat>
-            <c:strRef>
-              <c:f>Sheet1!$A$2:$A$5</c:f>
-              <c:strCache>
-                <c:ptCount val="4"/>
-                <c:pt idx="0">
-                  <c:v>항목 1</c:v>
-                </c:pt>
-                <c:pt idx="1">
-                  <c:v>항목 2</c:v>
-                </c:pt>
-                <c:pt idx="2">
-                  <c:v>항목 3</c:v>
-                </c:pt>
-                <c:pt idx="3">
-                  <c:v>항목 4</c:v>
-                </c:pt>
-              </c:strCache>
-            </c:strRef>
-          </c:cat>
-          <c:val>
-            <c:numRef>
-              <c:f>Sheet1!$B$2:$B$5</c:f>
-              <c:numCache>
-                <c:formatCode>General</c:formatCode>
-                <c:ptCount val="4"/>
-                <c:pt idx="0">
-                  <c:v>4.3</c:v>
-                </c:pt>
-                <c:pt idx="1">
-                  <c:v>2.5</c:v>
-                </c:pt>
-                <c:pt idx="2">
-                  <c:v>3.5</c:v>
-                </c:pt>
-                <c:pt idx="3">
-                  <c:v>4.5</c:v>
-                </c:pt>
-              </c:numCache>
-            </c:numRef>
-          </c:val>
-          <c:smooth val="0"/>
-          <c:extLst>
-            <c:ext xmlns:c16="http://schemas.microsoft.com/office/drawing/2014/chart" uri="{C3380CC4-5D6E-409C-BE32-E72D297353CC}">
-              <c16:uniqueId val="{00000000-D77F-4F3E-AA9D-5AA49345846B}"/>
-            </c:ext>
-          </c:extLst>
-        </c:ser>
-        <c:ser>
-          <c:idx val="1"/>
-          <c:order val="1"/>
-          <c:tx>
-            <c:strRef>
-              <c:f>Sheet1!$C$1</c:f>
-              <c:strCache>
-                <c:ptCount val="1"/>
-                <c:pt idx="0">
-                  <c:v>계열 2</c:v>
-                </c:pt>
-              </c:strCache>
-            </c:strRef>
-          </c:tx>
-          <c:spPr>
-            <a:ln w="28575" cap="rnd">
-              <a:solidFill>
-                <a:schemeClr val="accent2"/>
-              </a:solidFill>
-              <a:round/>
-            </a:ln>
-            <a:effectLst/>
-          </c:spPr>
-          <c:marker>
-            <c:symbol val="circle"/>
-            <c:size val="5"/>
-            <c:spPr>
-              <a:solidFill>
-                <a:schemeClr val="accent2"/>
-              </a:solidFill>
-              <a:ln w="9525">
-                <a:solidFill>
-                  <a:schemeClr val="accent2"/>
-                </a:solidFill>
-              </a:ln>
-              <a:effectLst/>
-            </c:spPr>
-          </c:marker>
-          <c:cat>
-            <c:strRef>
-              <c:f>Sheet1!$A$2:$A$5</c:f>
-              <c:strCache>
-                <c:ptCount val="4"/>
-                <c:pt idx="0">
-                  <c:v>항목 1</c:v>
-                </c:pt>
-                <c:pt idx="1">
-                  <c:v>항목 2</c:v>
-                </c:pt>
-                <c:pt idx="2">
-                  <c:v>항목 3</c:v>
-                </c:pt>
-                <c:pt idx="3">
-                  <c:v>항목 4</c:v>
-                </c:pt>
-              </c:strCache>
-            </c:strRef>
-          </c:cat>
-          <c:val>
-            <c:numRef>
-              <c:f>Sheet1!$C$2:$C$5</c:f>
-              <c:numCache>
-                <c:formatCode>General</c:formatCode>
-                <c:ptCount val="4"/>
-                <c:pt idx="0">
-                  <c:v>2.4</c:v>
-                </c:pt>
-                <c:pt idx="1">
-                  <c:v>4.4000000000000004</c:v>
-                </c:pt>
-                <c:pt idx="2">
-                  <c:v>1.8</c:v>
-                </c:pt>
-                <c:pt idx="3">
-                  <c:v>2.8</c:v>
-                </c:pt>
-              </c:numCache>
-            </c:numRef>
-          </c:val>
-          <c:smooth val="0"/>
-          <c:extLst>
-            <c:ext xmlns:c16="http://schemas.microsoft.com/office/drawing/2014/chart" uri="{C3380CC4-5D6E-409C-BE32-E72D297353CC}">
-              <c16:uniqueId val="{00000001-D77F-4F3E-AA9D-5AA49345846B}"/>
-            </c:ext>
-          </c:extLst>
-        </c:ser>
-        <c:ser>
-          <c:idx val="2"/>
-          <c:order val="2"/>
-          <c:tx>
-            <c:strRef>
-              <c:f>Sheet1!$D$1</c:f>
-              <c:strCache>
-                <c:ptCount val="1"/>
-                <c:pt idx="0">
-                  <c:v>계열 3</c:v>
-                </c:pt>
-              </c:strCache>
-            </c:strRef>
-          </c:tx>
-          <c:spPr>
-            <a:ln w="28575" cap="rnd">
-              <a:solidFill>
-                <a:schemeClr val="accent3"/>
-              </a:solidFill>
-              <a:round/>
-            </a:ln>
-            <a:effectLst/>
-          </c:spPr>
-          <c:marker>
-            <c:symbol val="circle"/>
-            <c:size val="5"/>
-            <c:spPr>
-              <a:solidFill>
-                <a:schemeClr val="accent3"/>
-              </a:solidFill>
-              <a:ln w="9525">
-                <a:solidFill>
-                  <a:schemeClr val="accent3"/>
-                </a:solidFill>
-              </a:ln>
-              <a:effectLst/>
-            </c:spPr>
-          </c:marker>
-          <c:cat>
-            <c:strRef>
-              <c:f>Sheet1!$A$2:$A$5</c:f>
-              <c:strCache>
-                <c:ptCount val="4"/>
-                <c:pt idx="0">
-                  <c:v>항목 1</c:v>
-                </c:pt>
-                <c:pt idx="1">
-                  <c:v>항목 2</c:v>
-                </c:pt>
-                <c:pt idx="2">
-                  <c:v>항목 3</c:v>
-                </c:pt>
-                <c:pt idx="3">
-                  <c:v>항목 4</c:v>
-                </c:pt>
-              </c:strCache>
-            </c:strRef>
-          </c:cat>
-          <c:val>
-            <c:numRef>
-              <c:f>Sheet1!$D$2:$D$5</c:f>
-              <c:numCache>
-                <c:formatCode>General</c:formatCode>
-                <c:ptCount val="4"/>
-                <c:pt idx="0">
-                  <c:v>2</c:v>
-                </c:pt>
-                <c:pt idx="1">
-                  <c:v>2</c:v>
-                </c:pt>
-                <c:pt idx="2">
-                  <c:v>3</c:v>
-                </c:pt>
-                <c:pt idx="3">
-                  <c:v>5</c:v>
-                </c:pt>
-              </c:numCache>
-            </c:numRef>
-          </c:val>
-          <c:smooth val="0"/>
-          <c:extLst>
-            <c:ext xmlns:c16="http://schemas.microsoft.com/office/drawing/2014/chart" uri="{C3380CC4-5D6E-409C-BE32-E72D297353CC}">
-              <c16:uniqueId val="{00000002-D77F-4F3E-AA9D-5AA49345846B}"/>
-            </c:ext>
-          </c:extLst>
-        </c:ser>
-        <c:dLbls>
-          <c:showLegendKey val="0"/>
-          <c:showVal val="0"/>
-          <c:showCatName val="0"/>
-          <c:showSerName val="0"/>
-          <c:showPercent val="0"/>
-          <c:showBubbleSize val="0"/>
-        </c:dLbls>
-        <c:marker val="1"/>
-        <c:smooth val="0"/>
-        <c:axId val="316869871"/>
-        <c:axId val="316870287"/>
-      </c:lineChart>
-      <c:catAx>
-        <c:axId val="316869871"/>
-        <c:scaling>
-          <c:orientation val="minMax"/>
-        </c:scaling>
-        <c:delete val="0"/>
-        <c:axPos val="b"/>
-        <c:numFmt formatCode="General" sourceLinked="1"/>
-        <c:majorTickMark val="none"/>
-        <c:minorTickMark val="none"/>
-        <c:tickLblPos val="nextTo"/>
-        <c:spPr>
-          <a:noFill/>
-          <a:ln w="9525" cap="flat" cmpd="sng" algn="ctr">
-            <a:solidFill>
-              <a:schemeClr val="tx1">
-                <a:lumMod val="15000"/>
-                <a:lumOff val="85000"/>
-              </a:schemeClr>
-            </a:solidFill>
-            <a:round/>
-          </a:ln>
-          <a:effectLst/>
-        </c:spPr>
-        <c:txPr>
-          <a:bodyPr rot="-60000000" spcFirstLastPara="1" vertOverflow="ellipsis" vert="horz" wrap="square" anchor="ctr" anchorCtr="1"/>
-          <a:lstStyle/>
-          <a:p>
-            <a:pPr>
-              <a:defRPr sz="1197" b="0" i="0" u="none" strike="noStrike" kern="1200" baseline="0">
-                <a:solidFill>
-                  <a:schemeClr val="tx1">
-                    <a:lumMod val="65000"/>
-                    <a:lumOff val="35000"/>
-                  </a:schemeClr>
-                </a:solidFill>
-                <a:latin typeface="+mn-lt"/>
-                <a:ea typeface="+mn-ea"/>
-                <a:cs typeface="+mn-cs"/>
-              </a:defRPr>
-            </a:pPr>
-            <a:endParaRPr lang="ko-KR"/>
-          </a:p>
-        </c:txPr>
-        <c:crossAx val="316870287"/>
-        <c:crosses val="autoZero"/>
-        <c:auto val="1"/>
-        <c:lblAlgn val="ctr"/>
-        <c:lblOffset val="100"/>
-        <c:noMultiLvlLbl val="0"/>
-      </c:catAx>
-      <c:valAx>
-        <c:axId val="316870287"/>
-        <c:scaling>
-          <c:orientation val="minMax"/>
-        </c:scaling>
-        <c:delete val="0"/>
-        <c:axPos val="l"/>
-        <c:majorGridlines>
-          <c:spPr>
-            <a:ln w="9525" cap="flat" cmpd="sng" algn="ctr">
-              <a:solidFill>
-                <a:schemeClr val="tx1">
-                  <a:lumMod val="15000"/>
-                  <a:lumOff val="85000"/>
-                </a:schemeClr>
-              </a:solidFill>
-              <a:round/>
-            </a:ln>
-            <a:effectLst/>
-          </c:spPr>
-        </c:majorGridlines>
-        <c:numFmt formatCode="General" sourceLinked="1"/>
-        <c:majorTickMark val="none"/>
-        <c:minorTickMark val="none"/>
-        <c:tickLblPos val="nextTo"/>
-        <c:spPr>
-          <a:noFill/>
-          <a:ln>
-            <a:noFill/>
-          </a:ln>
-          <a:effectLst/>
-        </c:spPr>
-        <c:txPr>
-          <a:bodyPr rot="-60000000" spcFirstLastPara="1" vertOverflow="ellipsis" vert="horz" wrap="square" anchor="ctr" anchorCtr="1"/>
-          <a:lstStyle/>
-          <a:p>
-            <a:pPr>
-              <a:defRPr sz="1197" b="0" i="0" u="none" strike="noStrike" kern="1200" baseline="0">
-                <a:solidFill>
-                  <a:schemeClr val="tx1">
-                    <a:lumMod val="65000"/>
-                    <a:lumOff val="35000"/>
-                  </a:schemeClr>
-                </a:solidFill>
-                <a:latin typeface="+mn-lt"/>
-                <a:ea typeface="+mn-ea"/>
-                <a:cs typeface="+mn-cs"/>
-              </a:defRPr>
-            </a:pPr>
-            <a:endParaRPr lang="ko-KR"/>
-          </a:p>
-        </c:txPr>
-        <c:crossAx val="316869871"/>
-        <c:crosses val="autoZero"/>
-        <c:crossBetween val="between"/>
-      </c:valAx>
-      <c:spPr>
-        <a:noFill/>
-        <a:ln>
-          <a:noFill/>
-        </a:ln>
-        <a:effectLst/>
-      </c:spPr>
-    </c:plotArea>
-    <c:legend>
-      <c:legendPos val="b"/>
-      <c:overlay val="0"/>
-      <c:spPr>
-        <a:noFill/>
-        <a:ln>
-          <a:noFill/>
-        </a:ln>
-        <a:effectLst/>
-      </c:spPr>
-      <c:txPr>
-        <a:bodyPr rot="0" spcFirstLastPara="1" vertOverflow="ellipsis" vert="horz" wrap="square" anchor="ctr" anchorCtr="1"/>
-        <a:lstStyle/>
-        <a:p>
-          <a:pPr>
-            <a:defRPr sz="1197" b="0" i="0" u="none" strike="noStrike" kern="1200" baseline="0">
-              <a:solidFill>
-                <a:schemeClr val="tx1">
-                  <a:lumMod val="65000"/>
-                  <a:lumOff val="35000"/>
-                </a:schemeClr>
-              </a:solidFill>
-              <a:latin typeface="+mn-lt"/>
-              <a:ea typeface="+mn-ea"/>
-              <a:cs typeface="+mn-cs"/>
-            </a:defRPr>
-          </a:pPr>
-          <a:endParaRPr lang="ko-KR"/>
-        </a:p>
-      </c:txPr>
-    </c:legend>
-    <c:plotVisOnly val="1"/>
-    <c:dispBlanksAs val="gap"/>
-    <c:showDLblsOverMax val="0"/>
-  </c:chart>
-  <c:spPr>
-    <a:noFill/>
-    <a:ln>
-      <a:noFill/>
-    </a:ln>
-    <a:effectLst/>
-  </c:spPr>
-  <c:txPr>
-    <a:bodyPr/>
-    <a:lstStyle/>
-    <a:p>
-      <a:pPr>
-        <a:defRPr/>
-      </a:pPr>
-      <a:endParaRPr lang="ko-KR"/>
-    </a:p>
-  </c:txPr>
-  <c:externalData r:id="rId3">
-    <c:autoUpdate val="0"/>
-  </c:externalData>
-</c:chartSpace>
-</file>
-
 <file path=ppt/charts/colors1.xml><?xml version="1.0" encoding="utf-8"?>
-<cs:colorStyle xmlns:cs="http://schemas.microsoft.com/office/drawing/2012/chartStyle" xmlns:a="http://schemas.openxmlformats.org/drawingml/2006/main" meth="cycle" id="10">
-  <a:schemeClr val="accent1"/>
-  <a:schemeClr val="accent2"/>
-  <a:schemeClr val="accent3"/>
-  <a:schemeClr val="accent4"/>
-  <a:schemeClr val="accent5"/>
-  <a:schemeClr val="accent6"/>
-  <cs:variation/>
-  <cs:variation>
-    <a:lumMod val="60000"/>
-  </cs:variation>
-  <cs:variation>
-    <a:lumMod val="80000"/>
-    <a:lumOff val="20000"/>
-  </cs:variation>
-  <cs:variation>
-    <a:lumMod val="80000"/>
-  </cs:variation>
-  <cs:variation>
-    <a:lumMod val="60000"/>
-    <a:lumOff val="40000"/>
-  </cs:variation>
-  <cs:variation>
-    <a:lumMod val="50000"/>
-  </cs:variation>
-  <cs:variation>
-    <a:lumMod val="70000"/>
-    <a:lumOff val="30000"/>
-  </cs:variation>
-  <cs:variation>
-    <a:lumMod val="70000"/>
-  </cs:variation>
-  <cs:variation>
-    <a:lumMod val="50000"/>
-    <a:lumOff val="50000"/>
-  </cs:variation>
-</cs:colorStyle>
-</file>
-
-<file path=ppt/charts/colors2.xml><?xml version="1.0" encoding="utf-8"?>
 <cs:colorStyle xmlns:cs="http://schemas.microsoft.com/office/drawing/2012/chartStyle" xmlns:a="http://schemas.openxmlformats.org/drawingml/2006/main" meth="cycle" id="10">
   <a:schemeClr val="accent1"/>
   <a:schemeClr val="accent2"/>
@@ -1446,509 +947,6 @@
 </cs:chartStyle>
 </file>
 
-<file path=ppt/charts/style2.xml><?xml version="1.0" encoding="utf-8"?>
-<cs:chartStyle xmlns:cs="http://schemas.microsoft.com/office/drawing/2012/chartStyle" xmlns:a="http://schemas.openxmlformats.org/drawingml/2006/main" id="332">
-  <cs:axisTitle>
-    <cs:lnRef idx="0"/>
-    <cs:fillRef idx="0"/>
-    <cs:effectRef idx="0"/>
-    <cs:fontRef idx="minor">
-      <a:schemeClr val="tx1">
-        <a:lumMod val="65000"/>
-        <a:lumOff val="35000"/>
-      </a:schemeClr>
-    </cs:fontRef>
-    <cs:defRPr sz="1330" kern="1200"/>
-  </cs:axisTitle>
-  <cs:categoryAxis>
-    <cs:lnRef idx="0"/>
-    <cs:fillRef idx="0"/>
-    <cs:effectRef idx="0"/>
-    <cs:fontRef idx="minor">
-      <a:schemeClr val="tx1">
-        <a:lumMod val="65000"/>
-        <a:lumOff val="35000"/>
-      </a:schemeClr>
-    </cs:fontRef>
-    <cs:spPr>
-      <a:ln w="9525" cap="flat" cmpd="sng" algn="ctr">
-        <a:solidFill>
-          <a:schemeClr val="tx1">
-            <a:lumMod val="15000"/>
-            <a:lumOff val="85000"/>
-          </a:schemeClr>
-        </a:solidFill>
-        <a:round/>
-      </a:ln>
-    </cs:spPr>
-    <cs:defRPr sz="1197" kern="1200"/>
-  </cs:categoryAxis>
-  <cs:chartArea mods="allowNoFillOverride allowNoLineOverride">
-    <cs:lnRef idx="0"/>
-    <cs:fillRef idx="0"/>
-    <cs:effectRef idx="0"/>
-    <cs:fontRef idx="minor">
-      <a:schemeClr val="tx1"/>
-    </cs:fontRef>
-    <cs:spPr>
-      <a:solidFill>
-        <a:schemeClr val="bg1"/>
-      </a:solidFill>
-      <a:ln w="9525" cap="flat" cmpd="sng" algn="ctr">
-        <a:solidFill>
-          <a:schemeClr val="tx1">
-            <a:lumMod val="15000"/>
-            <a:lumOff val="85000"/>
-          </a:schemeClr>
-        </a:solidFill>
-        <a:round/>
-      </a:ln>
-    </cs:spPr>
-    <cs:defRPr sz="1330" kern="1200"/>
-  </cs:chartArea>
-  <cs:dataLabel>
-    <cs:lnRef idx="0"/>
-    <cs:fillRef idx="0"/>
-    <cs:effectRef idx="0"/>
-    <cs:fontRef idx="minor">
-      <a:schemeClr val="tx1">
-        <a:lumMod val="75000"/>
-        <a:lumOff val="25000"/>
-      </a:schemeClr>
-    </cs:fontRef>
-    <cs:defRPr sz="1197" kern="1200"/>
-  </cs:dataLabel>
-  <cs:dataLabelCallout>
-    <cs:lnRef idx="0"/>
-    <cs:fillRef idx="0"/>
-    <cs:effectRef idx="0"/>
-    <cs:fontRef idx="minor">
-      <a:schemeClr val="dk1">
-        <a:lumMod val="65000"/>
-        <a:lumOff val="35000"/>
-      </a:schemeClr>
-    </cs:fontRef>
-    <cs:spPr>
-      <a:solidFill>
-        <a:schemeClr val="lt1"/>
-      </a:solidFill>
-      <a:ln>
-        <a:solidFill>
-          <a:schemeClr val="dk1">
-            <a:lumMod val="25000"/>
-            <a:lumOff val="75000"/>
-          </a:schemeClr>
-        </a:solidFill>
-      </a:ln>
-    </cs:spPr>
-    <cs:defRPr sz="1197" kern="1200"/>
-    <cs:bodyPr rot="0" spcFirstLastPara="1" vertOverflow="clip" horzOverflow="clip" vert="horz" wrap="square" lIns="36576" tIns="18288" rIns="36576" bIns="18288" anchor="ctr" anchorCtr="1">
-      <a:spAutoFit/>
-    </cs:bodyPr>
-  </cs:dataLabelCallout>
-  <cs:dataPoint>
-    <cs:lnRef idx="0"/>
-    <cs:fillRef idx="1">
-      <cs:styleClr val="auto"/>
-    </cs:fillRef>
-    <cs:effectRef idx="0"/>
-    <cs:fontRef idx="minor">
-      <a:schemeClr val="tx1"/>
-    </cs:fontRef>
-  </cs:dataPoint>
-  <cs:dataPoint3D>
-    <cs:lnRef idx="0"/>
-    <cs:fillRef idx="1">
-      <cs:styleClr val="auto"/>
-    </cs:fillRef>
-    <cs:effectRef idx="0"/>
-    <cs:fontRef idx="minor">
-      <a:schemeClr val="tx1"/>
-    </cs:fontRef>
-  </cs:dataPoint3D>
-  <cs:dataPointLine>
-    <cs:lnRef idx="0">
-      <cs:styleClr val="auto"/>
-    </cs:lnRef>
-    <cs:fillRef idx="1"/>
-    <cs:effectRef idx="0"/>
-    <cs:fontRef idx="minor">
-      <a:schemeClr val="tx1"/>
-    </cs:fontRef>
-    <cs:spPr>
-      <a:ln w="28575" cap="rnd">
-        <a:solidFill>
-          <a:schemeClr val="phClr"/>
-        </a:solidFill>
-        <a:round/>
-      </a:ln>
-    </cs:spPr>
-  </cs:dataPointLine>
-  <cs:dataPointMarker>
-    <cs:lnRef idx="0">
-      <cs:styleClr val="auto"/>
-    </cs:lnRef>
-    <cs:fillRef idx="1">
-      <cs:styleClr val="auto"/>
-    </cs:fillRef>
-    <cs:effectRef idx="0"/>
-    <cs:fontRef idx="minor">
-      <a:schemeClr val="tx1"/>
-    </cs:fontRef>
-    <cs:spPr>
-      <a:ln w="9525">
-        <a:solidFill>
-          <a:schemeClr val="phClr"/>
-        </a:solidFill>
-      </a:ln>
-    </cs:spPr>
-  </cs:dataPointMarker>
-  <cs:dataPointMarkerLayout symbol="circle" size="5"/>
-  <cs:dataPointWireframe>
-    <cs:lnRef idx="0">
-      <cs:styleClr val="auto"/>
-    </cs:lnRef>
-    <cs:fillRef idx="1"/>
-    <cs:effectRef idx="0"/>
-    <cs:fontRef idx="minor">
-      <a:schemeClr val="tx1"/>
-    </cs:fontRef>
-    <cs:spPr>
-      <a:ln w="9525" cap="rnd">
-        <a:solidFill>
-          <a:schemeClr val="phClr"/>
-        </a:solidFill>
-        <a:round/>
-      </a:ln>
-    </cs:spPr>
-  </cs:dataPointWireframe>
-  <cs:dataTable>
-    <cs:lnRef idx="0"/>
-    <cs:fillRef idx="0"/>
-    <cs:effectRef idx="0"/>
-    <cs:fontRef idx="minor">
-      <a:schemeClr val="tx1">
-        <a:lumMod val="65000"/>
-        <a:lumOff val="35000"/>
-      </a:schemeClr>
-    </cs:fontRef>
-    <cs:spPr>
-      <a:noFill/>
-      <a:ln w="9525" cap="flat" cmpd="sng" algn="ctr">
-        <a:solidFill>
-          <a:schemeClr val="tx1">
-            <a:lumMod val="15000"/>
-            <a:lumOff val="85000"/>
-          </a:schemeClr>
-        </a:solidFill>
-        <a:round/>
-      </a:ln>
-    </cs:spPr>
-    <cs:defRPr sz="1197" kern="1200"/>
-  </cs:dataTable>
-  <cs:downBar>
-    <cs:lnRef idx="0"/>
-    <cs:fillRef idx="0"/>
-    <cs:effectRef idx="0"/>
-    <cs:fontRef idx="minor">
-      <a:schemeClr val="dk1"/>
-    </cs:fontRef>
-    <cs:spPr>
-      <a:solidFill>
-        <a:schemeClr val="dk1">
-          <a:lumMod val="65000"/>
-          <a:lumOff val="35000"/>
-        </a:schemeClr>
-      </a:solidFill>
-      <a:ln w="9525">
-        <a:solidFill>
-          <a:schemeClr val="tx1">
-            <a:lumMod val="65000"/>
-            <a:lumOff val="35000"/>
-          </a:schemeClr>
-        </a:solidFill>
-      </a:ln>
-    </cs:spPr>
-  </cs:downBar>
-  <cs:dropLine>
-    <cs:lnRef idx="0"/>
-    <cs:fillRef idx="0"/>
-    <cs:effectRef idx="0"/>
-    <cs:fontRef idx="minor">
-      <a:schemeClr val="tx1"/>
-    </cs:fontRef>
-    <cs:spPr>
-      <a:ln w="9525" cap="flat" cmpd="sng" algn="ctr">
-        <a:solidFill>
-          <a:schemeClr val="tx1">
-            <a:lumMod val="35000"/>
-            <a:lumOff val="65000"/>
-          </a:schemeClr>
-        </a:solidFill>
-        <a:round/>
-      </a:ln>
-    </cs:spPr>
-  </cs:dropLine>
-  <cs:errorBar>
-    <cs:lnRef idx="0"/>
-    <cs:fillRef idx="0"/>
-    <cs:effectRef idx="0"/>
-    <cs:fontRef idx="minor">
-      <a:schemeClr val="tx1"/>
-    </cs:fontRef>
-    <cs:spPr>
-      <a:ln w="9525" cap="flat" cmpd="sng" algn="ctr">
-        <a:solidFill>
-          <a:schemeClr val="tx1">
-            <a:lumMod val="65000"/>
-            <a:lumOff val="35000"/>
-          </a:schemeClr>
-        </a:solidFill>
-        <a:round/>
-      </a:ln>
-    </cs:spPr>
-  </cs:errorBar>
-  <cs:floor>
-    <cs:lnRef idx="0"/>
-    <cs:fillRef idx="0"/>
-    <cs:effectRef idx="0"/>
-    <cs:fontRef idx="minor">
-      <a:schemeClr val="tx1"/>
-    </cs:fontRef>
-    <cs:spPr>
-      <a:noFill/>
-      <a:ln>
-        <a:noFill/>
-      </a:ln>
-    </cs:spPr>
-  </cs:floor>
-  <cs:gridlineMajor>
-    <cs:lnRef idx="0"/>
-    <cs:fillRef idx="0"/>
-    <cs:effectRef idx="0"/>
-    <cs:fontRef idx="minor">
-      <a:schemeClr val="tx1"/>
-    </cs:fontRef>
-    <cs:spPr>
-      <a:ln w="9525" cap="flat" cmpd="sng" algn="ctr">
-        <a:solidFill>
-          <a:schemeClr val="tx1">
-            <a:lumMod val="15000"/>
-            <a:lumOff val="85000"/>
-          </a:schemeClr>
-        </a:solidFill>
-        <a:round/>
-      </a:ln>
-    </cs:spPr>
-  </cs:gridlineMajor>
-  <cs:gridlineMinor>
-    <cs:lnRef idx="0"/>
-    <cs:fillRef idx="0"/>
-    <cs:effectRef idx="0"/>
-    <cs:fontRef idx="minor">
-      <a:schemeClr val="tx1"/>
-    </cs:fontRef>
-    <cs:spPr>
-      <a:ln w="9525" cap="flat" cmpd="sng" algn="ctr">
-        <a:solidFill>
-          <a:schemeClr val="tx1">
-            <a:lumMod val="5000"/>
-            <a:lumOff val="95000"/>
-          </a:schemeClr>
-        </a:solidFill>
-        <a:round/>
-      </a:ln>
-    </cs:spPr>
-  </cs:gridlineMinor>
-  <cs:hiLoLine>
-    <cs:lnRef idx="0"/>
-    <cs:fillRef idx="0"/>
-    <cs:effectRef idx="0"/>
-    <cs:fontRef idx="minor">
-      <a:schemeClr val="tx1"/>
-    </cs:fontRef>
-    <cs:spPr>
-      <a:ln w="9525" cap="flat" cmpd="sng" algn="ctr">
-        <a:solidFill>
-          <a:schemeClr val="tx1">
-            <a:lumMod val="75000"/>
-            <a:lumOff val="25000"/>
-          </a:schemeClr>
-        </a:solidFill>
-        <a:round/>
-      </a:ln>
-    </cs:spPr>
-  </cs:hiLoLine>
-  <cs:leaderLine>
-    <cs:lnRef idx="0"/>
-    <cs:fillRef idx="0"/>
-    <cs:effectRef idx="0"/>
-    <cs:fontRef idx="minor">
-      <a:schemeClr val="tx1"/>
-    </cs:fontRef>
-    <cs:spPr>
-      <a:ln w="9525" cap="flat" cmpd="sng" algn="ctr">
-        <a:solidFill>
-          <a:schemeClr val="tx1">
-            <a:lumMod val="35000"/>
-            <a:lumOff val="65000"/>
-          </a:schemeClr>
-        </a:solidFill>
-        <a:round/>
-      </a:ln>
-    </cs:spPr>
-  </cs:leaderLine>
-  <cs:legend>
-    <cs:lnRef idx="0"/>
-    <cs:fillRef idx="0"/>
-    <cs:effectRef idx="0"/>
-    <cs:fontRef idx="minor">
-      <a:schemeClr val="tx1">
-        <a:lumMod val="65000"/>
-        <a:lumOff val="35000"/>
-      </a:schemeClr>
-    </cs:fontRef>
-    <cs:defRPr sz="1197" kern="1200"/>
-  </cs:legend>
-  <cs:plotArea mods="allowNoFillOverride allowNoLineOverride">
-    <cs:lnRef idx="0"/>
-    <cs:fillRef idx="0"/>
-    <cs:effectRef idx="0"/>
-    <cs:fontRef idx="minor">
-      <a:schemeClr val="tx1"/>
-    </cs:fontRef>
-  </cs:plotArea>
-  <cs:plotArea3D mods="allowNoFillOverride allowNoLineOverride">
-    <cs:lnRef idx="0"/>
-    <cs:fillRef idx="0"/>
-    <cs:effectRef idx="0"/>
-    <cs:fontRef idx="minor">
-      <a:schemeClr val="tx1"/>
-    </cs:fontRef>
-  </cs:plotArea3D>
-  <cs:seriesAxis>
-    <cs:lnRef idx="0"/>
-    <cs:fillRef idx="0"/>
-    <cs:effectRef idx="0"/>
-    <cs:fontRef idx="minor">
-      <a:schemeClr val="tx1">
-        <a:lumMod val="65000"/>
-        <a:lumOff val="35000"/>
-      </a:schemeClr>
-    </cs:fontRef>
-    <cs:defRPr sz="1197" kern="1200"/>
-  </cs:seriesAxis>
-  <cs:seriesLine>
-    <cs:lnRef idx="0"/>
-    <cs:fillRef idx="0"/>
-    <cs:effectRef idx="0"/>
-    <cs:fontRef idx="minor">
-      <a:schemeClr val="tx1"/>
-    </cs:fontRef>
-    <cs:spPr>
-      <a:ln w="9525" cap="flat" cmpd="sng" algn="ctr">
-        <a:solidFill>
-          <a:schemeClr val="tx1">
-            <a:lumMod val="35000"/>
-            <a:lumOff val="65000"/>
-          </a:schemeClr>
-        </a:solidFill>
-        <a:round/>
-      </a:ln>
-    </cs:spPr>
-  </cs:seriesLine>
-  <cs:title>
-    <cs:lnRef idx="0"/>
-    <cs:fillRef idx="0"/>
-    <cs:effectRef idx="0"/>
-    <cs:fontRef idx="minor">
-      <a:schemeClr val="tx1">
-        <a:lumMod val="65000"/>
-        <a:lumOff val="35000"/>
-      </a:schemeClr>
-    </cs:fontRef>
-    <cs:defRPr sz="1862" b="0" kern="1200" spc="0" baseline="0"/>
-  </cs:title>
-  <cs:trendline>
-    <cs:lnRef idx="0">
-      <cs:styleClr val="auto"/>
-    </cs:lnRef>
-    <cs:fillRef idx="0"/>
-    <cs:effectRef idx="0"/>
-    <cs:fontRef idx="minor">
-      <a:schemeClr val="tx1"/>
-    </cs:fontRef>
-    <cs:spPr>
-      <a:ln w="19050" cap="rnd">
-        <a:solidFill>
-          <a:schemeClr val="phClr"/>
-        </a:solidFill>
-        <a:prstDash val="sysDot"/>
-      </a:ln>
-    </cs:spPr>
-  </cs:trendline>
-  <cs:trendlineLabel>
-    <cs:lnRef idx="0"/>
-    <cs:fillRef idx="0"/>
-    <cs:effectRef idx="0"/>
-    <cs:fontRef idx="minor">
-      <a:schemeClr val="tx1">
-        <a:lumMod val="65000"/>
-        <a:lumOff val="35000"/>
-      </a:schemeClr>
-    </cs:fontRef>
-    <cs:defRPr sz="1197" kern="1200"/>
-  </cs:trendlineLabel>
-  <cs:upBar>
-    <cs:lnRef idx="0"/>
-    <cs:fillRef idx="0"/>
-    <cs:effectRef idx="0"/>
-    <cs:fontRef idx="minor">
-      <a:schemeClr val="dk1"/>
-    </cs:fontRef>
-    <cs:spPr>
-      <a:solidFill>
-        <a:schemeClr val="lt1"/>
-      </a:solidFill>
-      <a:ln w="9525">
-        <a:solidFill>
-          <a:schemeClr val="tx1">
-            <a:lumMod val="15000"/>
-            <a:lumOff val="85000"/>
-          </a:schemeClr>
-        </a:solidFill>
-      </a:ln>
-    </cs:spPr>
-  </cs:upBar>
-  <cs:valueAxis>
-    <cs:lnRef idx="0"/>
-    <cs:fillRef idx="0"/>
-    <cs:effectRef idx="0"/>
-    <cs:fontRef idx="minor">
-      <a:schemeClr val="tx1">
-        <a:lumMod val="65000"/>
-        <a:lumOff val="35000"/>
-      </a:schemeClr>
-    </cs:fontRef>
-    <cs:defRPr sz="1197" kern="1200"/>
-  </cs:valueAxis>
-  <cs:wall>
-    <cs:lnRef idx="0"/>
-    <cs:fillRef idx="0"/>
-    <cs:effectRef idx="0"/>
-    <cs:fontRef idx="minor">
-      <a:schemeClr val="tx1"/>
-    </cs:fontRef>
-    <cs:spPr>
-      <a:noFill/>
-      <a:ln>
-        <a:noFill/>
-      </a:ln>
-    </cs:spPr>
-  </cs:wall>
-</cs:chartStyle>
-</file>
-
 <file path=ppt/slideLayouts/slideLayout1.xml><?xml version="1.0" encoding="utf-8"?>
 <p:sldLayout xmlns:a="http://schemas.openxmlformats.org/drawingml/2006/main" xmlns:r="http://schemas.openxmlformats.org/officeDocument/2006/relationships" xmlns:p="http://schemas.openxmlformats.org/presentationml/2006/main" type="title" preserve="1">
   <p:cSld name="제목 슬라이드">
@@ -2080,7 +1078,7 @@
           <a:p>
             <a:fld id="{774DCD05-5649-4EF0-93CB-32420155E3C9}" type="datetimeFigureOut">
               <a:rPr lang="ko-KR" altLang="en-US" smtClean="0"/>
-              <a:t>2021-07-20</a:t>
+              <a:t>2021-08-05</a:t>
             </a:fld>
             <a:endParaRPr lang="ko-KR" altLang="en-US"/>
           </a:p>
@@ -2250,7 +1248,7 @@
           <a:p>
             <a:fld id="{774DCD05-5649-4EF0-93CB-32420155E3C9}" type="datetimeFigureOut">
               <a:rPr lang="ko-KR" altLang="en-US" smtClean="0"/>
-              <a:t>2021-07-20</a:t>
+              <a:t>2021-08-05</a:t>
             </a:fld>
             <a:endParaRPr lang="ko-KR" altLang="en-US"/>
           </a:p>
@@ -2430,7 +1428,7 @@
           <a:p>
             <a:fld id="{774DCD05-5649-4EF0-93CB-32420155E3C9}" type="datetimeFigureOut">
               <a:rPr lang="ko-KR" altLang="en-US" smtClean="0"/>
-              <a:t>2021-07-20</a:t>
+              <a:t>2021-08-05</a:t>
             </a:fld>
             <a:endParaRPr lang="ko-KR" altLang="en-US"/>
           </a:p>
@@ -2600,7 +1598,7 @@
           <a:p>
             <a:fld id="{774DCD05-5649-4EF0-93CB-32420155E3C9}" type="datetimeFigureOut">
               <a:rPr lang="ko-KR" altLang="en-US" smtClean="0"/>
-              <a:t>2021-07-20</a:t>
+              <a:t>2021-08-05</a:t>
             </a:fld>
             <a:endParaRPr lang="ko-KR" altLang="en-US"/>
           </a:p>
@@ -2844,7 +1842,7 @@
           <a:p>
             <a:fld id="{774DCD05-5649-4EF0-93CB-32420155E3C9}" type="datetimeFigureOut">
               <a:rPr lang="ko-KR" altLang="en-US" smtClean="0"/>
-              <a:t>2021-07-20</a:t>
+              <a:t>2021-08-05</a:t>
             </a:fld>
             <a:endParaRPr lang="ko-KR" altLang="en-US"/>
           </a:p>
@@ -3076,7 +2074,7 @@
           <a:p>
             <a:fld id="{774DCD05-5649-4EF0-93CB-32420155E3C9}" type="datetimeFigureOut">
               <a:rPr lang="ko-KR" altLang="en-US" smtClean="0"/>
-              <a:t>2021-07-20</a:t>
+              <a:t>2021-08-05</a:t>
             </a:fld>
             <a:endParaRPr lang="ko-KR" altLang="en-US"/>
           </a:p>
@@ -3443,7 +2441,7 @@
           <a:p>
             <a:fld id="{774DCD05-5649-4EF0-93CB-32420155E3C9}" type="datetimeFigureOut">
               <a:rPr lang="ko-KR" altLang="en-US" smtClean="0"/>
-              <a:t>2021-07-20</a:t>
+              <a:t>2021-08-05</a:t>
             </a:fld>
             <a:endParaRPr lang="ko-KR" altLang="en-US"/>
           </a:p>
@@ -3561,7 +2559,7 @@
           <a:p>
             <a:fld id="{774DCD05-5649-4EF0-93CB-32420155E3C9}" type="datetimeFigureOut">
               <a:rPr lang="ko-KR" altLang="en-US" smtClean="0"/>
-              <a:t>2021-07-20</a:t>
+              <a:t>2021-08-05</a:t>
             </a:fld>
             <a:endParaRPr lang="ko-KR" altLang="en-US"/>
           </a:p>
@@ -3656,7 +2654,7 @@
           <a:p>
             <a:fld id="{774DCD05-5649-4EF0-93CB-32420155E3C9}" type="datetimeFigureOut">
               <a:rPr lang="ko-KR" altLang="en-US" smtClean="0"/>
-              <a:t>2021-07-20</a:t>
+              <a:t>2021-08-05</a:t>
             </a:fld>
             <a:endParaRPr lang="ko-KR" altLang="en-US"/>
           </a:p>
@@ -3933,7 +2931,7 @@
           <a:p>
             <a:fld id="{774DCD05-5649-4EF0-93CB-32420155E3C9}" type="datetimeFigureOut">
               <a:rPr lang="ko-KR" altLang="en-US" smtClean="0"/>
-              <a:t>2021-07-20</a:t>
+              <a:t>2021-08-05</a:t>
             </a:fld>
             <a:endParaRPr lang="ko-KR" altLang="en-US"/>
           </a:p>
@@ -4190,7 +3188,7 @@
           <a:p>
             <a:fld id="{774DCD05-5649-4EF0-93CB-32420155E3C9}" type="datetimeFigureOut">
               <a:rPr lang="ko-KR" altLang="en-US" smtClean="0"/>
-              <a:t>2021-07-20</a:t>
+              <a:t>2021-08-05</a:t>
             </a:fld>
             <a:endParaRPr lang="ko-KR" altLang="en-US"/>
           </a:p>
@@ -4403,7 +3401,7 @@
           <a:p>
             <a:fld id="{774DCD05-5649-4EF0-93CB-32420155E3C9}" type="datetimeFigureOut">
               <a:rPr lang="ko-KR" altLang="en-US" smtClean="0"/>
-              <a:t>2021-07-20</a:t>
+              <a:t>2021-08-05</a:t>
             </a:fld>
             <a:endParaRPr lang="ko-KR" altLang="en-US"/>
           </a:p>
@@ -5092,6 +4090,3369 @@
 </p:sld>
 </file>
 
+<file path=ppt/slides/slide10.xml><?xml version="1.0" encoding="utf-8"?>
+<p:sld xmlns:a="http://schemas.openxmlformats.org/drawingml/2006/main" xmlns:r="http://schemas.openxmlformats.org/officeDocument/2006/relationships" xmlns:p="http://schemas.openxmlformats.org/presentationml/2006/main">
+  <p:cSld>
+    <p:spTree>
+      <p:nvGrpSpPr>
+        <p:cNvPr id="1" name=""/>
+        <p:cNvGrpSpPr/>
+        <p:nvPr/>
+      </p:nvGrpSpPr>
+      <p:grpSpPr>
+        <a:xfrm>
+          <a:off x="0" y="0"/>
+          <a:ext cx="0" cy="0"/>
+          <a:chOff x="0" y="0"/>
+          <a:chExt cx="0" cy="0"/>
+        </a:xfrm>
+      </p:grpSpPr>
+      <p:cxnSp>
+        <p:nvCxnSpPr>
+          <p:cNvPr id="5" name="직선 연결선 4"/>
+          <p:cNvCxnSpPr/>
+          <p:nvPr/>
+        </p:nvCxnSpPr>
+        <p:spPr>
+          <a:xfrm>
+            <a:off x="0" y="216131"/>
+            <a:ext cx="9144000" cy="0"/>
+          </a:xfrm>
+          <a:prstGeom prst="line">
+            <a:avLst/>
+          </a:prstGeom>
+          <a:ln w="28575">
+            <a:solidFill>
+              <a:schemeClr val="tx1">
+                <a:lumMod val="85000"/>
+                <a:lumOff val="15000"/>
+              </a:schemeClr>
+            </a:solidFill>
+          </a:ln>
+        </p:spPr>
+        <p:style>
+          <a:lnRef idx="1">
+            <a:schemeClr val="accent1"/>
+          </a:lnRef>
+          <a:fillRef idx="0">
+            <a:schemeClr val="accent1"/>
+          </a:fillRef>
+          <a:effectRef idx="0">
+            <a:schemeClr val="accent1"/>
+          </a:effectRef>
+          <a:fontRef idx="minor">
+            <a:schemeClr val="tx1"/>
+          </a:fontRef>
+        </p:style>
+      </p:cxnSp>
+      <p:cxnSp>
+        <p:nvCxnSpPr>
+          <p:cNvPr id="6" name="직선 연결선 5"/>
+          <p:cNvCxnSpPr/>
+          <p:nvPr/>
+        </p:nvCxnSpPr>
+        <p:spPr>
+          <a:xfrm>
+            <a:off x="0" y="6644640"/>
+            <a:ext cx="9144000" cy="0"/>
+          </a:xfrm>
+          <a:prstGeom prst="line">
+            <a:avLst/>
+          </a:prstGeom>
+          <a:ln w="28575">
+            <a:solidFill>
+              <a:schemeClr val="tx1">
+                <a:lumMod val="85000"/>
+                <a:lumOff val="15000"/>
+              </a:schemeClr>
+            </a:solidFill>
+          </a:ln>
+        </p:spPr>
+        <p:style>
+          <a:lnRef idx="1">
+            <a:schemeClr val="accent1"/>
+          </a:lnRef>
+          <a:fillRef idx="0">
+            <a:schemeClr val="accent1"/>
+          </a:fillRef>
+          <a:effectRef idx="0">
+            <a:schemeClr val="accent1"/>
+          </a:effectRef>
+          <a:fontRef idx="minor">
+            <a:schemeClr val="tx1"/>
+          </a:fontRef>
+        </p:style>
+      </p:cxnSp>
+      <p:sp>
+        <p:nvSpPr>
+          <p:cNvPr id="7" name="직사각형 6"/>
+          <p:cNvSpPr/>
+          <p:nvPr/>
+        </p:nvSpPr>
+        <p:spPr>
+          <a:xfrm>
+            <a:off x="781398" y="0"/>
+            <a:ext cx="133002" cy="1330036"/>
+          </a:xfrm>
+          <a:prstGeom prst="rect">
+            <a:avLst/>
+          </a:prstGeom>
+          <a:solidFill>
+            <a:schemeClr val="tx1">
+              <a:lumMod val="85000"/>
+              <a:lumOff val="15000"/>
+            </a:schemeClr>
+          </a:solidFill>
+          <a:ln>
+            <a:noFill/>
+          </a:ln>
+        </p:spPr>
+        <p:style>
+          <a:lnRef idx="2">
+            <a:schemeClr val="accent1">
+              <a:shade val="50000"/>
+            </a:schemeClr>
+          </a:lnRef>
+          <a:fillRef idx="1">
+            <a:schemeClr val="accent1"/>
+          </a:fillRef>
+          <a:effectRef idx="0">
+            <a:schemeClr val="accent1"/>
+          </a:effectRef>
+          <a:fontRef idx="minor">
+            <a:schemeClr val="lt1"/>
+          </a:fontRef>
+        </p:style>
+        <p:txBody>
+          <a:bodyPr rtlCol="0" anchor="ctr"/>
+          <a:lstStyle/>
+          <a:p>
+            <a:pPr algn="ctr"/>
+            <a:endParaRPr lang="ko-KR" altLang="en-US"/>
+          </a:p>
+        </p:txBody>
+      </p:sp>
+      <p:sp>
+        <p:nvSpPr>
+          <p:cNvPr id="8" name="TextBox 7"/>
+          <p:cNvSpPr txBox="1"/>
+          <p:nvPr/>
+        </p:nvSpPr>
+        <p:spPr>
+          <a:xfrm>
+            <a:off x="1313413" y="374073"/>
+            <a:ext cx="1620957" cy="523220"/>
+          </a:xfrm>
+          <a:prstGeom prst="rect">
+            <a:avLst/>
+          </a:prstGeom>
+          <a:noFill/>
+        </p:spPr>
+        <p:txBody>
+          <a:bodyPr wrap="none" rtlCol="0">
+            <a:spAutoFit/>
+          </a:bodyPr>
+          <a:lstStyle/>
+          <a:p>
+            <a:r>
+              <a:rPr lang="ko-KR" altLang="en-US" sz="2800" b="1" dirty="0"/>
+              <a:t>수정사항</a:t>
+            </a:r>
+            <a:endParaRPr lang="en-US" altLang="ko-KR" sz="2800" b="1" dirty="0"/>
+          </a:p>
+        </p:txBody>
+      </p:sp>
+      <p:sp>
+        <p:nvSpPr>
+          <p:cNvPr id="9" name="TextBox 8"/>
+          <p:cNvSpPr txBox="1"/>
+          <p:nvPr/>
+        </p:nvSpPr>
+        <p:spPr>
+          <a:xfrm>
+            <a:off x="1382406" y="843957"/>
+            <a:ext cx="644728" cy="307777"/>
+          </a:xfrm>
+          <a:prstGeom prst="rect">
+            <a:avLst/>
+          </a:prstGeom>
+          <a:noFill/>
+        </p:spPr>
+        <p:txBody>
+          <a:bodyPr wrap="none" rtlCol="0">
+            <a:spAutoFit/>
+          </a:bodyPr>
+          <a:lstStyle/>
+          <a:p>
+            <a:r>
+              <a:rPr lang="en-US" altLang="ko-KR" sz="1400" b="1" dirty="0">
+                <a:solidFill>
+                  <a:schemeClr val="bg1">
+                    <a:lumMod val="50000"/>
+                  </a:schemeClr>
+                </a:solidFill>
+                <a:latin typeface="+mj-ea"/>
+                <a:ea typeface="+mj-ea"/>
+              </a:rPr>
+              <a:t>JSON</a:t>
+            </a:r>
+          </a:p>
+        </p:txBody>
+      </p:sp>
+      <p:cxnSp>
+        <p:nvCxnSpPr>
+          <p:cNvPr id="12" name="직선 연결선 11"/>
+          <p:cNvCxnSpPr/>
+          <p:nvPr/>
+        </p:nvCxnSpPr>
+        <p:spPr>
+          <a:xfrm>
+            <a:off x="157942" y="0"/>
+            <a:ext cx="0" cy="6858000"/>
+          </a:xfrm>
+          <a:prstGeom prst="line">
+            <a:avLst/>
+          </a:prstGeom>
+          <a:ln w="28575">
+            <a:solidFill>
+              <a:schemeClr val="tx1"/>
+            </a:solidFill>
+          </a:ln>
+        </p:spPr>
+        <p:style>
+          <a:lnRef idx="1">
+            <a:schemeClr val="accent1"/>
+          </a:lnRef>
+          <a:fillRef idx="0">
+            <a:schemeClr val="accent1"/>
+          </a:fillRef>
+          <a:effectRef idx="0">
+            <a:schemeClr val="accent1"/>
+          </a:effectRef>
+          <a:fontRef idx="minor">
+            <a:schemeClr val="tx1"/>
+          </a:fontRef>
+        </p:style>
+      </p:cxnSp>
+      <p:cxnSp>
+        <p:nvCxnSpPr>
+          <p:cNvPr id="11" name="직선 연결선 10"/>
+          <p:cNvCxnSpPr/>
+          <p:nvPr/>
+        </p:nvCxnSpPr>
+        <p:spPr>
+          <a:xfrm>
+            <a:off x="8947265" y="0"/>
+            <a:ext cx="0" cy="6858000"/>
+          </a:xfrm>
+          <a:prstGeom prst="line">
+            <a:avLst/>
+          </a:prstGeom>
+          <a:ln w="28575">
+            <a:solidFill>
+              <a:schemeClr val="tx1"/>
+            </a:solidFill>
+          </a:ln>
+        </p:spPr>
+        <p:style>
+          <a:lnRef idx="1">
+            <a:schemeClr val="accent1"/>
+          </a:lnRef>
+          <a:fillRef idx="0">
+            <a:schemeClr val="accent1"/>
+          </a:fillRef>
+          <a:effectRef idx="0">
+            <a:schemeClr val="accent1"/>
+          </a:effectRef>
+          <a:fontRef idx="minor">
+            <a:schemeClr val="tx1"/>
+          </a:fontRef>
+        </p:style>
+      </p:cxnSp>
+      <p:sp>
+        <p:nvSpPr>
+          <p:cNvPr id="26" name="TextBox 25"/>
+          <p:cNvSpPr txBox="1"/>
+          <p:nvPr/>
+        </p:nvSpPr>
+        <p:spPr>
+          <a:xfrm>
+            <a:off x="1460644" y="3528855"/>
+            <a:ext cx="2004075" cy="276999"/>
+          </a:xfrm>
+          <a:prstGeom prst="rect">
+            <a:avLst/>
+          </a:prstGeom>
+          <a:noFill/>
+        </p:spPr>
+        <p:txBody>
+          <a:bodyPr wrap="none" rtlCol="0">
+            <a:spAutoFit/>
+          </a:bodyPr>
+          <a:lstStyle/>
+          <a:p>
+            <a:pPr algn="r"/>
+            <a:r>
+              <a:rPr lang="en-US" altLang="ko-KR" sz="1200" b="1" dirty="0"/>
+              <a:t>JSON</a:t>
+            </a:r>
+            <a:r>
+              <a:rPr lang="ko-KR" altLang="en-US" sz="1200" b="1" dirty="0"/>
+              <a:t>을 이용한 데이터 정리</a:t>
+            </a:r>
+          </a:p>
+        </p:txBody>
+      </p:sp>
+      <p:sp>
+        <p:nvSpPr>
+          <p:cNvPr id="29" name="TextBox 28"/>
+          <p:cNvSpPr txBox="1"/>
+          <p:nvPr/>
+        </p:nvSpPr>
+        <p:spPr>
+          <a:xfrm>
+            <a:off x="783890" y="4127551"/>
+            <a:ext cx="2660631" cy="1277273"/>
+          </a:xfrm>
+          <a:prstGeom prst="rect">
+            <a:avLst/>
+          </a:prstGeom>
+          <a:noFill/>
+        </p:spPr>
+        <p:txBody>
+          <a:bodyPr wrap="square" rtlCol="0">
+            <a:spAutoFit/>
+          </a:bodyPr>
+          <a:lstStyle/>
+          <a:p>
+            <a:pPr algn="r"/>
+            <a:r>
+              <a:rPr lang="ko-KR" altLang="en-US" sz="1100" dirty="0"/>
+              <a:t>수정 전에는 </a:t>
+            </a:r>
+            <a:r>
+              <a:rPr lang="en-US" altLang="ko-KR" sz="1100" dirty="0"/>
+              <a:t>SQL</a:t>
+            </a:r>
+            <a:r>
+              <a:rPr lang="ko-KR" altLang="en-US" sz="1100" dirty="0"/>
+              <a:t>을 사용하지 않아 </a:t>
+            </a:r>
+            <a:r>
+              <a:rPr lang="en-US" altLang="ko-KR" sz="1100" dirty="0"/>
+              <a:t>HTML</a:t>
+            </a:r>
+            <a:r>
+              <a:rPr lang="ko-KR" altLang="en-US" sz="1100" dirty="0"/>
+              <a:t>에 모든 정보를 넣어 관리를 하였습니다</a:t>
+            </a:r>
+            <a:r>
+              <a:rPr lang="en-US" altLang="ko-KR" sz="1100" dirty="0"/>
+              <a:t>. </a:t>
+            </a:r>
+            <a:r>
+              <a:rPr lang="ko-KR" altLang="en-US" sz="1100" dirty="0"/>
+              <a:t>관리를 하면서 점차 효율성과 활용성에 대해 의문을 가졌고 </a:t>
+            </a:r>
+            <a:r>
+              <a:rPr lang="en-US" altLang="ko-KR" sz="1100" dirty="0"/>
+              <a:t>JSON </a:t>
+            </a:r>
+            <a:r>
+              <a:rPr lang="ko-KR" altLang="en-US" sz="1100" dirty="0"/>
+              <a:t>객체를 통해 상품을 좀더 깔끔하고 효율성 있게 사용 할 수 있도록 수정하였습니다</a:t>
+            </a:r>
+            <a:r>
+              <a:rPr lang="en-US" altLang="ko-KR" sz="1100" dirty="0"/>
+              <a:t>.</a:t>
+            </a:r>
+            <a:endParaRPr lang="ko-KR" altLang="en-US" sz="1100" dirty="0"/>
+          </a:p>
+        </p:txBody>
+      </p:sp>
+      <p:sp>
+        <p:nvSpPr>
+          <p:cNvPr id="4" name="직사각형 3"/>
+          <p:cNvSpPr/>
+          <p:nvPr/>
+        </p:nvSpPr>
+        <p:spPr>
+          <a:xfrm>
+            <a:off x="3674226" y="1931762"/>
+            <a:ext cx="4754678" cy="4106487"/>
+          </a:xfrm>
+          <a:prstGeom prst="rect">
+            <a:avLst/>
+          </a:prstGeom>
+          <a:noFill/>
+          <a:ln>
+            <a:solidFill>
+              <a:schemeClr val="bg1">
+                <a:lumMod val="50000"/>
+              </a:schemeClr>
+            </a:solidFill>
+          </a:ln>
+        </p:spPr>
+        <p:style>
+          <a:lnRef idx="2">
+            <a:schemeClr val="accent1">
+              <a:shade val="50000"/>
+            </a:schemeClr>
+          </a:lnRef>
+          <a:fillRef idx="1">
+            <a:schemeClr val="accent1"/>
+          </a:fillRef>
+          <a:effectRef idx="0">
+            <a:schemeClr val="accent1"/>
+          </a:effectRef>
+          <a:fontRef idx="minor">
+            <a:schemeClr val="lt1"/>
+          </a:fontRef>
+        </p:style>
+        <p:txBody>
+          <a:bodyPr rtlCol="0" anchor="ctr"/>
+          <a:lstStyle/>
+          <a:p>
+            <a:pPr algn="ctr"/>
+            <a:endParaRPr lang="ko-KR" altLang="en-US"/>
+          </a:p>
+        </p:txBody>
+      </p:sp>
+      <p:pic>
+        <p:nvPicPr>
+          <p:cNvPr id="13" name="그림 12">
+            <a:extLst>
+              <a:ext uri="{FF2B5EF4-FFF2-40B4-BE49-F238E27FC236}">
+                <a16:creationId xmlns:a16="http://schemas.microsoft.com/office/drawing/2014/main" id="{6327DC6E-64BC-41E5-B671-7D2FFB3BB42E}"/>
+              </a:ext>
+            </a:extLst>
+          </p:cNvPr>
+          <p:cNvPicPr>
+            <a:picLocks noChangeAspect="1"/>
+          </p:cNvPicPr>
+          <p:nvPr/>
+        </p:nvPicPr>
+        <p:blipFill rotWithShape="1">
+          <a:blip r:embed="rId2" cstate="print">
+            <a:extLst>
+              <a:ext uri="{28A0092B-C50C-407E-A947-70E740481C1C}">
+                <a14:useLocalDpi xmlns:a14="http://schemas.microsoft.com/office/drawing/2010/main" val="0"/>
+              </a:ext>
+            </a:extLst>
+          </a:blip>
+          <a:srcRect l="3815" r="46483" b="23168"/>
+          <a:stretch/>
+        </p:blipFill>
+        <p:spPr>
+          <a:xfrm>
+            <a:off x="3674227" y="1931763"/>
+            <a:ext cx="2341313" cy="3598974"/>
+          </a:xfrm>
+          <a:prstGeom prst="rect">
+            <a:avLst/>
+          </a:prstGeom>
+        </p:spPr>
+      </p:pic>
+      <p:pic>
+        <p:nvPicPr>
+          <p:cNvPr id="15" name="그림 14">
+            <a:extLst>
+              <a:ext uri="{FF2B5EF4-FFF2-40B4-BE49-F238E27FC236}">
+                <a16:creationId xmlns:a16="http://schemas.microsoft.com/office/drawing/2014/main" id="{11CA3FB3-759D-42A7-82BD-905D5DFA3CB4}"/>
+              </a:ext>
+            </a:extLst>
+          </p:cNvPr>
+          <p:cNvPicPr>
+            <a:picLocks noChangeAspect="1"/>
+          </p:cNvPicPr>
+          <p:nvPr/>
+        </p:nvPicPr>
+        <p:blipFill rotWithShape="1">
+          <a:blip r:embed="rId2">
+            <a:extLst>
+              <a:ext uri="{28A0092B-C50C-407E-A947-70E740481C1C}">
+                <a14:useLocalDpi xmlns:a14="http://schemas.microsoft.com/office/drawing/2010/main" val="0"/>
+              </a:ext>
+            </a:extLst>
+          </a:blip>
+          <a:srcRect l="56038" b="39735"/>
+          <a:stretch/>
+        </p:blipFill>
+        <p:spPr>
+          <a:xfrm>
+            <a:off x="6015541" y="1931762"/>
+            <a:ext cx="2403084" cy="3598974"/>
+          </a:xfrm>
+          <a:prstGeom prst="rect">
+            <a:avLst/>
+          </a:prstGeom>
+        </p:spPr>
+      </p:pic>
+      <p:sp>
+        <p:nvSpPr>
+          <p:cNvPr id="16" name="TextBox 15">
+            <a:extLst>
+              <a:ext uri="{FF2B5EF4-FFF2-40B4-BE49-F238E27FC236}">
+                <a16:creationId xmlns:a16="http://schemas.microsoft.com/office/drawing/2014/main" id="{4863F7F5-3892-4975-BA72-1C175C2C2553}"/>
+              </a:ext>
+            </a:extLst>
+          </p:cNvPr>
+          <p:cNvSpPr txBox="1"/>
+          <p:nvPr/>
+        </p:nvSpPr>
+        <p:spPr>
+          <a:xfrm>
+            <a:off x="4504084" y="5622751"/>
+            <a:ext cx="681598" cy="276999"/>
+          </a:xfrm>
+          <a:prstGeom prst="rect">
+            <a:avLst/>
+          </a:prstGeom>
+          <a:noFill/>
+        </p:spPr>
+        <p:txBody>
+          <a:bodyPr wrap="none" rtlCol="0">
+            <a:spAutoFit/>
+          </a:bodyPr>
+          <a:lstStyle/>
+          <a:p>
+            <a:pPr algn="r"/>
+            <a:r>
+              <a:rPr lang="ko-KR" altLang="en-US" sz="1200" b="1"/>
+              <a:t>수정 전</a:t>
+            </a:r>
+            <a:endParaRPr lang="ko-KR" altLang="en-US" sz="1200" b="1" dirty="0"/>
+          </a:p>
+        </p:txBody>
+      </p:sp>
+      <p:sp>
+        <p:nvSpPr>
+          <p:cNvPr id="17" name="TextBox 16">
+            <a:extLst>
+              <a:ext uri="{FF2B5EF4-FFF2-40B4-BE49-F238E27FC236}">
+                <a16:creationId xmlns:a16="http://schemas.microsoft.com/office/drawing/2014/main" id="{2A4A47F2-F726-44B0-B5FF-51777C1DAB2D}"/>
+              </a:ext>
+            </a:extLst>
+          </p:cNvPr>
+          <p:cNvSpPr txBox="1"/>
+          <p:nvPr/>
+        </p:nvSpPr>
+        <p:spPr>
+          <a:xfrm>
+            <a:off x="6876284" y="5624353"/>
+            <a:ext cx="681598" cy="276999"/>
+          </a:xfrm>
+          <a:prstGeom prst="rect">
+            <a:avLst/>
+          </a:prstGeom>
+          <a:noFill/>
+        </p:spPr>
+        <p:txBody>
+          <a:bodyPr wrap="none" rtlCol="0">
+            <a:spAutoFit/>
+          </a:bodyPr>
+          <a:lstStyle/>
+          <a:p>
+            <a:pPr algn="r"/>
+            <a:r>
+              <a:rPr lang="ko-KR" altLang="en-US" sz="1200" b="1" dirty="0"/>
+              <a:t>수정 후</a:t>
+            </a:r>
+          </a:p>
+        </p:txBody>
+      </p:sp>
+    </p:spTree>
+    <p:extLst>
+      <p:ext uri="{BB962C8B-B14F-4D97-AF65-F5344CB8AC3E}">
+        <p14:creationId xmlns:p14="http://schemas.microsoft.com/office/powerpoint/2010/main" val="1222414763"/>
+      </p:ext>
+    </p:extLst>
+  </p:cSld>
+  <p:clrMapOvr>
+    <a:masterClrMapping/>
+  </p:clrMapOvr>
+</p:sld>
+</file>
+
+<file path=ppt/slides/slide11.xml><?xml version="1.0" encoding="utf-8"?>
+<p:sld xmlns:a="http://schemas.openxmlformats.org/drawingml/2006/main" xmlns:r="http://schemas.openxmlformats.org/officeDocument/2006/relationships" xmlns:p="http://schemas.openxmlformats.org/presentationml/2006/main">
+  <p:cSld>
+    <p:spTree>
+      <p:nvGrpSpPr>
+        <p:cNvPr id="1" name=""/>
+        <p:cNvGrpSpPr/>
+        <p:nvPr/>
+      </p:nvGrpSpPr>
+      <p:grpSpPr>
+        <a:xfrm>
+          <a:off x="0" y="0"/>
+          <a:ext cx="0" cy="0"/>
+          <a:chOff x="0" y="0"/>
+          <a:chExt cx="0" cy="0"/>
+        </a:xfrm>
+      </p:grpSpPr>
+      <p:cxnSp>
+        <p:nvCxnSpPr>
+          <p:cNvPr id="5" name="직선 연결선 4"/>
+          <p:cNvCxnSpPr/>
+          <p:nvPr/>
+        </p:nvCxnSpPr>
+        <p:spPr>
+          <a:xfrm>
+            <a:off x="0" y="216131"/>
+            <a:ext cx="9144000" cy="0"/>
+          </a:xfrm>
+          <a:prstGeom prst="line">
+            <a:avLst/>
+          </a:prstGeom>
+          <a:ln w="28575">
+            <a:solidFill>
+              <a:schemeClr val="tx1">
+                <a:lumMod val="85000"/>
+                <a:lumOff val="15000"/>
+              </a:schemeClr>
+            </a:solidFill>
+          </a:ln>
+        </p:spPr>
+        <p:style>
+          <a:lnRef idx="1">
+            <a:schemeClr val="accent1"/>
+          </a:lnRef>
+          <a:fillRef idx="0">
+            <a:schemeClr val="accent1"/>
+          </a:fillRef>
+          <a:effectRef idx="0">
+            <a:schemeClr val="accent1"/>
+          </a:effectRef>
+          <a:fontRef idx="minor">
+            <a:schemeClr val="tx1"/>
+          </a:fontRef>
+        </p:style>
+      </p:cxnSp>
+      <p:cxnSp>
+        <p:nvCxnSpPr>
+          <p:cNvPr id="6" name="직선 연결선 5"/>
+          <p:cNvCxnSpPr/>
+          <p:nvPr/>
+        </p:nvCxnSpPr>
+        <p:spPr>
+          <a:xfrm>
+            <a:off x="0" y="6644640"/>
+            <a:ext cx="9144000" cy="0"/>
+          </a:xfrm>
+          <a:prstGeom prst="line">
+            <a:avLst/>
+          </a:prstGeom>
+          <a:ln w="28575">
+            <a:solidFill>
+              <a:schemeClr val="tx1">
+                <a:lumMod val="85000"/>
+                <a:lumOff val="15000"/>
+              </a:schemeClr>
+            </a:solidFill>
+          </a:ln>
+        </p:spPr>
+        <p:style>
+          <a:lnRef idx="1">
+            <a:schemeClr val="accent1"/>
+          </a:lnRef>
+          <a:fillRef idx="0">
+            <a:schemeClr val="accent1"/>
+          </a:fillRef>
+          <a:effectRef idx="0">
+            <a:schemeClr val="accent1"/>
+          </a:effectRef>
+          <a:fontRef idx="minor">
+            <a:schemeClr val="tx1"/>
+          </a:fontRef>
+        </p:style>
+      </p:cxnSp>
+      <p:sp>
+        <p:nvSpPr>
+          <p:cNvPr id="7" name="직사각형 6"/>
+          <p:cNvSpPr/>
+          <p:nvPr/>
+        </p:nvSpPr>
+        <p:spPr>
+          <a:xfrm>
+            <a:off x="781398" y="0"/>
+            <a:ext cx="133002" cy="1330036"/>
+          </a:xfrm>
+          <a:prstGeom prst="rect">
+            <a:avLst/>
+          </a:prstGeom>
+          <a:solidFill>
+            <a:schemeClr val="tx1">
+              <a:lumMod val="85000"/>
+              <a:lumOff val="15000"/>
+            </a:schemeClr>
+          </a:solidFill>
+          <a:ln>
+            <a:noFill/>
+          </a:ln>
+        </p:spPr>
+        <p:style>
+          <a:lnRef idx="2">
+            <a:schemeClr val="accent1">
+              <a:shade val="50000"/>
+            </a:schemeClr>
+          </a:lnRef>
+          <a:fillRef idx="1">
+            <a:schemeClr val="accent1"/>
+          </a:fillRef>
+          <a:effectRef idx="0">
+            <a:schemeClr val="accent1"/>
+          </a:effectRef>
+          <a:fontRef idx="minor">
+            <a:schemeClr val="lt1"/>
+          </a:fontRef>
+        </p:style>
+        <p:txBody>
+          <a:bodyPr rtlCol="0" anchor="ctr"/>
+          <a:lstStyle/>
+          <a:p>
+            <a:pPr algn="ctr"/>
+            <a:endParaRPr lang="ko-KR" altLang="en-US"/>
+          </a:p>
+        </p:txBody>
+      </p:sp>
+      <p:sp>
+        <p:nvSpPr>
+          <p:cNvPr id="8" name="TextBox 7"/>
+          <p:cNvSpPr txBox="1"/>
+          <p:nvPr/>
+        </p:nvSpPr>
+        <p:spPr>
+          <a:xfrm>
+            <a:off x="1313413" y="374073"/>
+            <a:ext cx="2420856" cy="523220"/>
+          </a:xfrm>
+          <a:prstGeom prst="rect">
+            <a:avLst/>
+          </a:prstGeom>
+          <a:noFill/>
+        </p:spPr>
+        <p:txBody>
+          <a:bodyPr wrap="none" rtlCol="0">
+            <a:spAutoFit/>
+          </a:bodyPr>
+          <a:lstStyle/>
+          <a:p>
+            <a:r>
+              <a:rPr lang="ko-KR" altLang="en-US" sz="2800" b="1" dirty="0"/>
+              <a:t>프로젝트 후기</a:t>
+            </a:r>
+            <a:endParaRPr lang="en-US" altLang="ko-KR" sz="2800" b="1" dirty="0"/>
+          </a:p>
+        </p:txBody>
+      </p:sp>
+      <p:sp>
+        <p:nvSpPr>
+          <p:cNvPr id="9" name="TextBox 8"/>
+          <p:cNvSpPr txBox="1"/>
+          <p:nvPr/>
+        </p:nvSpPr>
+        <p:spPr>
+          <a:xfrm>
+            <a:off x="1382406" y="843957"/>
+            <a:ext cx="1590500" cy="307777"/>
+          </a:xfrm>
+          <a:prstGeom prst="rect">
+            <a:avLst/>
+          </a:prstGeom>
+          <a:noFill/>
+        </p:spPr>
+        <p:txBody>
+          <a:bodyPr wrap="none" rtlCol="0">
+            <a:spAutoFit/>
+          </a:bodyPr>
+          <a:lstStyle/>
+          <a:p>
+            <a:r>
+              <a:rPr lang="ko-KR" altLang="en-US" sz="1400" b="1" dirty="0">
+                <a:solidFill>
+                  <a:schemeClr val="bg1">
+                    <a:lumMod val="50000"/>
+                  </a:schemeClr>
+                </a:solidFill>
+                <a:latin typeface="+mj-ea"/>
+                <a:ea typeface="+mj-ea"/>
+              </a:rPr>
+              <a:t>배운 점 </a:t>
+            </a:r>
+            <a:r>
+              <a:rPr lang="en-US" altLang="ko-KR" sz="1400" b="1" dirty="0">
+                <a:solidFill>
+                  <a:schemeClr val="bg1">
+                    <a:lumMod val="50000"/>
+                  </a:schemeClr>
+                </a:solidFill>
+                <a:latin typeface="+mj-ea"/>
+                <a:ea typeface="+mj-ea"/>
+              </a:rPr>
+              <a:t>/ </a:t>
+            </a:r>
+            <a:r>
+              <a:rPr lang="ko-KR" altLang="en-US" sz="1400" b="1" dirty="0">
+                <a:solidFill>
+                  <a:schemeClr val="bg1">
+                    <a:lumMod val="50000"/>
+                  </a:schemeClr>
+                </a:solidFill>
+                <a:latin typeface="+mj-ea"/>
+                <a:ea typeface="+mj-ea"/>
+              </a:rPr>
+              <a:t>느낀 점</a:t>
+            </a:r>
+            <a:endParaRPr lang="en-US" altLang="ko-KR" sz="1400" b="1" dirty="0">
+              <a:solidFill>
+                <a:schemeClr val="bg1">
+                  <a:lumMod val="50000"/>
+                </a:schemeClr>
+              </a:solidFill>
+              <a:latin typeface="+mj-ea"/>
+              <a:ea typeface="+mj-ea"/>
+            </a:endParaRPr>
+          </a:p>
+        </p:txBody>
+      </p:sp>
+      <p:cxnSp>
+        <p:nvCxnSpPr>
+          <p:cNvPr id="12" name="직선 연결선 11"/>
+          <p:cNvCxnSpPr/>
+          <p:nvPr/>
+        </p:nvCxnSpPr>
+        <p:spPr>
+          <a:xfrm>
+            <a:off x="157942" y="0"/>
+            <a:ext cx="0" cy="6858000"/>
+          </a:xfrm>
+          <a:prstGeom prst="line">
+            <a:avLst/>
+          </a:prstGeom>
+          <a:ln w="28575">
+            <a:solidFill>
+              <a:schemeClr val="tx1"/>
+            </a:solidFill>
+          </a:ln>
+        </p:spPr>
+        <p:style>
+          <a:lnRef idx="1">
+            <a:schemeClr val="accent1"/>
+          </a:lnRef>
+          <a:fillRef idx="0">
+            <a:schemeClr val="accent1"/>
+          </a:fillRef>
+          <a:effectRef idx="0">
+            <a:schemeClr val="accent1"/>
+          </a:effectRef>
+          <a:fontRef idx="minor">
+            <a:schemeClr val="tx1"/>
+          </a:fontRef>
+        </p:style>
+      </p:cxnSp>
+      <p:cxnSp>
+        <p:nvCxnSpPr>
+          <p:cNvPr id="11" name="직선 연결선 10"/>
+          <p:cNvCxnSpPr/>
+          <p:nvPr/>
+        </p:nvCxnSpPr>
+        <p:spPr>
+          <a:xfrm>
+            <a:off x="8947265" y="0"/>
+            <a:ext cx="0" cy="6858000"/>
+          </a:xfrm>
+          <a:prstGeom prst="line">
+            <a:avLst/>
+          </a:prstGeom>
+          <a:ln w="28575">
+            <a:solidFill>
+              <a:schemeClr val="tx1"/>
+            </a:solidFill>
+          </a:ln>
+        </p:spPr>
+        <p:style>
+          <a:lnRef idx="1">
+            <a:schemeClr val="accent1"/>
+          </a:lnRef>
+          <a:fillRef idx="0">
+            <a:schemeClr val="accent1"/>
+          </a:fillRef>
+          <a:effectRef idx="0">
+            <a:schemeClr val="accent1"/>
+          </a:effectRef>
+          <a:fontRef idx="minor">
+            <a:schemeClr val="tx1"/>
+          </a:fontRef>
+        </p:style>
+      </p:cxnSp>
+      <p:graphicFrame>
+        <p:nvGraphicFramePr>
+          <p:cNvPr id="13" name="차트 12"/>
+          <p:cNvGraphicFramePr/>
+          <p:nvPr>
+            <p:extLst>
+              <p:ext uri="{D42A27DB-BD31-4B8C-83A1-F6EECF244321}">
+                <p14:modId xmlns:p14="http://schemas.microsoft.com/office/powerpoint/2010/main" val="3576861933"/>
+              </p:ext>
+            </p:extLst>
+          </p:nvPr>
+        </p:nvGraphicFramePr>
+        <p:xfrm>
+          <a:off x="2406805" y="1799920"/>
+          <a:ext cx="4109155" cy="2487432"/>
+        </p:xfrm>
+        <a:graphic>
+          <a:graphicData uri="http://schemas.openxmlformats.org/drawingml/2006/chart">
+            <c:chart xmlns:c="http://schemas.openxmlformats.org/drawingml/2006/chart" xmlns:r="http://schemas.openxmlformats.org/officeDocument/2006/relationships" r:id="rId2"/>
+          </a:graphicData>
+        </a:graphic>
+      </p:graphicFrame>
+      <p:cxnSp>
+        <p:nvCxnSpPr>
+          <p:cNvPr id="16" name="직선 연결선 15"/>
+          <p:cNvCxnSpPr/>
+          <p:nvPr/>
+        </p:nvCxnSpPr>
+        <p:spPr>
+          <a:xfrm flipV="1">
+            <a:off x="5152437" y="1799920"/>
+            <a:ext cx="223346" cy="235189"/>
+          </a:xfrm>
+          <a:prstGeom prst="line">
+            <a:avLst/>
+          </a:prstGeom>
+          <a:ln w="9525">
+            <a:solidFill>
+              <a:srgbClr val="9A99FF"/>
+            </a:solidFill>
+          </a:ln>
+        </p:spPr>
+        <p:style>
+          <a:lnRef idx="1">
+            <a:schemeClr val="accent1"/>
+          </a:lnRef>
+          <a:fillRef idx="0">
+            <a:schemeClr val="accent1"/>
+          </a:fillRef>
+          <a:effectRef idx="0">
+            <a:schemeClr val="accent1"/>
+          </a:effectRef>
+          <a:fontRef idx="minor">
+            <a:schemeClr val="tx1"/>
+          </a:fontRef>
+        </p:style>
+      </p:cxnSp>
+      <p:cxnSp>
+        <p:nvCxnSpPr>
+          <p:cNvPr id="18" name="직선 연결선 17"/>
+          <p:cNvCxnSpPr/>
+          <p:nvPr/>
+        </p:nvCxnSpPr>
+        <p:spPr>
+          <a:xfrm>
+            <a:off x="5370645" y="1803095"/>
+            <a:ext cx="540328" cy="0"/>
+          </a:xfrm>
+          <a:prstGeom prst="line">
+            <a:avLst/>
+          </a:prstGeom>
+          <a:ln w="9525">
+            <a:solidFill>
+              <a:srgbClr val="9A99FF"/>
+            </a:solidFill>
+          </a:ln>
+        </p:spPr>
+        <p:style>
+          <a:lnRef idx="1">
+            <a:schemeClr val="accent1"/>
+          </a:lnRef>
+          <a:fillRef idx="0">
+            <a:schemeClr val="accent1"/>
+          </a:fillRef>
+          <a:effectRef idx="0">
+            <a:schemeClr val="accent1"/>
+          </a:effectRef>
+          <a:fontRef idx="minor">
+            <a:schemeClr val="tx1"/>
+          </a:fontRef>
+        </p:style>
+      </p:cxnSp>
+      <p:sp>
+        <p:nvSpPr>
+          <p:cNvPr id="19" name="직사각형 18"/>
+          <p:cNvSpPr/>
+          <p:nvPr/>
+        </p:nvSpPr>
+        <p:spPr>
+          <a:xfrm>
+            <a:off x="5871585" y="1769756"/>
+            <a:ext cx="66675" cy="66675"/>
+          </a:xfrm>
+          <a:prstGeom prst="rect">
+            <a:avLst/>
+          </a:prstGeom>
+          <a:solidFill>
+            <a:srgbClr val="9A99FF"/>
+          </a:solidFill>
+          <a:ln>
+            <a:solidFill>
+              <a:srgbClr val="9A99FF"/>
+            </a:solidFill>
+          </a:ln>
+        </p:spPr>
+        <p:style>
+          <a:lnRef idx="2">
+            <a:schemeClr val="accent1">
+              <a:shade val="50000"/>
+            </a:schemeClr>
+          </a:lnRef>
+          <a:fillRef idx="1">
+            <a:schemeClr val="accent1"/>
+          </a:fillRef>
+          <a:effectRef idx="0">
+            <a:schemeClr val="accent1"/>
+          </a:effectRef>
+          <a:fontRef idx="minor">
+            <a:schemeClr val="lt1"/>
+          </a:fontRef>
+        </p:style>
+        <p:txBody>
+          <a:bodyPr rtlCol="0" anchor="ctr"/>
+          <a:lstStyle/>
+          <a:p>
+            <a:pPr algn="ctr"/>
+            <a:endParaRPr lang="ko-KR" altLang="en-US"/>
+          </a:p>
+        </p:txBody>
+      </p:sp>
+      <p:cxnSp>
+        <p:nvCxnSpPr>
+          <p:cNvPr id="24" name="직선 연결선 23"/>
+          <p:cNvCxnSpPr/>
+          <p:nvPr/>
+        </p:nvCxnSpPr>
+        <p:spPr>
+          <a:xfrm flipH="1" flipV="1">
+            <a:off x="3512106" y="1799920"/>
+            <a:ext cx="248492" cy="235189"/>
+          </a:xfrm>
+          <a:prstGeom prst="line">
+            <a:avLst/>
+          </a:prstGeom>
+          <a:ln w="9525">
+            <a:solidFill>
+              <a:srgbClr val="FF99CB"/>
+            </a:solidFill>
+          </a:ln>
+        </p:spPr>
+        <p:style>
+          <a:lnRef idx="1">
+            <a:schemeClr val="accent1"/>
+          </a:lnRef>
+          <a:fillRef idx="0">
+            <a:schemeClr val="accent1"/>
+          </a:fillRef>
+          <a:effectRef idx="0">
+            <a:schemeClr val="accent1"/>
+          </a:effectRef>
+          <a:fontRef idx="minor">
+            <a:schemeClr val="tx1"/>
+          </a:fontRef>
+        </p:style>
+      </p:cxnSp>
+      <p:cxnSp>
+        <p:nvCxnSpPr>
+          <p:cNvPr id="27" name="직선 연결선 26"/>
+          <p:cNvCxnSpPr/>
+          <p:nvPr/>
+        </p:nvCxnSpPr>
+        <p:spPr>
+          <a:xfrm>
+            <a:off x="2971778" y="1799920"/>
+            <a:ext cx="540328" cy="0"/>
+          </a:xfrm>
+          <a:prstGeom prst="line">
+            <a:avLst/>
+          </a:prstGeom>
+          <a:ln w="9525">
+            <a:solidFill>
+              <a:srgbClr val="FF99CB"/>
+            </a:solidFill>
+          </a:ln>
+        </p:spPr>
+        <p:style>
+          <a:lnRef idx="1">
+            <a:schemeClr val="accent1"/>
+          </a:lnRef>
+          <a:fillRef idx="0">
+            <a:schemeClr val="accent1"/>
+          </a:fillRef>
+          <a:effectRef idx="0">
+            <a:schemeClr val="accent1"/>
+          </a:effectRef>
+          <a:fontRef idx="minor">
+            <a:schemeClr val="tx1"/>
+          </a:fontRef>
+        </p:style>
+      </p:cxnSp>
+      <p:sp>
+        <p:nvSpPr>
+          <p:cNvPr id="28" name="직사각형 27"/>
+          <p:cNvSpPr/>
+          <p:nvPr/>
+        </p:nvSpPr>
+        <p:spPr>
+          <a:xfrm>
+            <a:off x="2934406" y="1766581"/>
+            <a:ext cx="66675" cy="66675"/>
+          </a:xfrm>
+          <a:prstGeom prst="rect">
+            <a:avLst/>
+          </a:prstGeom>
+          <a:solidFill>
+            <a:srgbClr val="FF99CB"/>
+          </a:solidFill>
+          <a:ln>
+            <a:solidFill>
+              <a:srgbClr val="FF99CB"/>
+            </a:solidFill>
+          </a:ln>
+        </p:spPr>
+        <p:style>
+          <a:lnRef idx="2">
+            <a:schemeClr val="accent1">
+              <a:shade val="50000"/>
+            </a:schemeClr>
+          </a:lnRef>
+          <a:fillRef idx="1">
+            <a:schemeClr val="accent1"/>
+          </a:fillRef>
+          <a:effectRef idx="0">
+            <a:schemeClr val="accent1"/>
+          </a:effectRef>
+          <a:fontRef idx="minor">
+            <a:schemeClr val="lt1"/>
+          </a:fontRef>
+        </p:style>
+        <p:txBody>
+          <a:bodyPr rtlCol="0" anchor="ctr"/>
+          <a:lstStyle/>
+          <a:p>
+            <a:pPr algn="ctr"/>
+            <a:endParaRPr lang="ko-KR" altLang="en-US"/>
+          </a:p>
+        </p:txBody>
+      </p:sp>
+      <p:cxnSp>
+        <p:nvCxnSpPr>
+          <p:cNvPr id="33" name="직선 연결선 32"/>
+          <p:cNvCxnSpPr/>
+          <p:nvPr/>
+        </p:nvCxnSpPr>
+        <p:spPr>
+          <a:xfrm>
+            <a:off x="2685168" y="3089902"/>
+            <a:ext cx="565150" cy="0"/>
+          </a:xfrm>
+          <a:prstGeom prst="line">
+            <a:avLst/>
+          </a:prstGeom>
+          <a:ln w="9525">
+            <a:solidFill>
+              <a:srgbClr val="FF999A"/>
+            </a:solidFill>
+          </a:ln>
+        </p:spPr>
+        <p:style>
+          <a:lnRef idx="1">
+            <a:schemeClr val="accent1"/>
+          </a:lnRef>
+          <a:fillRef idx="0">
+            <a:schemeClr val="accent1"/>
+          </a:fillRef>
+          <a:effectRef idx="0">
+            <a:schemeClr val="accent1"/>
+          </a:effectRef>
+          <a:fontRef idx="minor">
+            <a:schemeClr val="tx1"/>
+          </a:fontRef>
+        </p:style>
+      </p:cxnSp>
+      <p:cxnSp>
+        <p:nvCxnSpPr>
+          <p:cNvPr id="34" name="직선 연결선 33"/>
+          <p:cNvCxnSpPr/>
+          <p:nvPr/>
+        </p:nvCxnSpPr>
+        <p:spPr>
+          <a:xfrm>
+            <a:off x="5671757" y="3089902"/>
+            <a:ext cx="565150" cy="0"/>
+          </a:xfrm>
+          <a:prstGeom prst="line">
+            <a:avLst/>
+          </a:prstGeom>
+          <a:ln w="9525">
+            <a:solidFill>
+              <a:srgbClr val="CCFF9A"/>
+            </a:solidFill>
+          </a:ln>
+        </p:spPr>
+        <p:style>
+          <a:lnRef idx="1">
+            <a:schemeClr val="accent1"/>
+          </a:lnRef>
+          <a:fillRef idx="0">
+            <a:schemeClr val="accent1"/>
+          </a:fillRef>
+          <a:effectRef idx="0">
+            <a:schemeClr val="accent1"/>
+          </a:effectRef>
+          <a:fontRef idx="minor">
+            <a:schemeClr val="tx1"/>
+          </a:fontRef>
+        </p:style>
+      </p:cxnSp>
+      <p:sp>
+        <p:nvSpPr>
+          <p:cNvPr id="35" name="직사각형 34"/>
+          <p:cNvSpPr/>
+          <p:nvPr/>
+        </p:nvSpPr>
+        <p:spPr>
+          <a:xfrm>
+            <a:off x="2653961" y="3056564"/>
+            <a:ext cx="66675" cy="66675"/>
+          </a:xfrm>
+          <a:prstGeom prst="rect">
+            <a:avLst/>
+          </a:prstGeom>
+          <a:solidFill>
+            <a:srgbClr val="FF999A"/>
+          </a:solidFill>
+          <a:ln>
+            <a:solidFill>
+              <a:srgbClr val="FF999A"/>
+            </a:solidFill>
+          </a:ln>
+        </p:spPr>
+        <p:style>
+          <a:lnRef idx="2">
+            <a:schemeClr val="accent1">
+              <a:shade val="50000"/>
+            </a:schemeClr>
+          </a:lnRef>
+          <a:fillRef idx="1">
+            <a:schemeClr val="accent1"/>
+          </a:fillRef>
+          <a:effectRef idx="0">
+            <a:schemeClr val="accent1"/>
+          </a:effectRef>
+          <a:fontRef idx="minor">
+            <a:schemeClr val="lt1"/>
+          </a:fontRef>
+        </p:style>
+        <p:txBody>
+          <a:bodyPr rtlCol="0" anchor="ctr"/>
+          <a:lstStyle/>
+          <a:p>
+            <a:pPr algn="ctr"/>
+            <a:endParaRPr lang="ko-KR" altLang="en-US"/>
+          </a:p>
+        </p:txBody>
+      </p:sp>
+      <p:sp>
+        <p:nvSpPr>
+          <p:cNvPr id="36" name="직사각형 35"/>
+          <p:cNvSpPr/>
+          <p:nvPr/>
+        </p:nvSpPr>
+        <p:spPr>
+          <a:xfrm>
+            <a:off x="6212768" y="3056563"/>
+            <a:ext cx="66675" cy="66675"/>
+          </a:xfrm>
+          <a:prstGeom prst="rect">
+            <a:avLst/>
+          </a:prstGeom>
+          <a:solidFill>
+            <a:srgbClr val="CCFF9A"/>
+          </a:solidFill>
+          <a:ln>
+            <a:solidFill>
+              <a:srgbClr val="CCFF9A"/>
+            </a:solidFill>
+          </a:ln>
+        </p:spPr>
+        <p:style>
+          <a:lnRef idx="2">
+            <a:schemeClr val="accent1">
+              <a:shade val="50000"/>
+            </a:schemeClr>
+          </a:lnRef>
+          <a:fillRef idx="1">
+            <a:schemeClr val="accent1"/>
+          </a:fillRef>
+          <a:effectRef idx="0">
+            <a:schemeClr val="accent1"/>
+          </a:effectRef>
+          <a:fontRef idx="minor">
+            <a:schemeClr val="lt1"/>
+          </a:fontRef>
+        </p:style>
+        <p:txBody>
+          <a:bodyPr rtlCol="0" anchor="ctr"/>
+          <a:lstStyle/>
+          <a:p>
+            <a:pPr algn="ctr"/>
+            <a:endParaRPr lang="ko-KR" altLang="en-US"/>
+          </a:p>
+        </p:txBody>
+      </p:sp>
+      <p:cxnSp>
+        <p:nvCxnSpPr>
+          <p:cNvPr id="37" name="직선 연결선 36"/>
+          <p:cNvCxnSpPr/>
+          <p:nvPr/>
+        </p:nvCxnSpPr>
+        <p:spPr>
+          <a:xfrm flipV="1">
+            <a:off x="3518406" y="4036287"/>
+            <a:ext cx="223346" cy="235189"/>
+          </a:xfrm>
+          <a:prstGeom prst="line">
+            <a:avLst/>
+          </a:prstGeom>
+          <a:ln w="9525">
+            <a:solidFill>
+              <a:srgbClr val="FFCC9A"/>
+            </a:solidFill>
+          </a:ln>
+        </p:spPr>
+        <p:style>
+          <a:lnRef idx="1">
+            <a:schemeClr val="accent1"/>
+          </a:lnRef>
+          <a:fillRef idx="0">
+            <a:schemeClr val="accent1"/>
+          </a:fillRef>
+          <a:effectRef idx="0">
+            <a:schemeClr val="accent1"/>
+          </a:effectRef>
+          <a:fontRef idx="minor">
+            <a:schemeClr val="tx1"/>
+          </a:fontRef>
+        </p:style>
+      </p:cxnSp>
+      <p:cxnSp>
+        <p:nvCxnSpPr>
+          <p:cNvPr id="39" name="직선 연결선 38"/>
+          <p:cNvCxnSpPr/>
+          <p:nvPr/>
+        </p:nvCxnSpPr>
+        <p:spPr>
+          <a:xfrm flipH="1" flipV="1">
+            <a:off x="5130212" y="4056130"/>
+            <a:ext cx="248492" cy="235189"/>
+          </a:xfrm>
+          <a:prstGeom prst="line">
+            <a:avLst/>
+          </a:prstGeom>
+          <a:ln w="9525">
+            <a:solidFill>
+              <a:srgbClr val="FEFF99"/>
+            </a:solidFill>
+          </a:ln>
+        </p:spPr>
+        <p:style>
+          <a:lnRef idx="1">
+            <a:schemeClr val="accent1"/>
+          </a:lnRef>
+          <a:fillRef idx="0">
+            <a:schemeClr val="accent1"/>
+          </a:fillRef>
+          <a:effectRef idx="0">
+            <a:schemeClr val="accent1"/>
+          </a:effectRef>
+          <a:fontRef idx="minor">
+            <a:schemeClr val="tx1"/>
+          </a:fontRef>
+        </p:style>
+      </p:cxnSp>
+      <p:cxnSp>
+        <p:nvCxnSpPr>
+          <p:cNvPr id="40" name="직선 연결선 39"/>
+          <p:cNvCxnSpPr/>
+          <p:nvPr/>
+        </p:nvCxnSpPr>
+        <p:spPr>
+          <a:xfrm>
+            <a:off x="5370645" y="4287354"/>
+            <a:ext cx="540328" cy="0"/>
+          </a:xfrm>
+          <a:prstGeom prst="line">
+            <a:avLst/>
+          </a:prstGeom>
+          <a:ln w="9525">
+            <a:solidFill>
+              <a:srgbClr val="FEFF99"/>
+            </a:solidFill>
+          </a:ln>
+        </p:spPr>
+        <p:style>
+          <a:lnRef idx="1">
+            <a:schemeClr val="accent1"/>
+          </a:lnRef>
+          <a:fillRef idx="0">
+            <a:schemeClr val="accent1"/>
+          </a:fillRef>
+          <a:effectRef idx="0">
+            <a:schemeClr val="accent1"/>
+          </a:effectRef>
+          <a:fontRef idx="minor">
+            <a:schemeClr val="tx1"/>
+          </a:fontRef>
+        </p:style>
+      </p:cxnSp>
+      <p:sp>
+        <p:nvSpPr>
+          <p:cNvPr id="41" name="직사각형 40"/>
+          <p:cNvSpPr/>
+          <p:nvPr/>
+        </p:nvSpPr>
+        <p:spPr>
+          <a:xfrm>
+            <a:off x="5871585" y="4254015"/>
+            <a:ext cx="66675" cy="66675"/>
+          </a:xfrm>
+          <a:prstGeom prst="rect">
+            <a:avLst/>
+          </a:prstGeom>
+          <a:solidFill>
+            <a:srgbClr val="FEFF99"/>
+          </a:solidFill>
+          <a:ln>
+            <a:solidFill>
+              <a:srgbClr val="FEFF99"/>
+            </a:solidFill>
+          </a:ln>
+        </p:spPr>
+        <p:style>
+          <a:lnRef idx="2">
+            <a:schemeClr val="accent1">
+              <a:shade val="50000"/>
+            </a:schemeClr>
+          </a:lnRef>
+          <a:fillRef idx="1">
+            <a:schemeClr val="accent1"/>
+          </a:fillRef>
+          <a:effectRef idx="0">
+            <a:schemeClr val="accent1"/>
+          </a:effectRef>
+          <a:fontRef idx="minor">
+            <a:schemeClr val="lt1"/>
+          </a:fontRef>
+        </p:style>
+        <p:txBody>
+          <a:bodyPr rtlCol="0" anchor="ctr"/>
+          <a:lstStyle/>
+          <a:p>
+            <a:pPr algn="ctr"/>
+            <a:endParaRPr lang="ko-KR" altLang="en-US"/>
+          </a:p>
+        </p:txBody>
+      </p:sp>
+      <p:cxnSp>
+        <p:nvCxnSpPr>
+          <p:cNvPr id="42" name="직선 연결선 41"/>
+          <p:cNvCxnSpPr/>
+          <p:nvPr/>
+        </p:nvCxnSpPr>
+        <p:spPr>
+          <a:xfrm>
+            <a:off x="2981303" y="4274651"/>
+            <a:ext cx="540328" cy="0"/>
+          </a:xfrm>
+          <a:prstGeom prst="line">
+            <a:avLst/>
+          </a:prstGeom>
+          <a:ln w="9525">
+            <a:solidFill>
+              <a:srgbClr val="FFCC9A"/>
+            </a:solidFill>
+          </a:ln>
+        </p:spPr>
+        <p:style>
+          <a:lnRef idx="1">
+            <a:schemeClr val="accent1"/>
+          </a:lnRef>
+          <a:fillRef idx="0">
+            <a:schemeClr val="accent1"/>
+          </a:fillRef>
+          <a:effectRef idx="0">
+            <a:schemeClr val="accent1"/>
+          </a:effectRef>
+          <a:fontRef idx="minor">
+            <a:schemeClr val="tx1"/>
+          </a:fontRef>
+        </p:style>
+      </p:cxnSp>
+      <p:sp>
+        <p:nvSpPr>
+          <p:cNvPr id="43" name="직사각형 42"/>
+          <p:cNvSpPr/>
+          <p:nvPr/>
+        </p:nvSpPr>
+        <p:spPr>
+          <a:xfrm>
+            <a:off x="2943931" y="4241312"/>
+            <a:ext cx="66675" cy="66675"/>
+          </a:xfrm>
+          <a:prstGeom prst="rect">
+            <a:avLst/>
+          </a:prstGeom>
+          <a:solidFill>
+            <a:srgbClr val="FFCC9A"/>
+          </a:solidFill>
+          <a:ln>
+            <a:solidFill>
+              <a:srgbClr val="FFCC9A"/>
+            </a:solidFill>
+          </a:ln>
+        </p:spPr>
+        <p:style>
+          <a:lnRef idx="2">
+            <a:schemeClr val="accent1">
+              <a:shade val="50000"/>
+            </a:schemeClr>
+          </a:lnRef>
+          <a:fillRef idx="1">
+            <a:schemeClr val="accent1"/>
+          </a:fillRef>
+          <a:effectRef idx="0">
+            <a:schemeClr val="accent1"/>
+          </a:effectRef>
+          <a:fontRef idx="minor">
+            <a:schemeClr val="lt1"/>
+          </a:fontRef>
+        </p:style>
+        <p:txBody>
+          <a:bodyPr rtlCol="0" anchor="ctr"/>
+          <a:lstStyle/>
+          <a:p>
+            <a:pPr algn="ctr"/>
+            <a:endParaRPr lang="ko-KR" altLang="en-US"/>
+          </a:p>
+        </p:txBody>
+      </p:sp>
+      <p:sp>
+        <p:nvSpPr>
+          <p:cNvPr id="44" name="TextBox 43"/>
+          <p:cNvSpPr txBox="1"/>
+          <p:nvPr/>
+        </p:nvSpPr>
+        <p:spPr>
+          <a:xfrm>
+            <a:off x="449076" y="1528808"/>
+            <a:ext cx="1337226" cy="276999"/>
+          </a:xfrm>
+          <a:prstGeom prst="rect">
+            <a:avLst/>
+          </a:prstGeom>
+          <a:noFill/>
+        </p:spPr>
+        <p:txBody>
+          <a:bodyPr wrap="none" rtlCol="0">
+            <a:spAutoFit/>
+          </a:bodyPr>
+          <a:lstStyle/>
+          <a:p>
+            <a:r>
+              <a:rPr lang="en-US" altLang="ko-KR" sz="1200" b="1" dirty="0"/>
+              <a:t>JS </a:t>
+            </a:r>
+            <a:r>
+              <a:rPr lang="ko-KR" altLang="en-US" sz="1200" b="1" dirty="0"/>
+              <a:t>레이아웃 요소</a:t>
+            </a:r>
+          </a:p>
+        </p:txBody>
+      </p:sp>
+      <p:sp>
+        <p:nvSpPr>
+          <p:cNvPr id="45" name="TextBox 44"/>
+          <p:cNvSpPr txBox="1"/>
+          <p:nvPr/>
+        </p:nvSpPr>
+        <p:spPr>
+          <a:xfrm>
+            <a:off x="449076" y="1846135"/>
+            <a:ext cx="2130711" cy="507831"/>
+          </a:xfrm>
+          <a:prstGeom prst="rect">
+            <a:avLst/>
+          </a:prstGeom>
+          <a:noFill/>
+        </p:spPr>
+        <p:txBody>
+          <a:bodyPr wrap="none" rtlCol="0">
+            <a:spAutoFit/>
+          </a:bodyPr>
+          <a:lstStyle/>
+          <a:p>
+            <a:r>
+              <a:rPr lang="en-US" altLang="ko-KR" sz="900" b="1" dirty="0" err="1">
+                <a:solidFill>
+                  <a:schemeClr val="accent1">
+                    <a:lumMod val="75000"/>
+                  </a:schemeClr>
+                </a:solidFill>
+              </a:rPr>
+              <a:t>appendChild</a:t>
+            </a:r>
+            <a:r>
+              <a:rPr lang="ko-KR" altLang="en-US" sz="900" b="1" dirty="0">
+                <a:solidFill>
+                  <a:schemeClr val="accent1">
+                    <a:lumMod val="75000"/>
+                  </a:schemeClr>
+                </a:solidFill>
+              </a:rPr>
+              <a:t>와 </a:t>
+            </a:r>
+            <a:r>
+              <a:rPr lang="en-US" altLang="ko-KR" sz="900" b="1" dirty="0">
+                <a:solidFill>
+                  <a:schemeClr val="accent1">
+                    <a:lumMod val="75000"/>
+                  </a:schemeClr>
+                </a:solidFill>
+              </a:rPr>
+              <a:t>class add, </a:t>
+            </a:r>
+            <a:r>
+              <a:rPr lang="en-US" altLang="ko-KR" sz="900" b="1" dirty="0" err="1">
+                <a:solidFill>
+                  <a:schemeClr val="accent1">
+                    <a:lumMod val="75000"/>
+                  </a:schemeClr>
+                </a:solidFill>
+              </a:rPr>
+              <a:t>setAttribute</a:t>
+            </a:r>
+            <a:r>
+              <a:rPr lang="ko-KR" altLang="en-US" sz="900" b="1" dirty="0">
+                <a:solidFill>
+                  <a:schemeClr val="accent1">
+                    <a:lumMod val="75000"/>
+                  </a:schemeClr>
+                </a:solidFill>
+              </a:rPr>
+              <a:t>등</a:t>
+            </a:r>
+            <a:endParaRPr lang="en-US" altLang="ko-KR" sz="900" b="1" dirty="0">
+              <a:solidFill>
+                <a:schemeClr val="accent1">
+                  <a:lumMod val="75000"/>
+                </a:schemeClr>
+              </a:solidFill>
+            </a:endParaRPr>
+          </a:p>
+          <a:p>
+            <a:r>
+              <a:rPr lang="en-US" altLang="ko-KR" sz="900" b="1" dirty="0">
+                <a:solidFill>
+                  <a:schemeClr val="accent1">
+                    <a:lumMod val="75000"/>
+                  </a:schemeClr>
+                </a:solidFill>
+              </a:rPr>
+              <a:t>Js</a:t>
+            </a:r>
+            <a:r>
+              <a:rPr lang="ko-KR" altLang="en-US" sz="900" b="1" dirty="0">
+                <a:solidFill>
+                  <a:schemeClr val="accent1">
+                    <a:lumMod val="75000"/>
+                  </a:schemeClr>
+                </a:solidFill>
+              </a:rPr>
+              <a:t>를 통한 레이아웃에 대한 것들을 </a:t>
+            </a:r>
+            <a:endParaRPr lang="en-US" altLang="ko-KR" sz="900" b="1" dirty="0">
+              <a:solidFill>
+                <a:schemeClr val="accent1">
+                  <a:lumMod val="75000"/>
+                </a:schemeClr>
+              </a:solidFill>
+            </a:endParaRPr>
+          </a:p>
+          <a:p>
+            <a:r>
+              <a:rPr lang="ko-KR" altLang="en-US" sz="900" b="1" dirty="0">
+                <a:solidFill>
+                  <a:schemeClr val="accent1">
+                    <a:lumMod val="75000"/>
+                  </a:schemeClr>
+                </a:solidFill>
+              </a:rPr>
+              <a:t>배울 수 있었습니다</a:t>
+            </a:r>
+            <a:r>
+              <a:rPr lang="en-US" altLang="ko-KR" sz="900" b="1" dirty="0">
+                <a:solidFill>
+                  <a:schemeClr val="accent1">
+                    <a:lumMod val="75000"/>
+                  </a:schemeClr>
+                </a:solidFill>
+              </a:rPr>
+              <a:t>.</a:t>
+            </a:r>
+            <a:endParaRPr lang="ko-KR" altLang="en-US" sz="900" b="1" dirty="0">
+              <a:solidFill>
+                <a:schemeClr val="accent1">
+                  <a:lumMod val="75000"/>
+                </a:schemeClr>
+              </a:solidFill>
+            </a:endParaRPr>
+          </a:p>
+        </p:txBody>
+      </p:sp>
+      <p:sp>
+        <p:nvSpPr>
+          <p:cNvPr id="46" name="TextBox 45"/>
+          <p:cNvSpPr txBox="1"/>
+          <p:nvPr/>
+        </p:nvSpPr>
+        <p:spPr>
+          <a:xfrm>
+            <a:off x="449076" y="2772575"/>
+            <a:ext cx="978153" cy="276999"/>
+          </a:xfrm>
+          <a:prstGeom prst="rect">
+            <a:avLst/>
+          </a:prstGeom>
+          <a:noFill/>
+        </p:spPr>
+        <p:txBody>
+          <a:bodyPr wrap="none" rtlCol="0">
+            <a:spAutoFit/>
+          </a:bodyPr>
+          <a:lstStyle/>
+          <a:p>
+            <a:r>
+              <a:rPr lang="en-US" altLang="ko-KR" sz="1200" b="1" dirty="0"/>
+              <a:t>Click </a:t>
+            </a:r>
+            <a:r>
+              <a:rPr lang="ko-KR" altLang="en-US" sz="1200" b="1" dirty="0"/>
+              <a:t>이벤트</a:t>
+            </a:r>
+          </a:p>
+        </p:txBody>
+      </p:sp>
+      <p:sp>
+        <p:nvSpPr>
+          <p:cNvPr id="47" name="TextBox 46"/>
+          <p:cNvSpPr txBox="1"/>
+          <p:nvPr/>
+        </p:nvSpPr>
+        <p:spPr>
+          <a:xfrm>
+            <a:off x="449076" y="3089902"/>
+            <a:ext cx="2252540" cy="784830"/>
+          </a:xfrm>
+          <a:prstGeom prst="rect">
+            <a:avLst/>
+          </a:prstGeom>
+          <a:noFill/>
+        </p:spPr>
+        <p:txBody>
+          <a:bodyPr wrap="none" rtlCol="0">
+            <a:spAutoFit/>
+          </a:bodyPr>
+          <a:lstStyle/>
+          <a:p>
+            <a:r>
+              <a:rPr lang="en-US" altLang="ko-KR" sz="900" b="1" dirty="0">
+                <a:solidFill>
+                  <a:schemeClr val="accent1">
+                    <a:lumMod val="75000"/>
+                  </a:schemeClr>
+                </a:solidFill>
+              </a:rPr>
+              <a:t>Js</a:t>
+            </a:r>
+            <a:r>
+              <a:rPr lang="ko-KR" altLang="en-US" sz="900" b="1" dirty="0">
+                <a:solidFill>
+                  <a:schemeClr val="accent1">
+                    <a:lumMod val="75000"/>
+                  </a:schemeClr>
+                </a:solidFill>
+              </a:rPr>
+              <a:t>로 만들어진 레이아웃 같은 경우</a:t>
+            </a:r>
+            <a:endParaRPr lang="en-US" altLang="ko-KR" sz="900" b="1" dirty="0">
+              <a:solidFill>
+                <a:schemeClr val="accent1">
+                  <a:lumMod val="75000"/>
+                </a:schemeClr>
+              </a:solidFill>
+            </a:endParaRPr>
+          </a:p>
+          <a:p>
+            <a:r>
+              <a:rPr lang="ko-KR" altLang="en-US" sz="900" b="1" dirty="0">
+                <a:solidFill>
+                  <a:schemeClr val="accent1">
+                    <a:lumMod val="75000"/>
+                  </a:schemeClr>
+                </a:solidFill>
+              </a:rPr>
+              <a:t>클릭 이벤트를 </a:t>
+            </a:r>
+            <a:r>
+              <a:rPr lang="en-US" altLang="ko-KR" sz="900" b="1" dirty="0" err="1">
+                <a:solidFill>
+                  <a:schemeClr val="accent1">
+                    <a:lumMod val="75000"/>
+                  </a:schemeClr>
+                </a:solidFill>
+              </a:rPr>
+              <a:t>addEventListener</a:t>
+            </a:r>
+            <a:r>
+              <a:rPr lang="ko-KR" altLang="en-US" sz="900" b="1" dirty="0">
+                <a:solidFill>
+                  <a:schemeClr val="accent1">
+                    <a:lumMod val="75000"/>
+                  </a:schemeClr>
+                </a:solidFill>
+              </a:rPr>
+              <a:t>를 이용해</a:t>
+            </a:r>
+            <a:endParaRPr lang="en-US" altLang="ko-KR" sz="900" b="1" dirty="0">
+              <a:solidFill>
+                <a:schemeClr val="accent1">
+                  <a:lumMod val="75000"/>
+                </a:schemeClr>
+              </a:solidFill>
+            </a:endParaRPr>
+          </a:p>
+          <a:p>
+            <a:r>
+              <a:rPr lang="ko-KR" altLang="en-US" sz="900" b="1" dirty="0">
+                <a:solidFill>
+                  <a:schemeClr val="accent1">
+                    <a:lumMod val="75000"/>
+                  </a:schemeClr>
+                </a:solidFill>
+              </a:rPr>
+              <a:t>효과를 줄 수 없었습니다</a:t>
+            </a:r>
+            <a:r>
+              <a:rPr lang="en-US" altLang="ko-KR" sz="900" b="1" dirty="0">
+                <a:solidFill>
+                  <a:schemeClr val="accent1">
+                    <a:lumMod val="75000"/>
+                  </a:schemeClr>
+                </a:solidFill>
+              </a:rPr>
+              <a:t>. </a:t>
+            </a:r>
+          </a:p>
+          <a:p>
+            <a:r>
+              <a:rPr lang="ko-KR" altLang="en-US" sz="900" b="1" dirty="0">
+                <a:solidFill>
+                  <a:schemeClr val="accent1">
+                    <a:lumMod val="75000"/>
+                  </a:schemeClr>
+                </a:solidFill>
+              </a:rPr>
+              <a:t>그래서 직접 </a:t>
+            </a:r>
+            <a:r>
+              <a:rPr lang="en-US" altLang="ko-KR" sz="900" b="1" dirty="0" err="1">
+                <a:solidFill>
+                  <a:schemeClr val="accent1">
+                    <a:lumMod val="75000"/>
+                  </a:schemeClr>
+                </a:solidFill>
+              </a:rPr>
+              <a:t>onClick</a:t>
+            </a:r>
+            <a:r>
+              <a:rPr lang="en-US" altLang="ko-KR" sz="900" b="1" dirty="0">
+                <a:solidFill>
+                  <a:schemeClr val="accent1">
+                    <a:lumMod val="75000"/>
+                  </a:schemeClr>
+                </a:solidFill>
+              </a:rPr>
+              <a:t> </a:t>
+            </a:r>
+            <a:r>
+              <a:rPr lang="en-US" altLang="ko-KR" sz="900" b="1" dirty="0" err="1">
+                <a:solidFill>
+                  <a:schemeClr val="accent1">
+                    <a:lumMod val="75000"/>
+                  </a:schemeClr>
+                </a:solidFill>
+              </a:rPr>
+              <a:t>attr</a:t>
+            </a:r>
+            <a:r>
+              <a:rPr lang="ko-KR" altLang="en-US" sz="900" b="1" dirty="0">
+                <a:solidFill>
+                  <a:schemeClr val="accent1">
+                    <a:lumMod val="75000"/>
+                  </a:schemeClr>
+                </a:solidFill>
+              </a:rPr>
+              <a:t>을 줌으로써 </a:t>
+            </a:r>
+            <a:endParaRPr lang="en-US" altLang="ko-KR" sz="900" b="1" dirty="0">
+              <a:solidFill>
+                <a:schemeClr val="accent1">
+                  <a:lumMod val="75000"/>
+                </a:schemeClr>
+              </a:solidFill>
+            </a:endParaRPr>
+          </a:p>
+          <a:p>
+            <a:r>
+              <a:rPr lang="en-US" altLang="ko-KR" sz="900" b="1" dirty="0">
+                <a:solidFill>
+                  <a:schemeClr val="accent1">
+                    <a:lumMod val="75000"/>
+                  </a:schemeClr>
+                </a:solidFill>
+              </a:rPr>
+              <a:t>click</a:t>
+            </a:r>
+            <a:r>
+              <a:rPr lang="ko-KR" altLang="en-US" sz="900" b="1" dirty="0">
+                <a:solidFill>
+                  <a:schemeClr val="accent1">
+                    <a:lumMod val="75000"/>
+                  </a:schemeClr>
+                </a:solidFill>
+              </a:rPr>
+              <a:t>이벤트를 부여 할 수 있었습니다</a:t>
+            </a:r>
+            <a:r>
+              <a:rPr lang="en-US" altLang="ko-KR" sz="900" b="1" dirty="0">
+                <a:solidFill>
+                  <a:schemeClr val="accent1">
+                    <a:lumMod val="75000"/>
+                  </a:schemeClr>
+                </a:solidFill>
+              </a:rPr>
+              <a:t>.</a:t>
+            </a:r>
+            <a:endParaRPr lang="ko-KR" altLang="en-US" sz="900" b="1" dirty="0">
+              <a:solidFill>
+                <a:schemeClr val="accent1">
+                  <a:lumMod val="75000"/>
+                </a:schemeClr>
+              </a:solidFill>
+            </a:endParaRPr>
+          </a:p>
+        </p:txBody>
+      </p:sp>
+      <p:sp>
+        <p:nvSpPr>
+          <p:cNvPr id="48" name="TextBox 47"/>
+          <p:cNvSpPr txBox="1"/>
+          <p:nvPr/>
+        </p:nvSpPr>
+        <p:spPr>
+          <a:xfrm>
+            <a:off x="449076" y="4000974"/>
+            <a:ext cx="1627946" cy="276999"/>
+          </a:xfrm>
+          <a:prstGeom prst="rect">
+            <a:avLst/>
+          </a:prstGeom>
+          <a:noFill/>
+        </p:spPr>
+        <p:txBody>
+          <a:bodyPr wrap="none" rtlCol="0">
+            <a:spAutoFit/>
+          </a:bodyPr>
+          <a:lstStyle/>
+          <a:p>
+            <a:r>
+              <a:rPr lang="en-US" altLang="ko-KR" sz="1200" b="1" dirty="0"/>
+              <a:t>Cookie </a:t>
+            </a:r>
+            <a:r>
+              <a:rPr lang="ko-KR" altLang="en-US" sz="1200" b="1" dirty="0"/>
+              <a:t>및 </a:t>
+            </a:r>
+            <a:r>
+              <a:rPr lang="en-US" altLang="ko-KR" sz="1200" b="1" dirty="0" err="1"/>
+              <a:t>localStorage</a:t>
+            </a:r>
+            <a:endParaRPr lang="ko-KR" altLang="en-US" sz="1200" b="1" dirty="0"/>
+          </a:p>
+        </p:txBody>
+      </p:sp>
+      <p:sp>
+        <p:nvSpPr>
+          <p:cNvPr id="49" name="TextBox 48"/>
+          <p:cNvSpPr txBox="1"/>
+          <p:nvPr/>
+        </p:nvSpPr>
+        <p:spPr>
+          <a:xfrm>
+            <a:off x="449076" y="4318301"/>
+            <a:ext cx="2472152" cy="646331"/>
+          </a:xfrm>
+          <a:prstGeom prst="rect">
+            <a:avLst/>
+          </a:prstGeom>
+          <a:noFill/>
+        </p:spPr>
+        <p:txBody>
+          <a:bodyPr wrap="none" rtlCol="0">
+            <a:spAutoFit/>
+          </a:bodyPr>
+          <a:lstStyle/>
+          <a:p>
+            <a:r>
+              <a:rPr lang="en-US" altLang="ko-KR" sz="900" b="1" dirty="0">
+                <a:solidFill>
+                  <a:schemeClr val="accent1">
+                    <a:lumMod val="75000"/>
+                  </a:schemeClr>
+                </a:solidFill>
+              </a:rPr>
+              <a:t>Cookie</a:t>
+            </a:r>
+            <a:r>
+              <a:rPr lang="ko-KR" altLang="en-US" sz="900" b="1" dirty="0">
+                <a:solidFill>
+                  <a:schemeClr val="accent1">
+                    <a:lumMod val="75000"/>
+                  </a:schemeClr>
+                </a:solidFill>
+              </a:rPr>
+              <a:t>와 </a:t>
+            </a:r>
+            <a:r>
+              <a:rPr lang="en-US" altLang="ko-KR" sz="900" b="1" dirty="0" err="1">
+                <a:solidFill>
+                  <a:schemeClr val="accent1">
+                    <a:lumMod val="75000"/>
+                  </a:schemeClr>
+                </a:solidFill>
+              </a:rPr>
+              <a:t>localStorage</a:t>
+            </a:r>
+            <a:r>
+              <a:rPr lang="ko-KR" altLang="en-US" sz="900" b="1" dirty="0">
+                <a:solidFill>
+                  <a:schemeClr val="accent1">
+                    <a:lumMod val="75000"/>
+                  </a:schemeClr>
+                </a:solidFill>
+              </a:rPr>
+              <a:t>를 이용하여 </a:t>
+            </a:r>
+            <a:endParaRPr lang="en-US" altLang="ko-KR" sz="900" b="1" dirty="0">
+              <a:solidFill>
+                <a:schemeClr val="accent1">
+                  <a:lumMod val="75000"/>
+                </a:schemeClr>
+              </a:solidFill>
+            </a:endParaRPr>
+          </a:p>
+          <a:p>
+            <a:r>
+              <a:rPr lang="ko-KR" altLang="en-US" sz="900" b="1" dirty="0">
+                <a:solidFill>
+                  <a:schemeClr val="accent1">
+                    <a:lumMod val="75000"/>
+                  </a:schemeClr>
+                </a:solidFill>
+              </a:rPr>
+              <a:t>새로 고침 후에도 정보가 남아 있도록 하였고</a:t>
+            </a:r>
+            <a:r>
+              <a:rPr lang="en-US" altLang="ko-KR" sz="900" b="1" dirty="0">
+                <a:solidFill>
+                  <a:schemeClr val="accent1">
+                    <a:lumMod val="75000"/>
+                  </a:schemeClr>
+                </a:solidFill>
+              </a:rPr>
+              <a:t>, </a:t>
+            </a:r>
+          </a:p>
+          <a:p>
+            <a:r>
+              <a:rPr lang="ko-KR" altLang="en-US" sz="900" b="1" dirty="0">
+                <a:solidFill>
+                  <a:schemeClr val="accent1">
+                    <a:lumMod val="75000"/>
+                  </a:schemeClr>
+                </a:solidFill>
+              </a:rPr>
+              <a:t>이를 통해 페이지 간의 정보 교환 등 </a:t>
+            </a:r>
+            <a:endParaRPr lang="en-US" altLang="ko-KR" sz="900" b="1" dirty="0">
+              <a:solidFill>
+                <a:schemeClr val="accent1">
+                  <a:lumMod val="75000"/>
+                </a:schemeClr>
+              </a:solidFill>
+            </a:endParaRPr>
+          </a:p>
+          <a:p>
+            <a:r>
+              <a:rPr lang="ko-KR" altLang="en-US" sz="900" b="1" dirty="0">
+                <a:solidFill>
+                  <a:schemeClr val="accent1">
+                    <a:lumMod val="75000"/>
+                  </a:schemeClr>
+                </a:solidFill>
+              </a:rPr>
+              <a:t>많은 활용을 할 수 있었습니다</a:t>
+            </a:r>
+            <a:r>
+              <a:rPr lang="en-US" altLang="ko-KR" sz="900" b="1" dirty="0">
+                <a:solidFill>
+                  <a:schemeClr val="accent1">
+                    <a:lumMod val="75000"/>
+                  </a:schemeClr>
+                </a:solidFill>
+              </a:rPr>
+              <a:t>.</a:t>
+            </a:r>
+            <a:endParaRPr lang="ko-KR" altLang="en-US" sz="900" b="1" dirty="0">
+              <a:solidFill>
+                <a:schemeClr val="accent1">
+                  <a:lumMod val="75000"/>
+                </a:schemeClr>
+              </a:solidFill>
+            </a:endParaRPr>
+          </a:p>
+        </p:txBody>
+      </p:sp>
+      <p:sp>
+        <p:nvSpPr>
+          <p:cNvPr id="50" name="TextBox 49"/>
+          <p:cNvSpPr txBox="1"/>
+          <p:nvPr/>
+        </p:nvSpPr>
+        <p:spPr>
+          <a:xfrm>
+            <a:off x="6333041" y="1528808"/>
+            <a:ext cx="1276183" cy="276999"/>
+          </a:xfrm>
+          <a:prstGeom prst="rect">
+            <a:avLst/>
+          </a:prstGeom>
+          <a:noFill/>
+        </p:spPr>
+        <p:txBody>
+          <a:bodyPr wrap="none" rtlCol="0">
+            <a:spAutoFit/>
+          </a:bodyPr>
+          <a:lstStyle/>
+          <a:p>
+            <a:r>
+              <a:rPr lang="en-US" altLang="ko-KR" sz="1200" b="1" dirty="0"/>
+              <a:t>List </a:t>
+            </a:r>
+            <a:r>
+              <a:rPr lang="ko-KR" altLang="en-US" sz="1200" b="1" dirty="0"/>
+              <a:t>및 숫자 관련</a:t>
+            </a:r>
+          </a:p>
+        </p:txBody>
+      </p:sp>
+      <p:sp>
+        <p:nvSpPr>
+          <p:cNvPr id="51" name="TextBox 50"/>
+          <p:cNvSpPr txBox="1"/>
+          <p:nvPr/>
+        </p:nvSpPr>
+        <p:spPr>
+          <a:xfrm>
+            <a:off x="6333041" y="1846135"/>
+            <a:ext cx="2291012" cy="784830"/>
+          </a:xfrm>
+          <a:prstGeom prst="rect">
+            <a:avLst/>
+          </a:prstGeom>
+          <a:noFill/>
+        </p:spPr>
+        <p:txBody>
+          <a:bodyPr wrap="none" rtlCol="0">
+            <a:spAutoFit/>
+          </a:bodyPr>
+          <a:lstStyle/>
+          <a:p>
+            <a:r>
+              <a:rPr lang="en-US" altLang="ko-KR" sz="900" b="1" dirty="0">
+                <a:solidFill>
+                  <a:schemeClr val="accent1">
+                    <a:lumMod val="75000"/>
+                  </a:schemeClr>
+                </a:solidFill>
+              </a:rPr>
+              <a:t>Product</a:t>
+            </a:r>
+            <a:r>
+              <a:rPr lang="ko-KR" altLang="en-US" sz="900" b="1" dirty="0">
+                <a:solidFill>
+                  <a:schemeClr val="accent1">
+                    <a:lumMod val="75000"/>
+                  </a:schemeClr>
+                </a:solidFill>
+              </a:rPr>
+              <a:t>페이지와 </a:t>
+            </a:r>
+            <a:r>
+              <a:rPr lang="en-US" altLang="ko-KR" sz="900" b="1" dirty="0">
+                <a:solidFill>
+                  <a:schemeClr val="accent1">
+                    <a:lumMod val="75000"/>
+                  </a:schemeClr>
+                </a:solidFill>
+              </a:rPr>
+              <a:t>cart</a:t>
+            </a:r>
+            <a:r>
+              <a:rPr lang="ko-KR" altLang="en-US" sz="900" b="1" dirty="0">
+                <a:solidFill>
+                  <a:schemeClr val="accent1">
+                    <a:lumMod val="75000"/>
+                  </a:schemeClr>
+                </a:solidFill>
+              </a:rPr>
+              <a:t>페이지에서 많이 </a:t>
+            </a:r>
+            <a:endParaRPr lang="en-US" altLang="ko-KR" sz="900" b="1" dirty="0">
+              <a:solidFill>
+                <a:schemeClr val="accent1">
+                  <a:lumMod val="75000"/>
+                </a:schemeClr>
+              </a:solidFill>
+            </a:endParaRPr>
+          </a:p>
+          <a:p>
+            <a:r>
+              <a:rPr lang="ko-KR" altLang="en-US" sz="900" b="1" dirty="0">
+                <a:solidFill>
+                  <a:schemeClr val="accent1">
+                    <a:lumMod val="75000"/>
+                  </a:schemeClr>
+                </a:solidFill>
+              </a:rPr>
+              <a:t>사용한 </a:t>
+            </a:r>
+            <a:r>
+              <a:rPr lang="en-US" altLang="ko-KR" sz="900" b="1" dirty="0">
+                <a:solidFill>
+                  <a:schemeClr val="accent1">
+                    <a:lumMod val="75000"/>
+                  </a:schemeClr>
+                </a:solidFill>
+              </a:rPr>
+              <a:t>total</a:t>
+            </a:r>
+            <a:r>
+              <a:rPr lang="ko-KR" altLang="en-US" sz="900" b="1" dirty="0">
+                <a:solidFill>
+                  <a:schemeClr val="accent1">
+                    <a:lumMod val="75000"/>
+                  </a:schemeClr>
+                </a:solidFill>
+              </a:rPr>
+              <a:t>과 </a:t>
+            </a:r>
+            <a:r>
+              <a:rPr lang="en-US" altLang="ko-KR" sz="900" b="1" dirty="0">
+                <a:solidFill>
+                  <a:schemeClr val="accent1">
+                    <a:lumMod val="75000"/>
+                  </a:schemeClr>
+                </a:solidFill>
+              </a:rPr>
+              <a:t>list</a:t>
+            </a:r>
+            <a:r>
+              <a:rPr lang="ko-KR" altLang="en-US" sz="900" b="1" dirty="0">
+                <a:solidFill>
+                  <a:schemeClr val="accent1">
+                    <a:lumMod val="75000"/>
+                  </a:schemeClr>
+                </a:solidFill>
+              </a:rPr>
+              <a:t>안에 숫자들을 통해 </a:t>
+            </a:r>
+            <a:endParaRPr lang="en-US" altLang="ko-KR" sz="900" b="1" dirty="0">
+              <a:solidFill>
+                <a:schemeClr val="accent1">
+                  <a:lumMod val="75000"/>
+                </a:schemeClr>
+              </a:solidFill>
+            </a:endParaRPr>
+          </a:p>
+          <a:p>
+            <a:r>
+              <a:rPr lang="ko-KR" altLang="en-US" sz="900" b="1" dirty="0">
+                <a:solidFill>
+                  <a:schemeClr val="accent1">
+                    <a:lumMod val="75000"/>
+                  </a:schemeClr>
+                </a:solidFill>
+              </a:rPr>
+              <a:t>수량에 따른 가격 변동과 이를 통해</a:t>
+            </a:r>
+            <a:endParaRPr lang="en-US" altLang="ko-KR" sz="900" b="1" dirty="0">
+              <a:solidFill>
+                <a:schemeClr val="accent1">
+                  <a:lumMod val="75000"/>
+                </a:schemeClr>
+              </a:solidFill>
+            </a:endParaRPr>
+          </a:p>
+          <a:p>
+            <a:r>
+              <a:rPr lang="en-US" altLang="ko-KR" sz="900" b="1" dirty="0">
+                <a:solidFill>
+                  <a:schemeClr val="accent1">
+                    <a:lumMod val="75000"/>
+                  </a:schemeClr>
+                </a:solidFill>
+              </a:rPr>
+              <a:t>Html</a:t>
+            </a:r>
+            <a:r>
+              <a:rPr lang="ko-KR" altLang="en-US" sz="900" b="1" dirty="0">
+                <a:solidFill>
+                  <a:schemeClr val="accent1">
+                    <a:lumMod val="75000"/>
+                  </a:schemeClr>
+                </a:solidFill>
+              </a:rPr>
+              <a:t>을 수정 될 수 있도록 </a:t>
+            </a:r>
+            <a:r>
+              <a:rPr lang="en-US" altLang="ko-KR" sz="900" b="1" dirty="0" err="1">
+                <a:solidFill>
+                  <a:schemeClr val="accent1">
+                    <a:lumMod val="75000"/>
+                  </a:schemeClr>
+                </a:solidFill>
+              </a:rPr>
+              <a:t>js</a:t>
+            </a:r>
+            <a:r>
+              <a:rPr lang="ko-KR" altLang="en-US" sz="900" b="1" dirty="0">
+                <a:solidFill>
+                  <a:schemeClr val="accent1">
+                    <a:lumMod val="75000"/>
+                  </a:schemeClr>
+                </a:solidFill>
+              </a:rPr>
+              <a:t>의 흐름에 대해</a:t>
+            </a:r>
+            <a:endParaRPr lang="en-US" altLang="ko-KR" sz="900" b="1" dirty="0">
+              <a:solidFill>
+                <a:schemeClr val="accent1">
+                  <a:lumMod val="75000"/>
+                </a:schemeClr>
+              </a:solidFill>
+            </a:endParaRPr>
+          </a:p>
+          <a:p>
+            <a:r>
+              <a:rPr lang="ko-KR" altLang="en-US" sz="900" b="1" dirty="0">
+                <a:solidFill>
+                  <a:schemeClr val="accent1">
+                    <a:lumMod val="75000"/>
+                  </a:schemeClr>
+                </a:solidFill>
+              </a:rPr>
+              <a:t>배울 수 있었습니다</a:t>
+            </a:r>
+            <a:r>
+              <a:rPr lang="en-US" altLang="ko-KR" sz="900" b="1" dirty="0">
+                <a:solidFill>
+                  <a:schemeClr val="accent1">
+                    <a:lumMod val="75000"/>
+                  </a:schemeClr>
+                </a:solidFill>
+              </a:rPr>
+              <a:t>.</a:t>
+            </a:r>
+            <a:endParaRPr lang="ko-KR" altLang="en-US" sz="900" b="1" dirty="0">
+              <a:solidFill>
+                <a:schemeClr val="accent1">
+                  <a:lumMod val="75000"/>
+                </a:schemeClr>
+              </a:solidFill>
+            </a:endParaRPr>
+          </a:p>
+        </p:txBody>
+      </p:sp>
+      <p:sp>
+        <p:nvSpPr>
+          <p:cNvPr id="52" name="TextBox 51"/>
+          <p:cNvSpPr txBox="1"/>
+          <p:nvPr/>
+        </p:nvSpPr>
+        <p:spPr>
+          <a:xfrm>
+            <a:off x="6333041" y="2772575"/>
+            <a:ext cx="1024639" cy="276999"/>
+          </a:xfrm>
+          <a:prstGeom prst="rect">
+            <a:avLst/>
+          </a:prstGeom>
+          <a:noFill/>
+        </p:spPr>
+        <p:txBody>
+          <a:bodyPr wrap="none" rtlCol="0">
+            <a:spAutoFit/>
+          </a:bodyPr>
+          <a:lstStyle/>
+          <a:p>
+            <a:r>
+              <a:rPr lang="ko-KR" altLang="en-US" sz="1200" b="1" dirty="0"/>
+              <a:t>객체 및 배열</a:t>
+            </a:r>
+          </a:p>
+        </p:txBody>
+      </p:sp>
+      <p:sp>
+        <p:nvSpPr>
+          <p:cNvPr id="53" name="TextBox 52"/>
+          <p:cNvSpPr txBox="1"/>
+          <p:nvPr/>
+        </p:nvSpPr>
+        <p:spPr>
+          <a:xfrm>
+            <a:off x="6333041" y="3089902"/>
+            <a:ext cx="2326278" cy="646331"/>
+          </a:xfrm>
+          <a:prstGeom prst="rect">
+            <a:avLst/>
+          </a:prstGeom>
+          <a:noFill/>
+        </p:spPr>
+        <p:txBody>
+          <a:bodyPr wrap="none" rtlCol="0">
+            <a:spAutoFit/>
+          </a:bodyPr>
+          <a:lstStyle/>
+          <a:p>
+            <a:r>
+              <a:rPr lang="ko-KR" altLang="en-US" sz="900" b="1" dirty="0">
+                <a:solidFill>
+                  <a:schemeClr val="accent1">
+                    <a:lumMod val="75000"/>
+                  </a:schemeClr>
+                </a:solidFill>
+              </a:rPr>
+              <a:t>대표적으로 </a:t>
+            </a:r>
+            <a:r>
+              <a:rPr lang="en-US" altLang="ko-KR" sz="900" b="1" dirty="0">
+                <a:solidFill>
+                  <a:schemeClr val="accent1">
+                    <a:lumMod val="75000"/>
+                  </a:schemeClr>
+                </a:solidFill>
+              </a:rPr>
+              <a:t>JSON</a:t>
+            </a:r>
+            <a:r>
+              <a:rPr lang="ko-KR" altLang="en-US" sz="900" b="1" dirty="0">
+                <a:solidFill>
+                  <a:schemeClr val="accent1">
+                    <a:lumMod val="75000"/>
+                  </a:schemeClr>
+                </a:solidFill>
+              </a:rPr>
+              <a:t>을 보면 객체 배열화 </a:t>
+            </a:r>
+            <a:endParaRPr lang="en-US" altLang="ko-KR" sz="900" b="1" dirty="0">
+              <a:solidFill>
+                <a:schemeClr val="accent1">
+                  <a:lumMod val="75000"/>
+                </a:schemeClr>
+              </a:solidFill>
+            </a:endParaRPr>
+          </a:p>
+          <a:p>
+            <a:r>
+              <a:rPr lang="ko-KR" altLang="en-US" sz="900" b="1" dirty="0">
+                <a:solidFill>
+                  <a:schemeClr val="accent1">
+                    <a:lumMod val="75000"/>
+                  </a:schemeClr>
+                </a:solidFill>
+              </a:rPr>
+              <a:t>되어있는 걸 확인 할 수 있습니다</a:t>
+            </a:r>
+            <a:r>
+              <a:rPr lang="en-US" altLang="ko-KR" sz="900" b="1" dirty="0">
+                <a:solidFill>
+                  <a:schemeClr val="accent1">
+                    <a:lumMod val="75000"/>
+                  </a:schemeClr>
+                </a:solidFill>
+              </a:rPr>
+              <a:t>.</a:t>
+            </a:r>
+          </a:p>
+          <a:p>
+            <a:r>
+              <a:rPr lang="ko-KR" altLang="en-US" sz="900" b="1" dirty="0">
+                <a:solidFill>
+                  <a:schemeClr val="accent1">
+                    <a:lumMod val="75000"/>
+                  </a:schemeClr>
+                </a:solidFill>
+              </a:rPr>
+              <a:t>이를 통해 객체와 배열에 활용과 이에 대해 </a:t>
+            </a:r>
+            <a:endParaRPr lang="en-US" altLang="ko-KR" sz="900" b="1" dirty="0">
+              <a:solidFill>
+                <a:schemeClr val="accent1">
+                  <a:lumMod val="75000"/>
+                </a:schemeClr>
+              </a:solidFill>
+            </a:endParaRPr>
+          </a:p>
+          <a:p>
+            <a:r>
+              <a:rPr lang="ko-KR" altLang="en-US" sz="900" b="1" dirty="0">
+                <a:solidFill>
+                  <a:schemeClr val="accent1">
+                    <a:lumMod val="75000"/>
+                  </a:schemeClr>
+                </a:solidFill>
+              </a:rPr>
+              <a:t>심층적으로 이해를 할 수 있었습니다</a:t>
+            </a:r>
+            <a:r>
+              <a:rPr lang="en-US" altLang="ko-KR" sz="900" b="1" dirty="0">
+                <a:solidFill>
+                  <a:schemeClr val="accent1">
+                    <a:lumMod val="75000"/>
+                  </a:schemeClr>
+                </a:solidFill>
+              </a:rPr>
+              <a:t>.</a:t>
+            </a:r>
+            <a:endParaRPr lang="ko-KR" altLang="en-US" sz="900" b="1" dirty="0">
+              <a:solidFill>
+                <a:schemeClr val="accent1">
+                  <a:lumMod val="75000"/>
+                </a:schemeClr>
+              </a:solidFill>
+            </a:endParaRPr>
+          </a:p>
+        </p:txBody>
+      </p:sp>
+      <p:sp>
+        <p:nvSpPr>
+          <p:cNvPr id="54" name="TextBox 53"/>
+          <p:cNvSpPr txBox="1"/>
+          <p:nvPr/>
+        </p:nvSpPr>
+        <p:spPr>
+          <a:xfrm>
+            <a:off x="6333041" y="4000974"/>
+            <a:ext cx="1297150" cy="276999"/>
+          </a:xfrm>
+          <a:prstGeom prst="rect">
+            <a:avLst/>
+          </a:prstGeom>
+          <a:noFill/>
+        </p:spPr>
+        <p:txBody>
+          <a:bodyPr wrap="none" rtlCol="0">
+            <a:spAutoFit/>
+          </a:bodyPr>
+          <a:lstStyle/>
+          <a:p>
+            <a:r>
+              <a:rPr lang="ko-KR" altLang="en-US" sz="1200" b="1" dirty="0"/>
+              <a:t>다양한 내장함수</a:t>
+            </a:r>
+          </a:p>
+        </p:txBody>
+      </p:sp>
+      <p:sp>
+        <p:nvSpPr>
+          <p:cNvPr id="55" name="TextBox 54"/>
+          <p:cNvSpPr txBox="1"/>
+          <p:nvPr/>
+        </p:nvSpPr>
+        <p:spPr>
+          <a:xfrm>
+            <a:off x="6333041" y="4318301"/>
+            <a:ext cx="2359941" cy="646331"/>
+          </a:xfrm>
+          <a:prstGeom prst="rect">
+            <a:avLst/>
+          </a:prstGeom>
+          <a:noFill/>
+        </p:spPr>
+        <p:txBody>
+          <a:bodyPr wrap="none" rtlCol="0">
+            <a:spAutoFit/>
+          </a:bodyPr>
+          <a:lstStyle/>
+          <a:p>
+            <a:r>
+              <a:rPr lang="en-US" altLang="ko-KR" sz="900" b="1" dirty="0">
+                <a:solidFill>
+                  <a:schemeClr val="accent1">
+                    <a:lumMod val="75000"/>
+                  </a:schemeClr>
+                </a:solidFill>
+              </a:rPr>
+              <a:t>Array, map, from</a:t>
+            </a:r>
+            <a:r>
+              <a:rPr lang="ko-KR" altLang="en-US" sz="900" b="1" dirty="0">
+                <a:solidFill>
+                  <a:schemeClr val="accent1">
+                    <a:lumMod val="75000"/>
+                  </a:schemeClr>
+                </a:solidFill>
+              </a:rPr>
+              <a:t>등 데이터를 활용하기 위해</a:t>
+            </a:r>
+            <a:endParaRPr lang="en-US" altLang="ko-KR" sz="900" b="1" dirty="0">
+              <a:solidFill>
+                <a:schemeClr val="accent1">
+                  <a:lumMod val="75000"/>
+                </a:schemeClr>
+              </a:solidFill>
+            </a:endParaRPr>
+          </a:p>
+          <a:p>
+            <a:r>
+              <a:rPr lang="en-US" altLang="ko-KR" sz="900" b="1" dirty="0">
+                <a:solidFill>
+                  <a:schemeClr val="accent1">
+                    <a:lumMod val="75000"/>
+                  </a:schemeClr>
+                </a:solidFill>
+              </a:rPr>
+              <a:t>Js</a:t>
+            </a:r>
+            <a:r>
+              <a:rPr lang="ko-KR" altLang="en-US" sz="900" b="1" dirty="0">
+                <a:solidFill>
+                  <a:schemeClr val="accent1">
+                    <a:lumMod val="75000"/>
+                  </a:schemeClr>
+                </a:solidFill>
+              </a:rPr>
+              <a:t>의 내장함수를 사용함으로써 이들의 </a:t>
+            </a:r>
+            <a:endParaRPr lang="en-US" altLang="ko-KR" sz="900" b="1" dirty="0">
+              <a:solidFill>
+                <a:schemeClr val="accent1">
+                  <a:lumMod val="75000"/>
+                </a:schemeClr>
+              </a:solidFill>
+            </a:endParaRPr>
+          </a:p>
+          <a:p>
+            <a:r>
+              <a:rPr lang="ko-KR" altLang="en-US" sz="900" b="1" dirty="0">
+                <a:solidFill>
+                  <a:schemeClr val="accent1">
+                    <a:lumMod val="75000"/>
+                  </a:schemeClr>
+                </a:solidFill>
+              </a:rPr>
+              <a:t>쓰임새를 알게 되었고 </a:t>
+            </a:r>
+            <a:endParaRPr lang="en-US" altLang="ko-KR" sz="900" b="1" dirty="0">
+              <a:solidFill>
+                <a:schemeClr val="accent1">
+                  <a:lumMod val="75000"/>
+                </a:schemeClr>
+              </a:solidFill>
+            </a:endParaRPr>
+          </a:p>
+          <a:p>
+            <a:r>
+              <a:rPr lang="ko-KR" altLang="en-US" sz="900" b="1" dirty="0">
+                <a:solidFill>
+                  <a:schemeClr val="accent1">
+                    <a:lumMod val="75000"/>
+                  </a:schemeClr>
+                </a:solidFill>
+              </a:rPr>
+              <a:t>활용 할 수 있게 되었습니다</a:t>
+            </a:r>
+            <a:r>
+              <a:rPr lang="en-US" altLang="ko-KR" sz="900" b="1" dirty="0">
+                <a:solidFill>
+                  <a:schemeClr val="accent1">
+                    <a:lumMod val="75000"/>
+                  </a:schemeClr>
+                </a:solidFill>
+              </a:rPr>
+              <a:t>.</a:t>
+            </a:r>
+            <a:endParaRPr lang="ko-KR" altLang="en-US" sz="900" b="1" dirty="0">
+              <a:solidFill>
+                <a:schemeClr val="accent1">
+                  <a:lumMod val="75000"/>
+                </a:schemeClr>
+              </a:solidFill>
+            </a:endParaRPr>
+          </a:p>
+        </p:txBody>
+      </p:sp>
+      <p:sp>
+        <p:nvSpPr>
+          <p:cNvPr id="26" name="TextBox 25"/>
+          <p:cNvSpPr txBox="1"/>
+          <p:nvPr/>
+        </p:nvSpPr>
+        <p:spPr>
+          <a:xfrm>
+            <a:off x="4080508" y="2882053"/>
+            <a:ext cx="761748" cy="323165"/>
+          </a:xfrm>
+          <a:prstGeom prst="rect">
+            <a:avLst/>
+          </a:prstGeom>
+          <a:noFill/>
+        </p:spPr>
+        <p:txBody>
+          <a:bodyPr wrap="none" rtlCol="0">
+            <a:spAutoFit/>
+          </a:bodyPr>
+          <a:lstStyle/>
+          <a:p>
+            <a:pPr algn="r"/>
+            <a:r>
+              <a:rPr lang="ko-KR" altLang="en-US" sz="1500" b="1" dirty="0" err="1"/>
+              <a:t>배운점</a:t>
+            </a:r>
+            <a:endParaRPr lang="en-US" altLang="ko-KR" sz="1500" b="1" dirty="0"/>
+          </a:p>
+        </p:txBody>
+      </p:sp>
+      <p:sp>
+        <p:nvSpPr>
+          <p:cNvPr id="56" name="TextBox 55">
+            <a:extLst>
+              <a:ext uri="{FF2B5EF4-FFF2-40B4-BE49-F238E27FC236}">
+                <a16:creationId xmlns:a16="http://schemas.microsoft.com/office/drawing/2014/main" id="{29BD064A-6A0F-4D47-985F-7A9BC7E04F77}"/>
+              </a:ext>
+            </a:extLst>
+          </p:cNvPr>
+          <p:cNvSpPr txBox="1"/>
+          <p:nvPr/>
+        </p:nvSpPr>
+        <p:spPr>
+          <a:xfrm>
+            <a:off x="938152" y="5226239"/>
+            <a:ext cx="7478329" cy="1223412"/>
+          </a:xfrm>
+          <a:prstGeom prst="rect">
+            <a:avLst/>
+          </a:prstGeom>
+          <a:noFill/>
+        </p:spPr>
+        <p:txBody>
+          <a:bodyPr wrap="none" rtlCol="0">
+            <a:spAutoFit/>
+          </a:bodyPr>
+          <a:lstStyle/>
+          <a:p>
+            <a:r>
+              <a:rPr lang="ko-KR" altLang="en-US" sz="1050" b="1" dirty="0">
+                <a:solidFill>
+                  <a:srgbClr val="002060"/>
+                </a:solidFill>
+              </a:rPr>
+              <a:t>느낀 점 </a:t>
+            </a:r>
+            <a:r>
+              <a:rPr lang="en-US" altLang="ko-KR" sz="1050" b="1" dirty="0">
+                <a:solidFill>
+                  <a:srgbClr val="002060"/>
+                </a:solidFill>
+              </a:rPr>
+              <a:t>: </a:t>
+            </a:r>
+            <a:r>
+              <a:rPr lang="ko-KR" altLang="en-US" sz="1050" b="1" dirty="0">
+                <a:solidFill>
+                  <a:srgbClr val="002060"/>
+                </a:solidFill>
+              </a:rPr>
+              <a:t>오랫동안 진행해온 프로젝트인 만큼 완벽하게 진행을 하고 싶었지만 생각보다 만만치 않았습니다</a:t>
+            </a:r>
+            <a:r>
+              <a:rPr lang="en-US" altLang="ko-KR" sz="1050" b="1" dirty="0">
+                <a:solidFill>
+                  <a:srgbClr val="002060"/>
+                </a:solidFill>
+              </a:rPr>
+              <a:t>. </a:t>
+            </a:r>
+          </a:p>
+          <a:p>
+            <a:r>
+              <a:rPr lang="ko-KR" altLang="en-US" sz="1050" b="1" dirty="0">
+                <a:solidFill>
+                  <a:srgbClr val="002060"/>
+                </a:solidFill>
+              </a:rPr>
+              <a:t>인터넷 강의를 보면서 보고 따라하는 프로젝트보다는 혼자서 프로젝트를 진행 했기에 코드가 많이 지저분하고 </a:t>
+            </a:r>
+            <a:endParaRPr lang="en-US" altLang="ko-KR" sz="1050" b="1" dirty="0">
+              <a:solidFill>
+                <a:srgbClr val="002060"/>
+              </a:solidFill>
+            </a:endParaRPr>
+          </a:p>
+          <a:p>
+            <a:r>
+              <a:rPr lang="ko-KR" altLang="en-US" sz="1050" b="1" dirty="0">
+                <a:solidFill>
+                  <a:srgbClr val="002060"/>
+                </a:solidFill>
+              </a:rPr>
+              <a:t>효율성이 떨어지지만</a:t>
+            </a:r>
+            <a:r>
+              <a:rPr lang="en-US" altLang="ko-KR" sz="1050" b="1" dirty="0">
+                <a:solidFill>
+                  <a:srgbClr val="002060"/>
+                </a:solidFill>
+              </a:rPr>
+              <a:t> </a:t>
+            </a:r>
+            <a:r>
+              <a:rPr lang="ko-KR" altLang="en-US" sz="1050" b="1" dirty="0">
+                <a:solidFill>
+                  <a:srgbClr val="002060"/>
+                </a:solidFill>
+              </a:rPr>
+              <a:t>이번 프로젝트에서는 문제해결에 초점을 두고 진행한 프로젝트이기에 무엇보다도 중요하다 생각 할 수 </a:t>
+            </a:r>
+            <a:endParaRPr lang="en-US" altLang="ko-KR" sz="1050" b="1" dirty="0">
+              <a:solidFill>
+                <a:srgbClr val="002060"/>
+              </a:solidFill>
+            </a:endParaRPr>
+          </a:p>
+          <a:p>
+            <a:r>
+              <a:rPr lang="ko-KR" altLang="en-US" sz="1050" b="1" dirty="0">
+                <a:solidFill>
+                  <a:srgbClr val="002060"/>
+                </a:solidFill>
+              </a:rPr>
+              <a:t>있는 문제해결 능력의 향상을 기대 할 수 있었습니다</a:t>
+            </a:r>
+            <a:r>
+              <a:rPr lang="en-US" altLang="ko-KR" sz="1050" b="1" dirty="0">
+                <a:solidFill>
+                  <a:srgbClr val="002060"/>
+                </a:solidFill>
+              </a:rPr>
+              <a:t>.</a:t>
+            </a:r>
+          </a:p>
+          <a:p>
+            <a:r>
+              <a:rPr lang="ko-KR" altLang="en-US" sz="1050" b="1" dirty="0">
+                <a:solidFill>
+                  <a:srgbClr val="002060"/>
+                </a:solidFill>
+              </a:rPr>
+              <a:t>이를 통해 다음 프로젝트를 진행 할 때에 대해서 어떤 식으로 설계하고 풀어나갈지에 대해서 전보다 수월하게 생각이 듭니다</a:t>
+            </a:r>
+            <a:r>
+              <a:rPr lang="en-US" altLang="ko-KR" sz="1050" b="1" dirty="0">
+                <a:solidFill>
+                  <a:srgbClr val="002060"/>
+                </a:solidFill>
+              </a:rPr>
+              <a:t>. </a:t>
+            </a:r>
+          </a:p>
+          <a:p>
+            <a:r>
+              <a:rPr lang="ko-KR" altLang="en-US" sz="1050" b="1" dirty="0">
+                <a:solidFill>
+                  <a:srgbClr val="002060"/>
+                </a:solidFill>
+              </a:rPr>
+              <a:t>프로젝트도 하루 이틀만에 끝나는 프로젝트가 아닌 회사처럼 유지보수를 </a:t>
+            </a:r>
+            <a:r>
+              <a:rPr lang="ko-KR" altLang="en-US" sz="1050" b="1" dirty="0" err="1">
+                <a:solidFill>
+                  <a:srgbClr val="002060"/>
+                </a:solidFill>
+              </a:rPr>
+              <a:t>하듯이</a:t>
+            </a:r>
+            <a:r>
+              <a:rPr lang="ko-KR" altLang="en-US" sz="1050" b="1" dirty="0">
+                <a:solidFill>
+                  <a:srgbClr val="002060"/>
+                </a:solidFill>
+              </a:rPr>
+              <a:t> 진행을</a:t>
+            </a:r>
+            <a:r>
+              <a:rPr lang="en-US" altLang="ko-KR" sz="1050" b="1" dirty="0">
+                <a:solidFill>
+                  <a:srgbClr val="002060"/>
+                </a:solidFill>
+              </a:rPr>
+              <a:t> </a:t>
+            </a:r>
+            <a:r>
+              <a:rPr lang="ko-KR" altLang="en-US" sz="1050" b="1" dirty="0">
+                <a:solidFill>
+                  <a:srgbClr val="002060"/>
+                </a:solidFill>
+              </a:rPr>
+              <a:t>하였고</a:t>
+            </a:r>
+            <a:r>
+              <a:rPr lang="en-US" altLang="ko-KR" sz="1050" b="1" dirty="0">
+                <a:solidFill>
+                  <a:srgbClr val="002060"/>
+                </a:solidFill>
+              </a:rPr>
+              <a:t>, </a:t>
+            </a:r>
+            <a:r>
+              <a:rPr lang="ko-KR" altLang="en-US" sz="1050" b="1" dirty="0">
+                <a:solidFill>
+                  <a:srgbClr val="002060"/>
+                </a:solidFill>
+              </a:rPr>
+              <a:t>아직은 많이 부족하지만</a:t>
+            </a:r>
+            <a:endParaRPr lang="en-US" altLang="ko-KR" sz="1050" b="1" dirty="0">
+              <a:solidFill>
+                <a:srgbClr val="002060"/>
+              </a:solidFill>
+            </a:endParaRPr>
+          </a:p>
+          <a:p>
+            <a:r>
+              <a:rPr lang="ko-KR" altLang="en-US" sz="1050" b="1" dirty="0">
+                <a:solidFill>
+                  <a:srgbClr val="002060"/>
+                </a:solidFill>
+              </a:rPr>
+              <a:t>이렇게 끈기 있게만 하루이틀</a:t>
+            </a:r>
+            <a:r>
+              <a:rPr lang="en-US" altLang="ko-KR" sz="1050" b="1" dirty="0">
+                <a:solidFill>
+                  <a:srgbClr val="002060"/>
+                </a:solidFill>
+              </a:rPr>
+              <a:t>… </a:t>
+            </a:r>
+            <a:r>
+              <a:rPr lang="ko-KR" altLang="en-US" sz="1050" b="1" dirty="0">
+                <a:solidFill>
+                  <a:srgbClr val="002060"/>
+                </a:solidFill>
+              </a:rPr>
+              <a:t>그렇게 </a:t>
+            </a:r>
+            <a:r>
+              <a:rPr lang="en-US" altLang="ko-KR" sz="1050" b="1" dirty="0">
+                <a:solidFill>
+                  <a:srgbClr val="002060"/>
+                </a:solidFill>
+              </a:rPr>
+              <a:t>1</a:t>
+            </a:r>
+            <a:r>
+              <a:rPr lang="ko-KR" altLang="en-US" sz="1050" b="1" dirty="0">
+                <a:solidFill>
+                  <a:srgbClr val="002060"/>
+                </a:solidFill>
+              </a:rPr>
+              <a:t>년 </a:t>
+            </a:r>
+            <a:r>
+              <a:rPr lang="en-US" altLang="ko-KR" sz="1050" b="1" dirty="0">
+                <a:solidFill>
+                  <a:srgbClr val="002060"/>
+                </a:solidFill>
+              </a:rPr>
+              <a:t>2</a:t>
+            </a:r>
+            <a:r>
+              <a:rPr lang="ko-KR" altLang="en-US" sz="1050" b="1" dirty="0">
+                <a:solidFill>
+                  <a:srgbClr val="002060"/>
+                </a:solidFill>
+              </a:rPr>
+              <a:t>년이 된다면 많은 성장을 이룰 수 있을 거로 생각합니다</a:t>
+            </a:r>
+            <a:r>
+              <a:rPr lang="en-US" altLang="ko-KR" sz="1050" b="1" dirty="0">
+                <a:solidFill>
+                  <a:srgbClr val="002060"/>
+                </a:solidFill>
+              </a:rPr>
+              <a:t>. </a:t>
+            </a:r>
+            <a:r>
+              <a:rPr lang="ko-KR" altLang="en-US" sz="1050" b="1" dirty="0">
+                <a:solidFill>
+                  <a:srgbClr val="002060"/>
+                </a:solidFill>
+              </a:rPr>
+              <a:t>봐주셔서 감사합니다</a:t>
+            </a:r>
+            <a:r>
+              <a:rPr lang="en-US" altLang="ko-KR" sz="1050" b="1">
+                <a:solidFill>
+                  <a:srgbClr val="002060"/>
+                </a:solidFill>
+              </a:rPr>
+              <a:t>.</a:t>
+            </a:r>
+            <a:endParaRPr lang="en-US" altLang="ko-KR" sz="1050" b="1" dirty="0">
+              <a:solidFill>
+                <a:srgbClr val="002060"/>
+              </a:solidFill>
+            </a:endParaRPr>
+          </a:p>
+        </p:txBody>
+      </p:sp>
+    </p:spTree>
+    <p:extLst>
+      <p:ext uri="{BB962C8B-B14F-4D97-AF65-F5344CB8AC3E}">
+        <p14:creationId xmlns:p14="http://schemas.microsoft.com/office/powerpoint/2010/main" val="913772975"/>
+      </p:ext>
+    </p:extLst>
+  </p:cSld>
+  <p:clrMapOvr>
+    <a:masterClrMapping/>
+  </p:clrMapOvr>
+</p:sld>
+</file>
+
+<file path=ppt/slides/slide12.xml><?xml version="1.0" encoding="utf-8"?>
+<p:sld xmlns:a="http://schemas.openxmlformats.org/drawingml/2006/main" xmlns:r="http://schemas.openxmlformats.org/officeDocument/2006/relationships" xmlns:p="http://schemas.openxmlformats.org/presentationml/2006/main">
+  <p:cSld>
+    <p:spTree>
+      <p:nvGrpSpPr>
+        <p:cNvPr id="1" name=""/>
+        <p:cNvGrpSpPr/>
+        <p:nvPr/>
+      </p:nvGrpSpPr>
+      <p:grpSpPr>
+        <a:xfrm>
+          <a:off x="0" y="0"/>
+          <a:ext cx="0" cy="0"/>
+          <a:chOff x="0" y="0"/>
+          <a:chExt cx="0" cy="0"/>
+        </a:xfrm>
+      </p:grpSpPr>
+      <p:cxnSp>
+        <p:nvCxnSpPr>
+          <p:cNvPr id="5" name="직선 연결선 4"/>
+          <p:cNvCxnSpPr/>
+          <p:nvPr/>
+        </p:nvCxnSpPr>
+        <p:spPr>
+          <a:xfrm>
+            <a:off x="0" y="216131"/>
+            <a:ext cx="9144000" cy="0"/>
+          </a:xfrm>
+          <a:prstGeom prst="line">
+            <a:avLst/>
+          </a:prstGeom>
+          <a:ln w="28575">
+            <a:solidFill>
+              <a:schemeClr val="tx1">
+                <a:lumMod val="85000"/>
+                <a:lumOff val="15000"/>
+              </a:schemeClr>
+            </a:solidFill>
+          </a:ln>
+        </p:spPr>
+        <p:style>
+          <a:lnRef idx="1">
+            <a:schemeClr val="accent1"/>
+          </a:lnRef>
+          <a:fillRef idx="0">
+            <a:schemeClr val="accent1"/>
+          </a:fillRef>
+          <a:effectRef idx="0">
+            <a:schemeClr val="accent1"/>
+          </a:effectRef>
+          <a:fontRef idx="minor">
+            <a:schemeClr val="tx1"/>
+          </a:fontRef>
+        </p:style>
+      </p:cxnSp>
+      <p:cxnSp>
+        <p:nvCxnSpPr>
+          <p:cNvPr id="6" name="직선 연결선 5"/>
+          <p:cNvCxnSpPr/>
+          <p:nvPr/>
+        </p:nvCxnSpPr>
+        <p:spPr>
+          <a:xfrm>
+            <a:off x="0" y="6644640"/>
+            <a:ext cx="9144000" cy="0"/>
+          </a:xfrm>
+          <a:prstGeom prst="line">
+            <a:avLst/>
+          </a:prstGeom>
+          <a:ln w="28575">
+            <a:solidFill>
+              <a:schemeClr val="tx1">
+                <a:lumMod val="85000"/>
+                <a:lumOff val="15000"/>
+              </a:schemeClr>
+            </a:solidFill>
+          </a:ln>
+        </p:spPr>
+        <p:style>
+          <a:lnRef idx="1">
+            <a:schemeClr val="accent1"/>
+          </a:lnRef>
+          <a:fillRef idx="0">
+            <a:schemeClr val="accent1"/>
+          </a:fillRef>
+          <a:effectRef idx="0">
+            <a:schemeClr val="accent1"/>
+          </a:effectRef>
+          <a:fontRef idx="minor">
+            <a:schemeClr val="tx1"/>
+          </a:fontRef>
+        </p:style>
+      </p:cxnSp>
+      <p:sp>
+        <p:nvSpPr>
+          <p:cNvPr id="7" name="직사각형 6"/>
+          <p:cNvSpPr/>
+          <p:nvPr/>
+        </p:nvSpPr>
+        <p:spPr>
+          <a:xfrm>
+            <a:off x="-1" y="2763982"/>
+            <a:ext cx="3283527" cy="1330036"/>
+          </a:xfrm>
+          <a:prstGeom prst="rect">
+            <a:avLst/>
+          </a:prstGeom>
+          <a:solidFill>
+            <a:schemeClr val="tx1">
+              <a:lumMod val="85000"/>
+              <a:lumOff val="15000"/>
+            </a:schemeClr>
+          </a:solidFill>
+          <a:ln>
+            <a:noFill/>
+          </a:ln>
+        </p:spPr>
+        <p:style>
+          <a:lnRef idx="2">
+            <a:schemeClr val="accent1">
+              <a:shade val="50000"/>
+            </a:schemeClr>
+          </a:lnRef>
+          <a:fillRef idx="1">
+            <a:schemeClr val="accent1"/>
+          </a:fillRef>
+          <a:effectRef idx="0">
+            <a:schemeClr val="accent1"/>
+          </a:effectRef>
+          <a:fontRef idx="minor">
+            <a:schemeClr val="lt1"/>
+          </a:fontRef>
+        </p:style>
+        <p:txBody>
+          <a:bodyPr rtlCol="0" anchor="ctr"/>
+          <a:lstStyle/>
+          <a:p>
+            <a:pPr algn="ctr"/>
+            <a:endParaRPr lang="ko-KR" altLang="en-US"/>
+          </a:p>
+        </p:txBody>
+      </p:sp>
+      <p:sp>
+        <p:nvSpPr>
+          <p:cNvPr id="8" name="TextBox 7"/>
+          <p:cNvSpPr txBox="1"/>
+          <p:nvPr/>
+        </p:nvSpPr>
+        <p:spPr>
+          <a:xfrm>
+            <a:off x="3684289" y="2975956"/>
+            <a:ext cx="1827103" cy="523220"/>
+          </a:xfrm>
+          <a:prstGeom prst="rect">
+            <a:avLst/>
+          </a:prstGeom>
+          <a:noFill/>
+        </p:spPr>
+        <p:txBody>
+          <a:bodyPr wrap="none" rtlCol="0">
+            <a:spAutoFit/>
+          </a:bodyPr>
+          <a:lstStyle/>
+          <a:p>
+            <a:r>
+              <a:rPr lang="en-US" altLang="ko-KR" sz="2800" b="1" dirty="0"/>
+              <a:t>Thank you.</a:t>
+            </a:r>
+          </a:p>
+        </p:txBody>
+      </p:sp>
+      <p:sp>
+        <p:nvSpPr>
+          <p:cNvPr id="9" name="TextBox 8"/>
+          <p:cNvSpPr txBox="1"/>
+          <p:nvPr/>
+        </p:nvSpPr>
+        <p:spPr>
+          <a:xfrm>
+            <a:off x="3695091" y="3528970"/>
+            <a:ext cx="2671693" cy="307777"/>
+          </a:xfrm>
+          <a:prstGeom prst="rect">
+            <a:avLst/>
+          </a:prstGeom>
+          <a:noFill/>
+        </p:spPr>
+        <p:txBody>
+          <a:bodyPr wrap="none" rtlCol="0">
+            <a:spAutoFit/>
+          </a:bodyPr>
+          <a:lstStyle/>
+          <a:p>
+            <a:r>
+              <a:rPr lang="en-US" altLang="ko-KR" sz="1400" b="1" dirty="0">
+                <a:solidFill>
+                  <a:schemeClr val="bg1">
+                    <a:lumMod val="50000"/>
+                  </a:schemeClr>
+                </a:solidFill>
+                <a:latin typeface="+mj-ea"/>
+                <a:ea typeface="+mj-ea"/>
+              </a:rPr>
+              <a:t>Thank you for coming today.</a:t>
+            </a:r>
+          </a:p>
+        </p:txBody>
+      </p:sp>
+      <p:cxnSp>
+        <p:nvCxnSpPr>
+          <p:cNvPr id="12" name="직선 연결선 11"/>
+          <p:cNvCxnSpPr/>
+          <p:nvPr/>
+        </p:nvCxnSpPr>
+        <p:spPr>
+          <a:xfrm>
+            <a:off x="157942" y="0"/>
+            <a:ext cx="0" cy="6858000"/>
+          </a:xfrm>
+          <a:prstGeom prst="line">
+            <a:avLst/>
+          </a:prstGeom>
+          <a:ln w="28575">
+            <a:solidFill>
+              <a:schemeClr val="tx1"/>
+            </a:solidFill>
+          </a:ln>
+        </p:spPr>
+        <p:style>
+          <a:lnRef idx="1">
+            <a:schemeClr val="accent1"/>
+          </a:lnRef>
+          <a:fillRef idx="0">
+            <a:schemeClr val="accent1"/>
+          </a:fillRef>
+          <a:effectRef idx="0">
+            <a:schemeClr val="accent1"/>
+          </a:effectRef>
+          <a:fontRef idx="minor">
+            <a:schemeClr val="tx1"/>
+          </a:fontRef>
+        </p:style>
+      </p:cxnSp>
+      <p:cxnSp>
+        <p:nvCxnSpPr>
+          <p:cNvPr id="11" name="직선 연결선 10"/>
+          <p:cNvCxnSpPr/>
+          <p:nvPr/>
+        </p:nvCxnSpPr>
+        <p:spPr>
+          <a:xfrm>
+            <a:off x="8947265" y="0"/>
+            <a:ext cx="0" cy="6858000"/>
+          </a:xfrm>
+          <a:prstGeom prst="line">
+            <a:avLst/>
+          </a:prstGeom>
+          <a:ln w="28575">
+            <a:solidFill>
+              <a:schemeClr val="tx1"/>
+            </a:solidFill>
+          </a:ln>
+        </p:spPr>
+        <p:style>
+          <a:lnRef idx="1">
+            <a:schemeClr val="accent1"/>
+          </a:lnRef>
+          <a:fillRef idx="0">
+            <a:schemeClr val="accent1"/>
+          </a:fillRef>
+          <a:effectRef idx="0">
+            <a:schemeClr val="accent1"/>
+          </a:effectRef>
+          <a:fontRef idx="minor">
+            <a:schemeClr val="tx1"/>
+          </a:fontRef>
+        </p:style>
+      </p:cxnSp>
+    </p:spTree>
+    <p:extLst>
+      <p:ext uri="{BB962C8B-B14F-4D97-AF65-F5344CB8AC3E}">
+        <p14:creationId xmlns:p14="http://schemas.microsoft.com/office/powerpoint/2010/main" val="2913168480"/>
+      </p:ext>
+    </p:extLst>
+  </p:cSld>
+  <p:clrMapOvr>
+    <a:masterClrMapping/>
+  </p:clrMapOvr>
+</p:sld>
+</file>
+
 <file path=ppt/slides/slide2.xml><?xml version="1.0" encoding="utf-8"?>
 <p:sld xmlns:a="http://schemas.openxmlformats.org/drawingml/2006/main" xmlns:r="http://schemas.openxmlformats.org/officeDocument/2006/relationships" xmlns:p="http://schemas.openxmlformats.org/presentationml/2006/main">
   <p:cSld>
@@ -5634,7 +7995,7 @@
         <p:spPr>
           <a:xfrm>
             <a:off x="3130624" y="3818498"/>
-            <a:ext cx="1101264" cy="369332"/>
+            <a:ext cx="1107996" cy="369332"/>
           </a:xfrm>
           <a:prstGeom prst="rect">
             <a:avLst/>
@@ -5648,10 +8009,9 @@
           <a:lstStyle/>
           <a:p>
             <a:r>
-              <a:rPr lang="en-US" altLang="ko-KR" dirty="0"/>
-              <a:t>Chapter 3</a:t>
-            </a:r>
-            <a:endParaRPr lang="ko-KR" altLang="en-US" dirty="0"/>
+              <a:rPr lang="ko-KR" altLang="en-US" dirty="0"/>
+              <a:t>수정사항</a:t>
+            </a:r>
           </a:p>
         </p:txBody>
       </p:sp>
@@ -5664,7 +8024,7 @@
         <p:spPr>
           <a:xfrm>
             <a:off x="3130624" y="4567445"/>
-            <a:ext cx="1101264" cy="369332"/>
+            <a:ext cx="1622560" cy="369332"/>
           </a:xfrm>
           <a:prstGeom prst="rect">
             <a:avLst/>
@@ -5678,10 +8038,9 @@
           <a:lstStyle/>
           <a:p>
             <a:r>
-              <a:rPr lang="en-US" altLang="ko-KR" dirty="0"/>
-              <a:t>Chapter 4</a:t>
-            </a:r>
-            <a:endParaRPr lang="ko-KR" altLang="en-US" dirty="0"/>
+              <a:rPr lang="ko-KR" altLang="en-US" dirty="0"/>
+              <a:t>프로젝트 후기</a:t>
+            </a:r>
           </a:p>
         </p:txBody>
       </p:sp>
@@ -6063,7 +8422,7 @@
         <p:spPr>
           <a:xfrm>
             <a:off x="1382406" y="843957"/>
-            <a:ext cx="1707262" cy="307777"/>
+            <a:ext cx="902811" cy="307777"/>
           </a:xfrm>
           <a:prstGeom prst="rect">
             <a:avLst/>
@@ -6077,7 +8436,7 @@
           <a:lstStyle/>
           <a:p>
             <a:r>
-              <a:rPr lang="en-US" altLang="ko-KR" sz="1400" b="1" dirty="0">
+              <a:rPr lang="ko-KR" altLang="en-US" sz="1400" b="1" dirty="0">
                 <a:solidFill>
                   <a:schemeClr val="bg1">
                     <a:lumMod val="50000"/>
@@ -6086,8 +8445,17 @@
                 <a:latin typeface="+mj-ea"/>
                 <a:ea typeface="+mj-ea"/>
               </a:rPr>
-              <a:t>SUBTITLE IS HERE</a:t>
-            </a:r>
+              <a:t>대표기능</a:t>
+            </a:r>
+            <a:endParaRPr lang="en-US" altLang="ko-KR" sz="1400" b="1" dirty="0">
+              <a:solidFill>
+                <a:schemeClr val="bg1">
+                  <a:lumMod val="50000"/>
+                </a:schemeClr>
+              </a:solidFill>
+              <a:latin typeface="+mj-ea"/>
+              <a:ea typeface="+mj-ea"/>
+            </a:endParaRPr>
           </a:p>
         </p:txBody>
       </p:sp>
@@ -6339,8 +8707,8 @@
         </p:nvSpPr>
         <p:spPr>
           <a:xfrm>
-            <a:off x="997984" y="3892601"/>
-            <a:ext cx="1556836" cy="246221"/>
+            <a:off x="1554705" y="3892600"/>
+            <a:ext cx="441146" cy="246221"/>
           </a:xfrm>
           <a:prstGeom prst="rect">
             <a:avLst/>
@@ -6355,13 +8723,8 @@
           <a:p>
             <a:r>
               <a:rPr lang="ko-KR" altLang="en-US" sz="1000" b="1" dirty="0"/>
-              <a:t>이곳에 제목을 넣으세요</a:t>
-            </a:r>
-            <a:r>
-              <a:rPr lang="en-US" altLang="ko-KR" sz="1000" b="1" dirty="0"/>
-              <a:t>.</a:t>
-            </a:r>
-            <a:endParaRPr lang="ko-KR" altLang="en-US" sz="1000" b="1" dirty="0"/>
+              <a:t>카트</a:t>
+            </a:r>
           </a:p>
         </p:txBody>
       </p:sp>
@@ -6373,8 +8736,8 @@
         </p:nvSpPr>
         <p:spPr>
           <a:xfrm>
-            <a:off x="3619773" y="3892601"/>
-            <a:ext cx="1556836" cy="246221"/>
+            <a:off x="4176494" y="3892600"/>
+            <a:ext cx="441146" cy="246221"/>
           </a:xfrm>
           <a:prstGeom prst="rect">
             <a:avLst/>
@@ -6389,13 +8752,8 @@
           <a:p>
             <a:r>
               <a:rPr lang="ko-KR" altLang="en-US" sz="1000" b="1" dirty="0"/>
-              <a:t>이곳에 제목을 넣으세요</a:t>
-            </a:r>
-            <a:r>
-              <a:rPr lang="en-US" altLang="ko-KR" sz="1000" b="1" dirty="0"/>
-              <a:t>.</a:t>
-            </a:r>
-            <a:endParaRPr lang="ko-KR" altLang="en-US" sz="1000" b="1" dirty="0"/>
+              <a:t>검색</a:t>
+            </a:r>
           </a:p>
         </p:txBody>
       </p:sp>
@@ -6407,8 +8765,8 @@
         </p:nvSpPr>
         <p:spPr>
           <a:xfrm>
-            <a:off x="6241562" y="3893265"/>
-            <a:ext cx="1556836" cy="246221"/>
+            <a:off x="6803051" y="3881700"/>
+            <a:ext cx="441146" cy="246221"/>
           </a:xfrm>
           <a:prstGeom prst="rect">
             <a:avLst/>
@@ -6423,13 +8781,8 @@
           <a:p>
             <a:r>
               <a:rPr lang="ko-KR" altLang="en-US" sz="1000" b="1" dirty="0"/>
-              <a:t>이곳에 제목을 넣으세요</a:t>
-            </a:r>
-            <a:r>
-              <a:rPr lang="en-US" altLang="ko-KR" sz="1000" b="1" dirty="0"/>
-              <a:t>.</a:t>
-            </a:r>
-            <a:endParaRPr lang="ko-KR" altLang="en-US" sz="1000" b="1" dirty="0"/>
+              <a:t>상품</a:t>
+            </a:r>
           </a:p>
         </p:txBody>
       </p:sp>
@@ -6442,7 +8795,7 @@
         <p:spPr>
           <a:xfrm>
             <a:off x="823257" y="4421179"/>
-            <a:ext cx="1906291" cy="507831"/>
+            <a:ext cx="2109873" cy="646331"/>
           </a:xfrm>
           <a:prstGeom prst="rect">
             <a:avLst/>
@@ -6457,29 +8810,45 @@
           <a:p>
             <a:r>
               <a:rPr lang="ko-KR" altLang="en-US" sz="900" dirty="0"/>
-              <a:t>이곳에는 내용을 넣으시면 됩니다</a:t>
+              <a:t>쇼핑몰의 대표 기능 카트</a:t>
+            </a:r>
+            <a:endParaRPr lang="en-US" altLang="ko-KR" sz="900" dirty="0"/>
+          </a:p>
+          <a:p>
+            <a:r>
+              <a:rPr lang="en-US" altLang="ko-KR" sz="900" dirty="0"/>
+              <a:t>Cookie</a:t>
+            </a:r>
+            <a:r>
+              <a:rPr lang="ko-KR" altLang="en-US" sz="900" dirty="0"/>
+              <a:t>를 이용하여 카트에 담고</a:t>
+            </a:r>
+            <a:endParaRPr lang="en-US" altLang="ko-KR" sz="900" dirty="0"/>
+          </a:p>
+          <a:p>
+            <a:r>
+              <a:rPr lang="ko-KR" altLang="en-US" sz="900" dirty="0"/>
+              <a:t>상품들을 </a:t>
+            </a:r>
+            <a:r>
+              <a:rPr lang="en-US" altLang="ko-KR" sz="900" dirty="0"/>
+              <a:t>cart </a:t>
+            </a:r>
+            <a:r>
+              <a:rPr lang="ko-KR" altLang="en-US" sz="900" dirty="0"/>
+              <a:t>페이지에서 볼 수 있도록</a:t>
+            </a:r>
+            <a:endParaRPr lang="en-US" altLang="ko-KR" sz="900" dirty="0"/>
+          </a:p>
+          <a:p>
+            <a:r>
+              <a:rPr lang="ko-KR" altLang="en-US" sz="900" dirty="0"/>
+              <a:t>설계하였습니다</a:t>
             </a:r>
             <a:r>
               <a:rPr lang="en-US" altLang="ko-KR" sz="900" dirty="0"/>
               <a:t>.</a:t>
             </a:r>
-          </a:p>
-          <a:p>
-            <a:r>
-              <a:rPr lang="ko-KR" altLang="en-US" sz="900" dirty="0"/>
-              <a:t>간단한 포인트의 내용을 설명하는</a:t>
-            </a:r>
-            <a:endParaRPr lang="en-US" altLang="ko-KR" sz="900" dirty="0"/>
-          </a:p>
-          <a:p>
-            <a:r>
-              <a:rPr lang="ko-KR" altLang="en-US" sz="900" dirty="0"/>
-              <a:t>용으로 쓰기 좋습니다</a:t>
-            </a:r>
-            <a:r>
-              <a:rPr lang="en-US" altLang="ko-KR" sz="900" dirty="0"/>
-              <a:t>.</a:t>
-            </a:r>
             <a:endParaRPr lang="ko-KR" altLang="en-US" sz="900" dirty="0"/>
           </a:p>
         </p:txBody>
@@ -6493,7 +8862,7 @@
         <p:spPr>
           <a:xfrm>
             <a:off x="3452408" y="4419987"/>
-            <a:ext cx="1906291" cy="507831"/>
+            <a:ext cx="1912703" cy="646331"/>
           </a:xfrm>
           <a:prstGeom prst="rect">
             <a:avLst/>
@@ -6507,25 +8876,106 @@
           <a:lstStyle/>
           <a:p>
             <a:r>
+              <a:rPr lang="en-US" altLang="ko-KR" sz="900" dirty="0"/>
+              <a:t>JSON</a:t>
+            </a:r>
+            <a:r>
               <a:rPr lang="ko-KR" altLang="en-US" sz="900" dirty="0"/>
-              <a:t>이곳에는 내용을 넣으시면 됩니다</a:t>
+              <a:t>을 이용하여 추천 검색을 먼저</a:t>
+            </a:r>
+            <a:endParaRPr lang="en-US" altLang="ko-KR" sz="900" dirty="0"/>
+          </a:p>
+          <a:p>
+            <a:r>
+              <a:rPr lang="ko-KR" altLang="en-US" sz="900" dirty="0"/>
+              <a:t>보여주고 상품을 검색시에 상품</a:t>
+            </a:r>
+            <a:endParaRPr lang="en-US" altLang="ko-KR" sz="900" dirty="0"/>
+          </a:p>
+          <a:p>
+            <a:r>
+              <a:rPr lang="ko-KR" altLang="en-US" sz="900" dirty="0"/>
+              <a:t>목록들을 보여주는 페이지로 </a:t>
+            </a:r>
+            <a:endParaRPr lang="en-US" altLang="ko-KR" sz="900" dirty="0"/>
+          </a:p>
+          <a:p>
+            <a:r>
+              <a:rPr lang="ko-KR" altLang="en-US" sz="900" dirty="0"/>
+              <a:t>이동합니다</a:t>
             </a:r>
             <a:r>
               <a:rPr lang="en-US" altLang="ko-KR" sz="900" dirty="0"/>
               <a:t>.</a:t>
             </a:r>
           </a:p>
-          <a:p>
+        </p:txBody>
+      </p:sp>
+      <p:sp>
+        <p:nvSpPr>
+          <p:cNvPr id="31" name="TextBox 30"/>
+          <p:cNvSpPr txBox="1"/>
+          <p:nvPr/>
+        </p:nvSpPr>
+        <p:spPr>
+          <a:xfrm>
+            <a:off x="6074197" y="4419986"/>
+            <a:ext cx="2586428" cy="646331"/>
+          </a:xfrm>
+          <a:prstGeom prst="rect">
+            <a:avLst/>
+          </a:prstGeom>
+          <a:noFill/>
+        </p:spPr>
+        <p:txBody>
+          <a:bodyPr wrap="square" rtlCol="0">
+            <a:spAutoFit/>
+          </a:bodyPr>
+          <a:lstStyle/>
+          <a:p>
+            <a:r>
+              <a:rPr lang="en-US" altLang="ko-KR" sz="900" dirty="0"/>
+              <a:t>JSON</a:t>
+            </a:r>
             <a:r>
               <a:rPr lang="ko-KR" altLang="en-US" sz="900" dirty="0"/>
-              <a:t>간단한 포인트의 내용을 설명하는</a:t>
+              <a:t>을 이용하여 상품들을 정렬하였고</a:t>
+            </a:r>
+            <a:r>
+              <a:rPr lang="en-US" altLang="ko-KR" sz="900" dirty="0"/>
+              <a:t>,</a:t>
+            </a:r>
+          </a:p>
+          <a:p>
+            <a:r>
+              <a:rPr lang="en-US" altLang="ko-KR" sz="900" dirty="0"/>
+              <a:t>MAIN</a:t>
+            </a:r>
+            <a:r>
+              <a:rPr lang="ko-KR" altLang="en-US" sz="900" dirty="0"/>
+              <a:t>페이지에서는 모든 상품들을 볼 수 있는</a:t>
             </a:r>
             <a:endParaRPr lang="en-US" altLang="ko-KR" sz="900" dirty="0"/>
           </a:p>
           <a:p>
             <a:r>
+              <a:rPr lang="en-US" altLang="ko-KR" sz="900" dirty="0"/>
+              <a:t>TAB </a:t>
+            </a:r>
+            <a:r>
               <a:rPr lang="ko-KR" altLang="en-US" sz="900" dirty="0"/>
-              <a:t>용으로 쓰기 좋습니다</a:t>
+              <a:t>메뉴와 새로 나온 카테고리들을 볼 수 있는</a:t>
+            </a:r>
+            <a:endParaRPr lang="en-US" altLang="ko-KR" sz="900" dirty="0"/>
+          </a:p>
+          <a:p>
+            <a:r>
+              <a:rPr lang="en-US" altLang="ko-KR" sz="900" dirty="0"/>
+              <a:t>NEW CONTENT</a:t>
+            </a:r>
+            <a:r>
+              <a:rPr lang="ko-KR" altLang="en-US" sz="900" dirty="0"/>
+              <a:t>가 있습니다</a:t>
             </a:r>
             <a:r>
               <a:rPr lang="en-US" altLang="ko-KR" sz="900" dirty="0"/>
@@ -6535,81 +8985,6 @@
           </a:p>
         </p:txBody>
       </p:sp>
-      <p:sp>
-        <p:nvSpPr>
-          <p:cNvPr id="31" name="TextBox 30"/>
-          <p:cNvSpPr txBox="1"/>
-          <p:nvPr/>
-        </p:nvSpPr>
-        <p:spPr>
-          <a:xfrm>
-            <a:off x="6074197" y="4419986"/>
-            <a:ext cx="1906291" cy="507831"/>
-          </a:xfrm>
-          <a:prstGeom prst="rect">
-            <a:avLst/>
-          </a:prstGeom>
-          <a:noFill/>
-        </p:spPr>
-        <p:txBody>
-          <a:bodyPr wrap="none" rtlCol="0">
-            <a:spAutoFit/>
-          </a:bodyPr>
-          <a:lstStyle/>
-          <a:p>
-            <a:r>
-              <a:rPr lang="ko-KR" altLang="en-US" sz="900" dirty="0"/>
-              <a:t>이곳에는 내용을 넣으시면 됩니다</a:t>
-            </a:r>
-            <a:r>
-              <a:rPr lang="en-US" altLang="ko-KR" sz="900" dirty="0"/>
-              <a:t>.</a:t>
-            </a:r>
-          </a:p>
-          <a:p>
-            <a:r>
-              <a:rPr lang="ko-KR" altLang="en-US" sz="900" dirty="0"/>
-              <a:t>간단한 포인트의 내용을 설명하는</a:t>
-            </a:r>
-            <a:endParaRPr lang="en-US" altLang="ko-KR" sz="900" dirty="0"/>
-          </a:p>
-          <a:p>
-            <a:r>
-              <a:rPr lang="ko-KR" altLang="en-US" sz="900" dirty="0"/>
-              <a:t>용으로 쓰기 좋습니다</a:t>
-            </a:r>
-            <a:r>
-              <a:rPr lang="en-US" altLang="ko-KR" sz="900" dirty="0"/>
-              <a:t>.</a:t>
-            </a:r>
-            <a:endParaRPr lang="ko-KR" altLang="en-US" sz="900" dirty="0"/>
-          </a:p>
-        </p:txBody>
-      </p:sp>
-      <p:pic>
-        <p:nvPicPr>
-          <p:cNvPr id="32" name="그림 31"/>
-          <p:cNvPicPr>
-            <a:picLocks noChangeAspect="1"/>
-          </p:cNvPicPr>
-          <p:nvPr/>
-        </p:nvPicPr>
-        <p:blipFill>
-          <a:blip r:embed="rId2"/>
-          <a:stretch>
-            <a:fillRect/>
-          </a:stretch>
-        </p:blipFill>
-        <p:spPr>
-          <a:xfrm>
-            <a:off x="1560637" y="2996996"/>
-            <a:ext cx="429283" cy="452698"/>
-          </a:xfrm>
-          <a:prstGeom prst="rect">
-            <a:avLst/>
-          </a:prstGeom>
-        </p:spPr>
-      </p:pic>
       <p:sp>
         <p:nvSpPr>
           <p:cNvPr id="3" name="타원 2"/>
@@ -6660,50 +9035,156 @@
       </p:sp>
       <p:pic>
         <p:nvPicPr>
-          <p:cNvPr id="33" name="그림 32"/>
+          <p:cNvPr id="1028" name="Picture 4" descr="돋보기 - 무료 개 아이콘">
+            <a:extLst>
+              <a:ext uri="{FF2B5EF4-FFF2-40B4-BE49-F238E27FC236}">
+                <a16:creationId xmlns:a16="http://schemas.microsoft.com/office/drawing/2014/main" id="{8974CA98-C159-4E5A-A070-E0522188C0C8}"/>
+              </a:ext>
+            </a:extLst>
+          </p:cNvPr>
           <p:cNvPicPr>
-            <a:picLocks noChangeAspect="1"/>
+            <a:picLocks noChangeAspect="1" noChangeArrowheads="1"/>
           </p:cNvPicPr>
           <p:nvPr/>
         </p:nvPicPr>
         <p:blipFill>
-          <a:blip r:embed="rId3"/>
+          <a:blip r:embed="rId2" cstate="print">
+            <a:extLst>
+              <a:ext uri="{BEBA8EAE-BF5A-486C-A8C5-ECC9F3942E4B}">
+                <a14:imgProps xmlns:a14="http://schemas.microsoft.com/office/drawing/2010/main">
+                  <a14:imgLayer r:embed="rId3">
+                    <a14:imgEffect>
+                      <a14:backgroundRemoval t="6825" b="93175" l="10000" r="90000">
+                        <a14:foregroundMark x1="42417" y1="6984" x2="42417" y2="6984"/>
+                        <a14:foregroundMark x1="34417" y1="26508" x2="34417" y2="26508"/>
+                        <a14:foregroundMark x1="71583" y1="93175" x2="71583" y2="93175"/>
+                      </a14:backgroundRemoval>
+                    </a14:imgEffect>
+                  </a14:imgLayer>
+                </a14:imgProps>
+              </a:ext>
+              <a:ext uri="{28A0092B-C50C-407E-A947-70E740481C1C}">
+                <a14:useLocalDpi xmlns:a14="http://schemas.microsoft.com/office/drawing/2010/main" val="0"/>
+              </a:ext>
+            </a:extLst>
+          </a:blip>
+          <a:srcRect/>
           <a:stretch>
             <a:fillRect/>
           </a:stretch>
         </p:blipFill>
-        <p:spPr>
-          <a:xfrm>
-            <a:off x="4221905" y="3054708"/>
-            <a:ext cx="367296" cy="337912"/>
+        <p:spPr bwMode="auto">
+          <a:xfrm>
+            <a:off x="4070496" y="3049721"/>
+            <a:ext cx="653141" cy="342899"/>
           </a:xfrm>
           <a:prstGeom prst="rect">
             <a:avLst/>
           </a:prstGeom>
+          <a:noFill/>
+          <a:extLst>
+            <a:ext uri="{909E8E84-426E-40DD-AFC4-6F175D3DCCD1}">
+              <a14:hiddenFill xmlns:a14="http://schemas.microsoft.com/office/drawing/2010/main">
+                <a:solidFill>
+                  <a:srgbClr val="FFFFFF"/>
+                </a:solidFill>
+              </a14:hiddenFill>
+            </a:ext>
+          </a:extLst>
         </p:spPr>
       </p:pic>
       <p:pic>
         <p:nvPicPr>
-          <p:cNvPr id="34" name="그림 33"/>
+          <p:cNvPr id="1030" name="Picture 6" descr="쇼핑 카트 무료 아이콘 의 Typicons">
+            <a:extLst>
+              <a:ext uri="{FF2B5EF4-FFF2-40B4-BE49-F238E27FC236}">
+                <a16:creationId xmlns:a16="http://schemas.microsoft.com/office/drawing/2014/main" id="{ED802B76-6A54-4276-A3D3-146A148580E9}"/>
+              </a:ext>
+            </a:extLst>
+          </p:cNvPr>
           <p:cNvPicPr>
-            <a:picLocks noChangeAspect="1"/>
+            <a:picLocks noChangeAspect="1" noChangeArrowheads="1"/>
           </p:cNvPicPr>
           <p:nvPr/>
         </p:nvPicPr>
         <p:blipFill>
-          <a:blip r:embed="rId4"/>
+          <a:blip r:embed="rId4" cstate="print">
+            <a:extLst>
+              <a:ext uri="{28A0092B-C50C-407E-A947-70E740481C1C}">
+                <a14:useLocalDpi xmlns:a14="http://schemas.microsoft.com/office/drawing/2010/main" val="0"/>
+              </a:ext>
+            </a:extLst>
+          </a:blip>
+          <a:srcRect/>
           <a:stretch>
             <a:fillRect/>
           </a:stretch>
         </p:blipFill>
-        <p:spPr>
-          <a:xfrm>
-            <a:off x="6850063" y="3058518"/>
-            <a:ext cx="354557" cy="334102"/>
+        <p:spPr bwMode="auto">
+          <a:xfrm>
+            <a:off x="1563012" y="3046940"/>
+            <a:ext cx="389947" cy="389947"/>
           </a:xfrm>
           <a:prstGeom prst="rect">
             <a:avLst/>
           </a:prstGeom>
+          <a:noFill/>
+          <a:extLst>
+            <a:ext uri="{909E8E84-426E-40DD-AFC4-6F175D3DCCD1}">
+              <a14:hiddenFill xmlns:a14="http://schemas.microsoft.com/office/drawing/2010/main">
+                <a:solidFill>
+                  <a:srgbClr val="FFFFFF"/>
+                </a:solidFill>
+              </a14:hiddenFill>
+            </a:ext>
+          </a:extLst>
+        </p:spPr>
+      </p:pic>
+      <p:pic>
+        <p:nvPicPr>
+          <p:cNvPr id="1032" name="Picture 8" descr="상품 무료 아이콘 의 VKCOM">
+            <a:extLst>
+              <a:ext uri="{FF2B5EF4-FFF2-40B4-BE49-F238E27FC236}">
+                <a16:creationId xmlns:a16="http://schemas.microsoft.com/office/drawing/2014/main" id="{0B0164B4-1B0E-4F74-8253-191B235BACE3}"/>
+              </a:ext>
+            </a:extLst>
+          </p:cNvPr>
+          <p:cNvPicPr>
+            <a:picLocks noChangeAspect="1" noChangeArrowheads="1"/>
+          </p:cNvPicPr>
+          <p:nvPr/>
+        </p:nvPicPr>
+        <p:blipFill>
+          <a:blip r:embed="rId5" cstate="print">
+            <a:extLst>
+              <a:ext uri="{28A0092B-C50C-407E-A947-70E740481C1C}">
+                <a14:useLocalDpi xmlns:a14="http://schemas.microsoft.com/office/drawing/2010/main" val="0"/>
+              </a:ext>
+            </a:extLst>
+          </a:blip>
+          <a:srcRect/>
+          <a:stretch>
+            <a:fillRect/>
+          </a:stretch>
+        </p:blipFill>
+        <p:spPr bwMode="auto">
+          <a:xfrm>
+            <a:off x="6831715" y="3023165"/>
+            <a:ext cx="381179" cy="381179"/>
+          </a:xfrm>
+          <a:prstGeom prst="rect">
+            <a:avLst/>
+          </a:prstGeom>
+          <a:noFill/>
+          <a:extLst>
+            <a:ext uri="{909E8E84-426E-40DD-AFC4-6F175D3DCCD1}">
+              <a14:hiddenFill xmlns:a14="http://schemas.microsoft.com/office/drawing/2010/main">
+                <a:solidFill>
+                  <a:srgbClr val="FFFFFF"/>
+                </a:solidFill>
+              </a14:hiddenFill>
+            </a:ext>
+          </a:extLst>
         </p:spPr>
       </p:pic>
     </p:spTree>
@@ -6900,7 +9381,7 @@
         <p:spPr>
           <a:xfrm>
             <a:off x="1382406" y="843957"/>
-            <a:ext cx="2401619" cy="307777"/>
+            <a:ext cx="1195007" cy="307777"/>
           </a:xfrm>
           <a:prstGeom prst="rect">
             <a:avLst/>
@@ -6923,7 +9404,7 @@
                 <a:latin typeface="+mj-ea"/>
                 <a:ea typeface="+mj-ea"/>
               </a:rPr>
-              <a:t>2021-07-19 ~ 2021-07-25</a:t>
+              <a:t>MAIN PAGE</a:t>
             </a:r>
           </a:p>
         </p:txBody>
@@ -7006,8 +9487,8 @@
         </p:nvSpPr>
         <p:spPr>
           <a:xfrm>
-            <a:off x="2227475" y="3528855"/>
-            <a:ext cx="1835760" cy="276999"/>
+            <a:off x="2730819" y="3528855"/>
+            <a:ext cx="1332417" cy="276999"/>
           </a:xfrm>
           <a:prstGeom prst="rect">
             <a:avLst/>
@@ -7023,13 +9504,8 @@
             <a:pPr algn="r"/>
             <a:r>
               <a:rPr lang="ko-KR" altLang="en-US" sz="1200" b="1" dirty="0"/>
-              <a:t>이곳에 제목을 넣으세요</a:t>
-            </a:r>
-            <a:r>
-              <a:rPr lang="en-US" altLang="ko-KR" sz="1200" b="1" dirty="0"/>
-              <a:t>.</a:t>
-            </a:r>
-            <a:endParaRPr lang="ko-KR" altLang="en-US" sz="1200" b="1" dirty="0"/>
+              <a:t>상품 및 상품정보</a:t>
+            </a:r>
           </a:p>
         </p:txBody>
       </p:sp>
@@ -7041,8 +9517,8 @@
         </p:nvSpPr>
         <p:spPr>
           <a:xfrm>
-            <a:off x="1382406" y="4127551"/>
-            <a:ext cx="2660631" cy="600164"/>
+            <a:off x="676306" y="4127551"/>
+            <a:ext cx="3366732" cy="1446550"/>
           </a:xfrm>
           <a:prstGeom prst="rect">
             <a:avLst/>
@@ -7057,8 +9533,70 @@
           <a:p>
             <a:pPr algn="r"/>
             <a:r>
+              <a:rPr lang="en-US" altLang="ko-KR" sz="1100" dirty="0"/>
+              <a:t>MAIN</a:t>
+            </a:r>
+            <a:r>
               <a:rPr lang="ko-KR" altLang="en-US" sz="1100" dirty="0"/>
-              <a:t>이곳에는 내용을 넣으시면 됩니다</a:t>
+              <a:t>페이지에서는 상품과 상품들의 </a:t>
+            </a:r>
+            <a:endParaRPr lang="en-US" altLang="ko-KR" sz="1100" dirty="0"/>
+          </a:p>
+          <a:p>
+            <a:pPr algn="r"/>
+            <a:r>
+              <a:rPr lang="ko-KR" altLang="en-US" sz="1100" dirty="0"/>
+              <a:t>정보를 볼 수 있는 페이지 입니다</a:t>
+            </a:r>
+            <a:r>
+              <a:rPr lang="en-US" altLang="ko-KR" sz="1100" dirty="0"/>
+              <a:t>. </a:t>
+            </a:r>
+          </a:p>
+          <a:p>
+            <a:pPr algn="r"/>
+            <a:r>
+              <a:rPr lang="ko-KR" altLang="en-US" sz="1100" dirty="0"/>
+              <a:t>위에 </a:t>
+            </a:r>
+            <a:r>
+              <a:rPr lang="en-US" altLang="ko-KR" sz="1100" dirty="0"/>
+              <a:t>tab</a:t>
+            </a:r>
+            <a:r>
+              <a:rPr lang="ko-KR" altLang="en-US" sz="1100" dirty="0"/>
+              <a:t>메뉴를 통해 </a:t>
+            </a:r>
+            <a:endParaRPr lang="en-US" altLang="ko-KR" sz="1100" dirty="0"/>
+          </a:p>
+          <a:p>
+            <a:pPr algn="r"/>
+            <a:r>
+              <a:rPr lang="ko-KR" altLang="en-US" sz="1100" dirty="0"/>
+              <a:t>다른 상품들을 볼 수 있으며</a:t>
+            </a:r>
+            <a:r>
+              <a:rPr lang="en-US" altLang="ko-KR" sz="1100" dirty="0"/>
+              <a:t>, </a:t>
+            </a:r>
+          </a:p>
+          <a:p>
+            <a:pPr algn="r"/>
+            <a:r>
+              <a:rPr lang="en-US" altLang="ko-KR" sz="1100" dirty="0"/>
+              <a:t>new</a:t>
+            </a:r>
+            <a:r>
+              <a:rPr lang="ko-KR" altLang="en-US" sz="1100" dirty="0"/>
+              <a:t>메뉴 같은 경우 상품들의 </a:t>
+            </a:r>
+            <a:endParaRPr lang="en-US" altLang="ko-KR" sz="1100" dirty="0"/>
+          </a:p>
+          <a:p>
+            <a:pPr algn="r"/>
+            <a:r>
+              <a:rPr lang="ko-KR" altLang="en-US" sz="1100" dirty="0"/>
+              <a:t>새 아이템들을 정리해 놓은 칸입니다</a:t>
             </a:r>
             <a:r>
               <a:rPr lang="en-US" altLang="ko-KR" sz="1100" dirty="0"/>
@@ -7067,15 +9605,31 @@
           </a:p>
           <a:p>
             <a:pPr algn="r"/>
-            <a:r>
-              <a:rPr lang="ko-KR" altLang="en-US" sz="1100" dirty="0"/>
-              <a:t>사진이나 이미지를 첨부하여 설명하는 내용을 넣으시면 됩니다</a:t>
-            </a:r>
-            <a:r>
-              <a:rPr lang="en-US" altLang="ko-KR" sz="1100" dirty="0"/>
+            <a:endParaRPr lang="en-US" altLang="ko-KR" sz="1100" dirty="0"/>
+          </a:p>
+          <a:p>
+            <a:pPr algn="r"/>
+            <a:r>
+              <a:rPr lang="ko-KR" altLang="en-US" sz="1100" dirty="0">
+                <a:solidFill>
+                  <a:srgbClr val="FF0000"/>
+                </a:solidFill>
+              </a:rPr>
+              <a:t>클릭을 하면 상품의 상세정보를 확인 할 수 있습니다</a:t>
+            </a:r>
+            <a:r>
+              <a:rPr lang="en-US" altLang="ko-KR" sz="1100" dirty="0">
+                <a:solidFill>
+                  <a:srgbClr val="FF0000"/>
+                </a:solidFill>
+              </a:rPr>
               <a:t>.</a:t>
             </a:r>
-            <a:endParaRPr lang="ko-KR" altLang="en-US" sz="1100" dirty="0"/>
+            <a:endParaRPr lang="ko-KR" altLang="en-US" sz="1100" dirty="0">
+              <a:solidFill>
+                <a:srgbClr val="FF0000"/>
+              </a:solidFill>
+            </a:endParaRPr>
           </a:p>
         </p:txBody>
       </p:sp>
@@ -7129,10 +9683,10 @@
       </p:sp>
       <p:pic>
         <p:nvPicPr>
-          <p:cNvPr id="3" name="그림 2">
+          <p:cNvPr id="10" name="그림 9">
             <a:extLst>
               <a:ext uri="{FF2B5EF4-FFF2-40B4-BE49-F238E27FC236}">
-                <a16:creationId xmlns:a16="http://schemas.microsoft.com/office/drawing/2014/main" id="{E2CF3085-2715-4991-ABF7-3514925D3209}"/>
+                <a16:creationId xmlns:a16="http://schemas.microsoft.com/office/drawing/2014/main" id="{449818F4-5D7E-47C9-8E2F-B37EC6F60259}"/>
               </a:ext>
             </a:extLst>
           </p:cNvPr>
@@ -7141,33 +9695,27 @@
           </p:cNvPicPr>
           <p:nvPr/>
         </p:nvPicPr>
-        <p:blipFill>
+        <p:blipFill rotWithShape="1">
           <a:blip r:embed="rId2"/>
-          <a:stretch>
-            <a:fillRect/>
-          </a:stretch>
+          <a:srcRect b="29139"/>
+          <a:stretch/>
         </p:blipFill>
         <p:spPr>
           <a:xfrm>
-            <a:off x="4376101" y="1991244"/>
-            <a:ext cx="1079647" cy="1408235"/>
+            <a:off x="4322416" y="1931762"/>
+            <a:ext cx="4106486" cy="2909869"/>
           </a:xfrm>
           <a:prstGeom prst="rect">
             <a:avLst/>
           </a:prstGeom>
-          <a:ln>
-            <a:solidFill>
-              <a:schemeClr val="tx1"/>
-            </a:solidFill>
-          </a:ln>
         </p:spPr>
       </p:pic>
       <p:pic>
         <p:nvPicPr>
-          <p:cNvPr id="14" name="그림 13">
+          <p:cNvPr id="19" name="그림 18">
             <a:extLst>
               <a:ext uri="{FF2B5EF4-FFF2-40B4-BE49-F238E27FC236}">
-                <a16:creationId xmlns:a16="http://schemas.microsoft.com/office/drawing/2014/main" id="{B9545FA3-10FE-4C1F-9E7B-C1BE594095E1}"/>
+                <a16:creationId xmlns:a16="http://schemas.microsoft.com/office/drawing/2014/main" id="{D7B30E8D-32B9-4564-A02B-5EA630A49B8D}"/>
               </a:ext>
             </a:extLst>
           </p:cNvPr>
@@ -7184,43 +9732,8 @@
         </p:blipFill>
         <p:spPr>
           <a:xfrm>
-            <a:off x="5974110" y="1991243"/>
-            <a:ext cx="1079647" cy="1408235"/>
-          </a:xfrm>
-          <a:prstGeom prst="rect">
-            <a:avLst/>
-          </a:prstGeom>
-          <a:ln>
-            <a:solidFill>
-              <a:schemeClr val="tx1"/>
-            </a:solidFill>
-          </a:ln>
-        </p:spPr>
-      </p:pic>
-      <p:pic>
-        <p:nvPicPr>
-          <p:cNvPr id="16" name="그림 15">
-            <a:extLst>
-              <a:ext uri="{FF2B5EF4-FFF2-40B4-BE49-F238E27FC236}">
-                <a16:creationId xmlns:a16="http://schemas.microsoft.com/office/drawing/2014/main" id="{63005D56-D1C0-48EA-90E8-38A69406CFC1}"/>
-              </a:ext>
-            </a:extLst>
-          </p:cNvPr>
-          <p:cNvPicPr>
-            <a:picLocks noChangeAspect="1"/>
-          </p:cNvPicPr>
-          <p:nvPr/>
-        </p:nvPicPr>
-        <p:blipFill>
-          <a:blip r:embed="rId4"/>
-          <a:stretch>
-            <a:fillRect/>
-          </a:stretch>
-        </p:blipFill>
-        <p:spPr>
-          <a:xfrm>
-            <a:off x="4342614" y="3543916"/>
-            <a:ext cx="3959007" cy="523875"/>
+            <a:off x="4322417" y="4841631"/>
+            <a:ext cx="4106486" cy="1196618"/>
           </a:xfrm>
           <a:prstGeom prst="rect">
             <a:avLst/>
@@ -7391,7 +9904,7 @@
         <p:spPr>
           <a:xfrm>
             <a:off x="1313413" y="374073"/>
-            <a:ext cx="2170787" cy="523220"/>
+            <a:ext cx="2779928" cy="523220"/>
           </a:xfrm>
           <a:prstGeom prst="rect">
             <a:avLst/>
@@ -7405,9 +9918,10 @@
           <a:lstStyle/>
           <a:p>
             <a:r>
-              <a:rPr lang="en-US" altLang="ko-KR" sz="2800" b="1" dirty="0"/>
-              <a:t>TITLE IS HERE</a:t>
-            </a:r>
+              <a:rPr lang="ko-KR" altLang="en-US" sz="2800" b="1" dirty="0"/>
+              <a:t>쇼핑몰 프로젝트</a:t>
+            </a:r>
+            <a:endParaRPr lang="en-US" altLang="ko-KR" sz="2800" b="1" dirty="0"/>
           </a:p>
         </p:txBody>
       </p:sp>
@@ -7420,7 +9934,7 @@
         <p:spPr>
           <a:xfrm>
             <a:off x="1382406" y="843957"/>
-            <a:ext cx="1707262" cy="307777"/>
+            <a:ext cx="1547283" cy="307777"/>
           </a:xfrm>
           <a:prstGeom prst="rect">
             <a:avLst/>
@@ -7443,7 +9957,7 @@
                 <a:latin typeface="+mj-ea"/>
                 <a:ea typeface="+mj-ea"/>
               </a:rPr>
-              <a:t>SUBTITLE IS HERE</a:t>
+              <a:t>PRODUCT PAGE</a:t>
             </a:r>
           </a:p>
         </p:txBody>
@@ -7526,8 +10040,8 @@
         </p:nvSpPr>
         <p:spPr>
           <a:xfrm>
-            <a:off x="3880944" y="3856151"/>
-            <a:ext cx="1382110" cy="323165"/>
+            <a:off x="1666426" y="3528855"/>
+            <a:ext cx="2396810" cy="276999"/>
           </a:xfrm>
           <a:prstGeom prst="rect">
             <a:avLst/>
@@ -7542,125 +10056,181 @@
           <a:p>
             <a:pPr algn="r"/>
             <a:r>
-              <a:rPr lang="ko-KR" altLang="en-US" sz="1500" b="1"/>
-              <a:t>다양한 컨텐츠</a:t>
-            </a:r>
-            <a:endParaRPr lang="en-US" altLang="ko-KR" sz="1500" b="1" dirty="0"/>
-          </a:p>
-        </p:txBody>
-      </p:sp>
-      <p:graphicFrame>
-        <p:nvGraphicFramePr>
-          <p:cNvPr id="13" name="차트 12"/>
-          <p:cNvGraphicFramePr/>
-          <p:nvPr>
-            <p:extLst>
-              <p:ext uri="{D42A27DB-BD31-4B8C-83A1-F6EECF244321}">
-                <p14:modId xmlns:p14="http://schemas.microsoft.com/office/powerpoint/2010/main" val="2305342709"/>
-              </p:ext>
-            </p:extLst>
-          </p:nvPr>
-        </p:nvGraphicFramePr>
-        <p:xfrm>
-          <a:off x="2517422" y="2774018"/>
-          <a:ext cx="4109155" cy="2487432"/>
-        </p:xfrm>
-        <a:graphic>
-          <a:graphicData uri="http://schemas.openxmlformats.org/drawingml/2006/chart">
-            <c:chart xmlns:c="http://schemas.openxmlformats.org/drawingml/2006/chart" xmlns:r="http://schemas.openxmlformats.org/officeDocument/2006/relationships" r:id="rId2"/>
-          </a:graphicData>
-        </a:graphic>
-      </p:graphicFrame>
-      <p:cxnSp>
-        <p:nvCxnSpPr>
-          <p:cNvPr id="16" name="직선 연결선 15"/>
-          <p:cNvCxnSpPr/>
-          <p:nvPr/>
-        </p:nvCxnSpPr>
-        <p:spPr>
-          <a:xfrm flipV="1">
-            <a:off x="5263054" y="2774018"/>
-            <a:ext cx="223346" cy="235189"/>
-          </a:xfrm>
-          <a:prstGeom prst="line">
-            <a:avLst/>
-          </a:prstGeom>
-          <a:ln w="9525">
-            <a:solidFill>
-              <a:srgbClr val="9A99FF"/>
-            </a:solidFill>
-          </a:ln>
-        </p:spPr>
-        <p:style>
-          <a:lnRef idx="1">
-            <a:schemeClr val="accent1"/>
-          </a:lnRef>
-          <a:fillRef idx="0">
-            <a:schemeClr val="accent1"/>
-          </a:fillRef>
-          <a:effectRef idx="0">
-            <a:schemeClr val="accent1"/>
-          </a:effectRef>
-          <a:fontRef idx="minor">
-            <a:schemeClr val="tx1"/>
-          </a:fontRef>
-        </p:style>
-      </p:cxnSp>
-      <p:cxnSp>
-        <p:nvCxnSpPr>
-          <p:cNvPr id="18" name="직선 연결선 17"/>
-          <p:cNvCxnSpPr/>
-          <p:nvPr/>
-        </p:nvCxnSpPr>
-        <p:spPr>
-          <a:xfrm>
-            <a:off x="5481262" y="2777193"/>
-            <a:ext cx="540328" cy="0"/>
-          </a:xfrm>
-          <a:prstGeom prst="line">
-            <a:avLst/>
-          </a:prstGeom>
-          <a:ln w="9525">
-            <a:solidFill>
-              <a:srgbClr val="9A99FF"/>
-            </a:solidFill>
-          </a:ln>
-        </p:spPr>
-        <p:style>
-          <a:lnRef idx="1">
-            <a:schemeClr val="accent1"/>
-          </a:lnRef>
-          <a:fillRef idx="0">
-            <a:schemeClr val="accent1"/>
-          </a:fillRef>
-          <a:effectRef idx="0">
-            <a:schemeClr val="accent1"/>
-          </a:effectRef>
-          <a:fontRef idx="minor">
-            <a:schemeClr val="tx1"/>
-          </a:fontRef>
-        </p:style>
-      </p:cxnSp>
-      <p:sp>
-        <p:nvSpPr>
-          <p:cNvPr id="19" name="직사각형 18"/>
+              <a:rPr lang="ko-KR" altLang="en-US" sz="1200" b="1" dirty="0"/>
+              <a:t>상품 상세 정보 및 상품 옵션 선택</a:t>
+            </a:r>
+          </a:p>
+        </p:txBody>
+      </p:sp>
+      <p:sp>
+        <p:nvSpPr>
+          <p:cNvPr id="29" name="TextBox 28"/>
+          <p:cNvSpPr txBox="1"/>
+          <p:nvPr/>
+        </p:nvSpPr>
+        <p:spPr>
+          <a:xfrm>
+            <a:off x="527539" y="4127551"/>
+            <a:ext cx="3515499" cy="1954381"/>
+          </a:xfrm>
+          <a:prstGeom prst="rect">
+            <a:avLst/>
+          </a:prstGeom>
+          <a:noFill/>
+        </p:spPr>
+        <p:txBody>
+          <a:bodyPr wrap="square" rtlCol="0">
+            <a:spAutoFit/>
+          </a:bodyPr>
+          <a:lstStyle/>
+          <a:p>
+            <a:pPr algn="r"/>
+            <a:r>
+              <a:rPr lang="en-US" altLang="ko-KR" sz="1100" dirty="0"/>
+              <a:t>PRODUCT </a:t>
+            </a:r>
+            <a:r>
+              <a:rPr lang="ko-KR" altLang="en-US" sz="1100" dirty="0"/>
+              <a:t>페이지는 상품의 상세정보와 옵션을 선택하여 카트에 담을 수 있도록 만든 페이지입니다</a:t>
+            </a:r>
+            <a:r>
+              <a:rPr lang="en-US" altLang="ko-KR" sz="1100" dirty="0"/>
+              <a:t>.</a:t>
+            </a:r>
+          </a:p>
+          <a:p>
+            <a:pPr algn="r"/>
+            <a:r>
+              <a:rPr lang="ko-KR" altLang="en-US" sz="1100" dirty="0"/>
+              <a:t>사이즈를 선택해야 색상이 선택을 할 수 있으며</a:t>
+            </a:r>
+            <a:r>
+              <a:rPr lang="en-US" altLang="ko-KR" sz="1100" dirty="0"/>
+              <a:t>, </a:t>
+            </a:r>
+          </a:p>
+          <a:p>
+            <a:pPr algn="r"/>
+            <a:r>
+              <a:rPr lang="ko-KR" altLang="en-US" sz="1100" dirty="0"/>
+              <a:t>색상을 선택하게 되면 아래 </a:t>
+            </a:r>
+            <a:r>
+              <a:rPr lang="en-US" altLang="ko-KR" sz="1100" dirty="0"/>
+              <a:t>LIST</a:t>
+            </a:r>
+            <a:r>
+              <a:rPr lang="ko-KR" altLang="en-US" sz="1100" dirty="0"/>
+              <a:t>형태로 선택한 옵션의 상품이 생성되며</a:t>
+            </a:r>
+            <a:r>
+              <a:rPr lang="en-US" altLang="ko-KR" sz="1100" dirty="0"/>
+              <a:t>, </a:t>
+            </a:r>
+          </a:p>
+          <a:p>
+            <a:pPr algn="r"/>
+            <a:r>
+              <a:rPr lang="ko-KR" altLang="en-US" sz="1100" dirty="0"/>
+              <a:t>수량과 가격을 확인 할 수 있습니다</a:t>
+            </a:r>
+            <a:r>
+              <a:rPr lang="en-US" altLang="ko-KR" sz="1100" dirty="0"/>
+              <a:t>.</a:t>
+            </a:r>
+          </a:p>
+          <a:p>
+            <a:pPr algn="r"/>
+            <a:r>
+              <a:rPr lang="en-US" altLang="ko-KR" sz="1100" dirty="0"/>
+              <a:t>TOTAL</a:t>
+            </a:r>
+            <a:r>
+              <a:rPr lang="ko-KR" altLang="en-US" sz="1100" dirty="0"/>
+              <a:t>을 통해 전체적인 </a:t>
+            </a:r>
+            <a:endParaRPr lang="en-US" altLang="ko-KR" sz="1100" dirty="0"/>
+          </a:p>
+          <a:p>
+            <a:pPr algn="r"/>
+            <a:r>
+              <a:rPr lang="ko-KR" altLang="en-US" sz="1100" dirty="0"/>
+              <a:t>가격과 개수를 확인할 수 있습니다</a:t>
+            </a:r>
+            <a:r>
+              <a:rPr lang="en-US" altLang="ko-KR" sz="1100" dirty="0"/>
+              <a:t>. </a:t>
+            </a:r>
+          </a:p>
+          <a:p>
+            <a:pPr algn="r"/>
+            <a:endParaRPr lang="en-US" altLang="ko-KR" sz="1100" dirty="0"/>
+          </a:p>
+          <a:p>
+            <a:pPr algn="r"/>
+            <a:r>
+              <a:rPr lang="ko-KR" altLang="en-US" sz="1100" dirty="0">
+                <a:solidFill>
+                  <a:srgbClr val="FF0000"/>
+                </a:solidFill>
+              </a:rPr>
+              <a:t>카트 담기를 통해 상품을 카트에 담을 수 있으며</a:t>
+            </a:r>
+            <a:r>
+              <a:rPr lang="en-US" altLang="ko-KR" sz="1100" dirty="0">
+                <a:solidFill>
+                  <a:srgbClr val="FF0000"/>
+                </a:solidFill>
+              </a:rPr>
+              <a:t>, </a:t>
+            </a:r>
+          </a:p>
+          <a:p>
+            <a:pPr algn="r"/>
+            <a:r>
+              <a:rPr lang="ko-KR" altLang="en-US" sz="1100" dirty="0">
+                <a:solidFill>
+                  <a:srgbClr val="FF0000"/>
+                </a:solidFill>
+              </a:rPr>
+              <a:t>바로 구매와 관심 상품은 미 구현 버튼입니다</a:t>
+            </a:r>
+            <a:r>
+              <a:rPr lang="en-US" altLang="ko-KR" sz="1100" dirty="0">
+                <a:solidFill>
+                  <a:srgbClr val="FF0000"/>
+                </a:solidFill>
+              </a:rPr>
+              <a:t>.</a:t>
+            </a:r>
+            <a:endParaRPr lang="ko-KR" altLang="en-US" sz="1100" dirty="0">
+              <a:solidFill>
+                <a:srgbClr val="FF0000"/>
+              </a:solidFill>
+            </a:endParaRPr>
+          </a:p>
+        </p:txBody>
+      </p:sp>
+      <p:sp>
+        <p:nvSpPr>
+          <p:cNvPr id="4" name="직사각형 3"/>
           <p:cNvSpPr/>
           <p:nvPr/>
         </p:nvSpPr>
         <p:spPr>
           <a:xfrm>
-            <a:off x="5982202" y="2743854"/>
-            <a:ext cx="66675" cy="66675"/>
+            <a:off x="4322416" y="1931762"/>
+            <a:ext cx="4106487" cy="4106487"/>
           </a:xfrm>
           <a:prstGeom prst="rect">
             <a:avLst/>
           </a:prstGeom>
-          <a:solidFill>
-            <a:srgbClr val="9A99FF"/>
-          </a:solidFill>
+          <a:noFill/>
           <a:ln>
             <a:solidFill>
-              <a:srgbClr val="9A99FF"/>
+              <a:schemeClr val="bg1">
+                <a:lumMod val="50000"/>
+              </a:schemeClr>
             </a:solidFill>
           </a:ln>
         </p:spPr>
@@ -7689,1130 +10259,70 @@
           </a:p>
         </p:txBody>
       </p:sp>
-      <p:cxnSp>
-        <p:nvCxnSpPr>
-          <p:cNvPr id="24" name="직선 연결선 23"/>
-          <p:cNvCxnSpPr/>
-          <p:nvPr/>
-        </p:nvCxnSpPr>
-        <p:spPr>
-          <a:xfrm flipH="1" flipV="1">
-            <a:off x="3622723" y="2774018"/>
-            <a:ext cx="248492" cy="235189"/>
-          </a:xfrm>
-          <a:prstGeom prst="line">
-            <a:avLst/>
-          </a:prstGeom>
-          <a:ln w="9525">
-            <a:solidFill>
-              <a:srgbClr val="FF99CB"/>
-            </a:solidFill>
-          </a:ln>
-        </p:spPr>
-        <p:style>
-          <a:lnRef idx="1">
-            <a:schemeClr val="accent1"/>
-          </a:lnRef>
-          <a:fillRef idx="0">
-            <a:schemeClr val="accent1"/>
-          </a:fillRef>
-          <a:effectRef idx="0">
-            <a:schemeClr val="accent1"/>
-          </a:effectRef>
-          <a:fontRef idx="minor">
-            <a:schemeClr val="tx1"/>
-          </a:fontRef>
-        </p:style>
-      </p:cxnSp>
-      <p:cxnSp>
-        <p:nvCxnSpPr>
-          <p:cNvPr id="27" name="직선 연결선 26"/>
-          <p:cNvCxnSpPr/>
-          <p:nvPr/>
-        </p:nvCxnSpPr>
-        <p:spPr>
-          <a:xfrm>
-            <a:off x="3082395" y="2774018"/>
-            <a:ext cx="540328" cy="0"/>
-          </a:xfrm>
-          <a:prstGeom prst="line">
-            <a:avLst/>
-          </a:prstGeom>
-          <a:ln w="9525">
-            <a:solidFill>
-              <a:srgbClr val="FF99CB"/>
-            </a:solidFill>
-          </a:ln>
-        </p:spPr>
-        <p:style>
-          <a:lnRef idx="1">
-            <a:schemeClr val="accent1"/>
-          </a:lnRef>
-          <a:fillRef idx="0">
-            <a:schemeClr val="accent1"/>
-          </a:fillRef>
-          <a:effectRef idx="0">
-            <a:schemeClr val="accent1"/>
-          </a:effectRef>
-          <a:fontRef idx="minor">
-            <a:schemeClr val="tx1"/>
-          </a:fontRef>
-        </p:style>
-      </p:cxnSp>
-      <p:sp>
-        <p:nvSpPr>
-          <p:cNvPr id="28" name="직사각형 27"/>
-          <p:cNvSpPr/>
-          <p:nvPr/>
-        </p:nvSpPr>
-        <p:spPr>
-          <a:xfrm>
-            <a:off x="3045023" y="2740679"/>
-            <a:ext cx="66675" cy="66675"/>
+      <p:pic>
+        <p:nvPicPr>
+          <p:cNvPr id="3" name="그림 2">
+            <a:extLst>
+              <a:ext uri="{FF2B5EF4-FFF2-40B4-BE49-F238E27FC236}">
+                <a16:creationId xmlns:a16="http://schemas.microsoft.com/office/drawing/2014/main" id="{E819176B-99DD-4581-B49E-474758637398}"/>
+              </a:ext>
+            </a:extLst>
+          </p:cNvPr>
+          <p:cNvPicPr>
+            <a:picLocks noChangeAspect="1"/>
+          </p:cNvPicPr>
+          <p:nvPr/>
+        </p:nvPicPr>
+        <p:blipFill>
+          <a:blip r:embed="rId2"/>
+          <a:stretch>
+            <a:fillRect/>
+          </a:stretch>
+        </p:blipFill>
+        <p:spPr>
+          <a:xfrm>
+            <a:off x="4322413" y="1934790"/>
+            <a:ext cx="4106487" cy="3188130"/>
           </a:xfrm>
           <a:prstGeom prst="rect">
             <a:avLst/>
           </a:prstGeom>
-          <a:solidFill>
-            <a:srgbClr val="FF99CB"/>
-          </a:solidFill>
-          <a:ln>
-            <a:solidFill>
-              <a:srgbClr val="FF99CB"/>
-            </a:solidFill>
-          </a:ln>
-        </p:spPr>
-        <p:style>
-          <a:lnRef idx="2">
-            <a:schemeClr val="accent1">
-              <a:shade val="50000"/>
-            </a:schemeClr>
-          </a:lnRef>
-          <a:fillRef idx="1">
-            <a:schemeClr val="accent1"/>
-          </a:fillRef>
-          <a:effectRef idx="0">
-            <a:schemeClr val="accent1"/>
-          </a:effectRef>
-          <a:fontRef idx="minor">
-            <a:schemeClr val="lt1"/>
-          </a:fontRef>
-        </p:style>
-        <p:txBody>
-          <a:bodyPr rtlCol="0" anchor="ctr"/>
-          <a:lstStyle/>
-          <a:p>
-            <a:pPr algn="ctr"/>
-            <a:endParaRPr lang="ko-KR" altLang="en-US"/>
-          </a:p>
-        </p:txBody>
-      </p:sp>
-      <p:cxnSp>
-        <p:nvCxnSpPr>
-          <p:cNvPr id="33" name="직선 연결선 32"/>
-          <p:cNvCxnSpPr/>
-          <p:nvPr/>
-        </p:nvCxnSpPr>
-        <p:spPr>
-          <a:xfrm>
-            <a:off x="2795785" y="4064000"/>
-            <a:ext cx="565150" cy="0"/>
-          </a:xfrm>
-          <a:prstGeom prst="line">
-            <a:avLst/>
-          </a:prstGeom>
-          <a:ln w="9525">
-            <a:solidFill>
-              <a:srgbClr val="FF999A"/>
-            </a:solidFill>
-          </a:ln>
-        </p:spPr>
-        <p:style>
-          <a:lnRef idx="1">
-            <a:schemeClr val="accent1"/>
-          </a:lnRef>
-          <a:fillRef idx="0">
-            <a:schemeClr val="accent1"/>
-          </a:fillRef>
-          <a:effectRef idx="0">
-            <a:schemeClr val="accent1"/>
-          </a:effectRef>
-          <a:fontRef idx="minor">
-            <a:schemeClr val="tx1"/>
-          </a:fontRef>
-        </p:style>
-      </p:cxnSp>
-      <p:cxnSp>
-        <p:nvCxnSpPr>
-          <p:cNvPr id="34" name="직선 연결선 33"/>
-          <p:cNvCxnSpPr/>
-          <p:nvPr/>
-        </p:nvCxnSpPr>
-        <p:spPr>
-          <a:xfrm>
-            <a:off x="5782374" y="4064000"/>
-            <a:ext cx="565150" cy="0"/>
-          </a:xfrm>
-          <a:prstGeom prst="line">
-            <a:avLst/>
-          </a:prstGeom>
-          <a:ln w="9525">
-            <a:solidFill>
-              <a:srgbClr val="CCFF9A"/>
-            </a:solidFill>
-          </a:ln>
-        </p:spPr>
-        <p:style>
-          <a:lnRef idx="1">
-            <a:schemeClr val="accent1"/>
-          </a:lnRef>
-          <a:fillRef idx="0">
-            <a:schemeClr val="accent1"/>
-          </a:fillRef>
-          <a:effectRef idx="0">
-            <a:schemeClr val="accent1"/>
-          </a:effectRef>
-          <a:fontRef idx="minor">
-            <a:schemeClr val="tx1"/>
-          </a:fontRef>
-        </p:style>
-      </p:cxnSp>
-      <p:sp>
-        <p:nvSpPr>
-          <p:cNvPr id="35" name="직사각형 34"/>
-          <p:cNvSpPr/>
-          <p:nvPr/>
-        </p:nvSpPr>
-        <p:spPr>
-          <a:xfrm>
-            <a:off x="2764578" y="4030662"/>
-            <a:ext cx="66675" cy="66675"/>
+        </p:spPr>
+      </p:pic>
+      <p:pic>
+        <p:nvPicPr>
+          <p:cNvPr id="14" name="그림 13">
+            <a:extLst>
+              <a:ext uri="{FF2B5EF4-FFF2-40B4-BE49-F238E27FC236}">
+                <a16:creationId xmlns:a16="http://schemas.microsoft.com/office/drawing/2014/main" id="{84BCB2C5-29DD-47AC-9509-E92DDB64E42D}"/>
+              </a:ext>
+            </a:extLst>
+          </p:cNvPr>
+          <p:cNvPicPr>
+            <a:picLocks noChangeAspect="1"/>
+          </p:cNvPicPr>
+          <p:nvPr/>
+        </p:nvPicPr>
+        <p:blipFill>
+          <a:blip r:embed="rId3"/>
+          <a:stretch>
+            <a:fillRect/>
+          </a:stretch>
+        </p:blipFill>
+        <p:spPr>
+          <a:xfrm>
+            <a:off x="4322412" y="5063154"/>
+            <a:ext cx="4106488" cy="975093"/>
           </a:xfrm>
           <a:prstGeom prst="rect">
             <a:avLst/>
           </a:prstGeom>
-          <a:solidFill>
-            <a:srgbClr val="FF999A"/>
-          </a:solidFill>
-          <a:ln>
-            <a:solidFill>
-              <a:srgbClr val="FF999A"/>
-            </a:solidFill>
-          </a:ln>
-        </p:spPr>
-        <p:style>
-          <a:lnRef idx="2">
-            <a:schemeClr val="accent1">
-              <a:shade val="50000"/>
-            </a:schemeClr>
-          </a:lnRef>
-          <a:fillRef idx="1">
-            <a:schemeClr val="accent1"/>
-          </a:fillRef>
-          <a:effectRef idx="0">
-            <a:schemeClr val="accent1"/>
-          </a:effectRef>
-          <a:fontRef idx="minor">
-            <a:schemeClr val="lt1"/>
-          </a:fontRef>
-        </p:style>
-        <p:txBody>
-          <a:bodyPr rtlCol="0" anchor="ctr"/>
-          <a:lstStyle/>
-          <a:p>
-            <a:pPr algn="ctr"/>
-            <a:endParaRPr lang="ko-KR" altLang="en-US"/>
-          </a:p>
-        </p:txBody>
-      </p:sp>
-      <p:sp>
-        <p:nvSpPr>
-          <p:cNvPr id="36" name="직사각형 35"/>
-          <p:cNvSpPr/>
-          <p:nvPr/>
-        </p:nvSpPr>
-        <p:spPr>
-          <a:xfrm>
-            <a:off x="6323385" y="4030661"/>
-            <a:ext cx="66675" cy="66675"/>
-          </a:xfrm>
-          <a:prstGeom prst="rect">
-            <a:avLst/>
-          </a:prstGeom>
-          <a:solidFill>
-            <a:srgbClr val="CCFF9A"/>
-          </a:solidFill>
-          <a:ln>
-            <a:solidFill>
-              <a:srgbClr val="CCFF9A"/>
-            </a:solidFill>
-          </a:ln>
-        </p:spPr>
-        <p:style>
-          <a:lnRef idx="2">
-            <a:schemeClr val="accent1">
-              <a:shade val="50000"/>
-            </a:schemeClr>
-          </a:lnRef>
-          <a:fillRef idx="1">
-            <a:schemeClr val="accent1"/>
-          </a:fillRef>
-          <a:effectRef idx="0">
-            <a:schemeClr val="accent1"/>
-          </a:effectRef>
-          <a:fontRef idx="minor">
-            <a:schemeClr val="lt1"/>
-          </a:fontRef>
-        </p:style>
-        <p:txBody>
-          <a:bodyPr rtlCol="0" anchor="ctr"/>
-          <a:lstStyle/>
-          <a:p>
-            <a:pPr algn="ctr"/>
-            <a:endParaRPr lang="ko-KR" altLang="en-US"/>
-          </a:p>
-        </p:txBody>
-      </p:sp>
-      <p:cxnSp>
-        <p:nvCxnSpPr>
-          <p:cNvPr id="37" name="직선 연결선 36"/>
-          <p:cNvCxnSpPr/>
-          <p:nvPr/>
-        </p:nvCxnSpPr>
-        <p:spPr>
-          <a:xfrm flipV="1">
-            <a:off x="3629023" y="5010385"/>
-            <a:ext cx="223346" cy="235189"/>
-          </a:xfrm>
-          <a:prstGeom prst="line">
-            <a:avLst/>
-          </a:prstGeom>
-          <a:ln w="9525">
-            <a:solidFill>
-              <a:srgbClr val="FFCC9A"/>
-            </a:solidFill>
-          </a:ln>
-        </p:spPr>
-        <p:style>
-          <a:lnRef idx="1">
-            <a:schemeClr val="accent1"/>
-          </a:lnRef>
-          <a:fillRef idx="0">
-            <a:schemeClr val="accent1"/>
-          </a:fillRef>
-          <a:effectRef idx="0">
-            <a:schemeClr val="accent1"/>
-          </a:effectRef>
-          <a:fontRef idx="minor">
-            <a:schemeClr val="tx1"/>
-          </a:fontRef>
-        </p:style>
-      </p:cxnSp>
-      <p:cxnSp>
-        <p:nvCxnSpPr>
-          <p:cNvPr id="39" name="직선 연결선 38"/>
-          <p:cNvCxnSpPr/>
-          <p:nvPr/>
-        </p:nvCxnSpPr>
-        <p:spPr>
-          <a:xfrm flipH="1" flipV="1">
-            <a:off x="5240829" y="5030228"/>
-            <a:ext cx="248492" cy="235189"/>
-          </a:xfrm>
-          <a:prstGeom prst="line">
-            <a:avLst/>
-          </a:prstGeom>
-          <a:ln w="9525">
-            <a:solidFill>
-              <a:srgbClr val="FEFF99"/>
-            </a:solidFill>
-          </a:ln>
-        </p:spPr>
-        <p:style>
-          <a:lnRef idx="1">
-            <a:schemeClr val="accent1"/>
-          </a:lnRef>
-          <a:fillRef idx="0">
-            <a:schemeClr val="accent1"/>
-          </a:fillRef>
-          <a:effectRef idx="0">
-            <a:schemeClr val="accent1"/>
-          </a:effectRef>
-          <a:fontRef idx="minor">
-            <a:schemeClr val="tx1"/>
-          </a:fontRef>
-        </p:style>
-      </p:cxnSp>
-      <p:cxnSp>
-        <p:nvCxnSpPr>
-          <p:cNvPr id="40" name="직선 연결선 39"/>
-          <p:cNvCxnSpPr/>
-          <p:nvPr/>
-        </p:nvCxnSpPr>
-        <p:spPr>
-          <a:xfrm>
-            <a:off x="5481262" y="5261452"/>
-            <a:ext cx="540328" cy="0"/>
-          </a:xfrm>
-          <a:prstGeom prst="line">
-            <a:avLst/>
-          </a:prstGeom>
-          <a:ln w="9525">
-            <a:solidFill>
-              <a:srgbClr val="FEFF99"/>
-            </a:solidFill>
-          </a:ln>
-        </p:spPr>
-        <p:style>
-          <a:lnRef idx="1">
-            <a:schemeClr val="accent1"/>
-          </a:lnRef>
-          <a:fillRef idx="0">
-            <a:schemeClr val="accent1"/>
-          </a:fillRef>
-          <a:effectRef idx="0">
-            <a:schemeClr val="accent1"/>
-          </a:effectRef>
-          <a:fontRef idx="minor">
-            <a:schemeClr val="tx1"/>
-          </a:fontRef>
-        </p:style>
-      </p:cxnSp>
-      <p:sp>
-        <p:nvSpPr>
-          <p:cNvPr id="41" name="직사각형 40"/>
-          <p:cNvSpPr/>
-          <p:nvPr/>
-        </p:nvSpPr>
-        <p:spPr>
-          <a:xfrm>
-            <a:off x="5982202" y="5228113"/>
-            <a:ext cx="66675" cy="66675"/>
-          </a:xfrm>
-          <a:prstGeom prst="rect">
-            <a:avLst/>
-          </a:prstGeom>
-          <a:solidFill>
-            <a:srgbClr val="FEFF99"/>
-          </a:solidFill>
-          <a:ln>
-            <a:solidFill>
-              <a:srgbClr val="FEFF99"/>
-            </a:solidFill>
-          </a:ln>
-        </p:spPr>
-        <p:style>
-          <a:lnRef idx="2">
-            <a:schemeClr val="accent1">
-              <a:shade val="50000"/>
-            </a:schemeClr>
-          </a:lnRef>
-          <a:fillRef idx="1">
-            <a:schemeClr val="accent1"/>
-          </a:fillRef>
-          <a:effectRef idx="0">
-            <a:schemeClr val="accent1"/>
-          </a:effectRef>
-          <a:fontRef idx="minor">
-            <a:schemeClr val="lt1"/>
-          </a:fontRef>
-        </p:style>
-        <p:txBody>
-          <a:bodyPr rtlCol="0" anchor="ctr"/>
-          <a:lstStyle/>
-          <a:p>
-            <a:pPr algn="ctr"/>
-            <a:endParaRPr lang="ko-KR" altLang="en-US"/>
-          </a:p>
-        </p:txBody>
-      </p:sp>
-      <p:cxnSp>
-        <p:nvCxnSpPr>
-          <p:cNvPr id="42" name="직선 연결선 41"/>
-          <p:cNvCxnSpPr/>
-          <p:nvPr/>
-        </p:nvCxnSpPr>
-        <p:spPr>
-          <a:xfrm>
-            <a:off x="3091920" y="5248749"/>
-            <a:ext cx="540328" cy="0"/>
-          </a:xfrm>
-          <a:prstGeom prst="line">
-            <a:avLst/>
-          </a:prstGeom>
-          <a:ln w="9525">
-            <a:solidFill>
-              <a:srgbClr val="FFCC9A"/>
-            </a:solidFill>
-          </a:ln>
-        </p:spPr>
-        <p:style>
-          <a:lnRef idx="1">
-            <a:schemeClr val="accent1"/>
-          </a:lnRef>
-          <a:fillRef idx="0">
-            <a:schemeClr val="accent1"/>
-          </a:fillRef>
-          <a:effectRef idx="0">
-            <a:schemeClr val="accent1"/>
-          </a:effectRef>
-          <a:fontRef idx="minor">
-            <a:schemeClr val="tx1"/>
-          </a:fontRef>
-        </p:style>
-      </p:cxnSp>
-      <p:sp>
-        <p:nvSpPr>
-          <p:cNvPr id="43" name="직사각형 42"/>
-          <p:cNvSpPr/>
-          <p:nvPr/>
-        </p:nvSpPr>
-        <p:spPr>
-          <a:xfrm>
-            <a:off x="3054548" y="5215410"/>
-            <a:ext cx="66675" cy="66675"/>
-          </a:xfrm>
-          <a:prstGeom prst="rect">
-            <a:avLst/>
-          </a:prstGeom>
-          <a:solidFill>
-            <a:srgbClr val="FFCC9A"/>
-          </a:solidFill>
-          <a:ln>
-            <a:solidFill>
-              <a:srgbClr val="FFCC9A"/>
-            </a:solidFill>
-          </a:ln>
-        </p:spPr>
-        <p:style>
-          <a:lnRef idx="2">
-            <a:schemeClr val="accent1">
-              <a:shade val="50000"/>
-            </a:schemeClr>
-          </a:lnRef>
-          <a:fillRef idx="1">
-            <a:schemeClr val="accent1"/>
-          </a:fillRef>
-          <a:effectRef idx="0">
-            <a:schemeClr val="accent1"/>
-          </a:effectRef>
-          <a:fontRef idx="minor">
-            <a:schemeClr val="lt1"/>
-          </a:fontRef>
-        </p:style>
-        <p:txBody>
-          <a:bodyPr rtlCol="0" anchor="ctr"/>
-          <a:lstStyle/>
-          <a:p>
-            <a:pPr algn="ctr"/>
-            <a:endParaRPr lang="ko-KR" altLang="en-US"/>
-          </a:p>
-        </p:txBody>
-      </p:sp>
-      <p:sp>
-        <p:nvSpPr>
-          <p:cNvPr id="44" name="TextBox 43"/>
-          <p:cNvSpPr txBox="1"/>
-          <p:nvPr/>
-        </p:nvSpPr>
-        <p:spPr>
-          <a:xfrm>
-            <a:off x="559693" y="2502906"/>
-            <a:ext cx="2101857" cy="276999"/>
-          </a:xfrm>
-          <a:prstGeom prst="rect">
-            <a:avLst/>
-          </a:prstGeom>
-          <a:noFill/>
-        </p:spPr>
-        <p:txBody>
-          <a:bodyPr wrap="none" rtlCol="0">
-            <a:spAutoFit/>
-          </a:bodyPr>
-          <a:lstStyle/>
-          <a:p>
-            <a:r>
-              <a:rPr lang="ko-KR" altLang="en-US" sz="1200" b="1" dirty="0"/>
-              <a:t>내용의 제목을 입력해주세요</a:t>
-            </a:r>
-          </a:p>
-        </p:txBody>
-      </p:sp>
-      <p:sp>
-        <p:nvSpPr>
-          <p:cNvPr id="45" name="TextBox 44"/>
-          <p:cNvSpPr txBox="1"/>
-          <p:nvPr/>
-        </p:nvSpPr>
-        <p:spPr>
-          <a:xfrm>
-            <a:off x="559693" y="2820233"/>
-            <a:ext cx="2223686" cy="369332"/>
-          </a:xfrm>
-          <a:prstGeom prst="rect">
-            <a:avLst/>
-          </a:prstGeom>
-          <a:noFill/>
-        </p:spPr>
-        <p:txBody>
-          <a:bodyPr wrap="none" rtlCol="0">
-            <a:spAutoFit/>
-          </a:bodyPr>
-          <a:lstStyle/>
-          <a:p>
-            <a:r>
-              <a:rPr lang="ko-KR" altLang="en-US" sz="900" b="1" dirty="0">
-                <a:solidFill>
-                  <a:schemeClr val="accent1">
-                    <a:lumMod val="75000"/>
-                  </a:schemeClr>
-                </a:solidFill>
-              </a:rPr>
-              <a:t>내용을 입력해주세요 여러가지의 항목을</a:t>
-            </a:r>
-            <a:endParaRPr lang="en-US" altLang="ko-KR" sz="900" b="1" dirty="0">
-              <a:solidFill>
-                <a:schemeClr val="accent1">
-                  <a:lumMod val="75000"/>
-                </a:schemeClr>
-              </a:solidFill>
-            </a:endParaRPr>
-          </a:p>
-          <a:p>
-            <a:r>
-              <a:rPr lang="ko-KR" altLang="en-US" sz="900" b="1" dirty="0">
-                <a:solidFill>
-                  <a:schemeClr val="accent1">
-                    <a:lumMod val="75000"/>
-                  </a:schemeClr>
-                </a:solidFill>
-              </a:rPr>
-              <a:t>정리하여 나타낼 수 있는 화면 입니다</a:t>
-            </a:r>
-            <a:r>
-              <a:rPr lang="en-US" altLang="ko-KR" sz="900" b="1" dirty="0">
-                <a:solidFill>
-                  <a:schemeClr val="accent1">
-                    <a:lumMod val="75000"/>
-                  </a:schemeClr>
-                </a:solidFill>
-              </a:rPr>
-              <a:t>.</a:t>
-            </a:r>
-            <a:endParaRPr lang="ko-KR" altLang="en-US" sz="900" b="1" dirty="0">
-              <a:solidFill>
-                <a:schemeClr val="accent1">
-                  <a:lumMod val="75000"/>
-                </a:schemeClr>
-              </a:solidFill>
-            </a:endParaRPr>
-          </a:p>
-        </p:txBody>
-      </p:sp>
-      <p:sp>
-        <p:nvSpPr>
-          <p:cNvPr id="46" name="TextBox 45"/>
-          <p:cNvSpPr txBox="1"/>
-          <p:nvPr/>
-        </p:nvSpPr>
-        <p:spPr>
-          <a:xfrm>
-            <a:off x="559693" y="3746673"/>
-            <a:ext cx="2101857" cy="276999"/>
-          </a:xfrm>
-          <a:prstGeom prst="rect">
-            <a:avLst/>
-          </a:prstGeom>
-          <a:noFill/>
-        </p:spPr>
-        <p:txBody>
-          <a:bodyPr wrap="none" rtlCol="0">
-            <a:spAutoFit/>
-          </a:bodyPr>
-          <a:lstStyle/>
-          <a:p>
-            <a:r>
-              <a:rPr lang="ko-KR" altLang="en-US" sz="1200" b="1" dirty="0"/>
-              <a:t>내용의 제목을 입력해주세요</a:t>
-            </a:r>
-          </a:p>
-        </p:txBody>
-      </p:sp>
-      <p:sp>
-        <p:nvSpPr>
-          <p:cNvPr id="47" name="TextBox 46"/>
-          <p:cNvSpPr txBox="1"/>
-          <p:nvPr/>
-        </p:nvSpPr>
-        <p:spPr>
-          <a:xfrm>
-            <a:off x="559693" y="4064000"/>
-            <a:ext cx="2223686" cy="369332"/>
-          </a:xfrm>
-          <a:prstGeom prst="rect">
-            <a:avLst/>
-          </a:prstGeom>
-          <a:noFill/>
-        </p:spPr>
-        <p:txBody>
-          <a:bodyPr wrap="none" rtlCol="0">
-            <a:spAutoFit/>
-          </a:bodyPr>
-          <a:lstStyle/>
-          <a:p>
-            <a:r>
-              <a:rPr lang="ko-KR" altLang="en-US" sz="900" b="1" dirty="0">
-                <a:solidFill>
-                  <a:schemeClr val="accent1">
-                    <a:lumMod val="75000"/>
-                  </a:schemeClr>
-                </a:solidFill>
-              </a:rPr>
-              <a:t>내용을 입력해주세요 여러가지의 항목을</a:t>
-            </a:r>
-            <a:endParaRPr lang="en-US" altLang="ko-KR" sz="900" b="1" dirty="0">
-              <a:solidFill>
-                <a:schemeClr val="accent1">
-                  <a:lumMod val="75000"/>
-                </a:schemeClr>
-              </a:solidFill>
-            </a:endParaRPr>
-          </a:p>
-          <a:p>
-            <a:r>
-              <a:rPr lang="ko-KR" altLang="en-US" sz="900" b="1" dirty="0">
-                <a:solidFill>
-                  <a:schemeClr val="accent1">
-                    <a:lumMod val="75000"/>
-                  </a:schemeClr>
-                </a:solidFill>
-              </a:rPr>
-              <a:t>정리하여 나타낼 수 있는 화면 입니다</a:t>
-            </a:r>
-            <a:r>
-              <a:rPr lang="en-US" altLang="ko-KR" sz="900" b="1" dirty="0">
-                <a:solidFill>
-                  <a:schemeClr val="accent1">
-                    <a:lumMod val="75000"/>
-                  </a:schemeClr>
-                </a:solidFill>
-              </a:rPr>
-              <a:t>.</a:t>
-            </a:r>
-            <a:endParaRPr lang="ko-KR" altLang="en-US" sz="900" b="1" dirty="0">
-              <a:solidFill>
-                <a:schemeClr val="accent1">
-                  <a:lumMod val="75000"/>
-                </a:schemeClr>
-              </a:solidFill>
-            </a:endParaRPr>
-          </a:p>
-        </p:txBody>
-      </p:sp>
-      <p:sp>
-        <p:nvSpPr>
-          <p:cNvPr id="48" name="TextBox 47"/>
-          <p:cNvSpPr txBox="1"/>
-          <p:nvPr/>
-        </p:nvSpPr>
-        <p:spPr>
-          <a:xfrm>
-            <a:off x="559693" y="4975072"/>
-            <a:ext cx="2101857" cy="276999"/>
-          </a:xfrm>
-          <a:prstGeom prst="rect">
-            <a:avLst/>
-          </a:prstGeom>
-          <a:noFill/>
-        </p:spPr>
-        <p:txBody>
-          <a:bodyPr wrap="none" rtlCol="0">
-            <a:spAutoFit/>
-          </a:bodyPr>
-          <a:lstStyle/>
-          <a:p>
-            <a:r>
-              <a:rPr lang="ko-KR" altLang="en-US" sz="1200" b="1" dirty="0"/>
-              <a:t>내용의 제목을 입력해주세요</a:t>
-            </a:r>
-          </a:p>
-        </p:txBody>
-      </p:sp>
-      <p:sp>
-        <p:nvSpPr>
-          <p:cNvPr id="49" name="TextBox 48"/>
-          <p:cNvSpPr txBox="1"/>
-          <p:nvPr/>
-        </p:nvSpPr>
-        <p:spPr>
-          <a:xfrm>
-            <a:off x="559693" y="5292399"/>
-            <a:ext cx="2223686" cy="369332"/>
-          </a:xfrm>
-          <a:prstGeom prst="rect">
-            <a:avLst/>
-          </a:prstGeom>
-          <a:noFill/>
-        </p:spPr>
-        <p:txBody>
-          <a:bodyPr wrap="none" rtlCol="0">
-            <a:spAutoFit/>
-          </a:bodyPr>
-          <a:lstStyle/>
-          <a:p>
-            <a:r>
-              <a:rPr lang="ko-KR" altLang="en-US" sz="900" b="1" dirty="0">
-                <a:solidFill>
-                  <a:schemeClr val="accent1">
-                    <a:lumMod val="75000"/>
-                  </a:schemeClr>
-                </a:solidFill>
-              </a:rPr>
-              <a:t>내용을 입력해주세요 여러가지의 항목을</a:t>
-            </a:r>
-            <a:endParaRPr lang="en-US" altLang="ko-KR" sz="900" b="1" dirty="0">
-              <a:solidFill>
-                <a:schemeClr val="accent1">
-                  <a:lumMod val="75000"/>
-                </a:schemeClr>
-              </a:solidFill>
-            </a:endParaRPr>
-          </a:p>
-          <a:p>
-            <a:r>
-              <a:rPr lang="ko-KR" altLang="en-US" sz="900" b="1" dirty="0">
-                <a:solidFill>
-                  <a:schemeClr val="accent1">
-                    <a:lumMod val="75000"/>
-                  </a:schemeClr>
-                </a:solidFill>
-              </a:rPr>
-              <a:t>정리하여 나타낼 수 있는 화면 입니다</a:t>
-            </a:r>
-            <a:r>
-              <a:rPr lang="en-US" altLang="ko-KR" sz="900" b="1" dirty="0">
-                <a:solidFill>
-                  <a:schemeClr val="accent1">
-                    <a:lumMod val="75000"/>
-                  </a:schemeClr>
-                </a:solidFill>
-              </a:rPr>
-              <a:t>.</a:t>
-            </a:r>
-            <a:endParaRPr lang="ko-KR" altLang="en-US" sz="900" b="1" dirty="0">
-              <a:solidFill>
-                <a:schemeClr val="accent1">
-                  <a:lumMod val="75000"/>
-                </a:schemeClr>
-              </a:solidFill>
-            </a:endParaRPr>
-          </a:p>
-        </p:txBody>
-      </p:sp>
-      <p:sp>
-        <p:nvSpPr>
-          <p:cNvPr id="50" name="TextBox 49"/>
-          <p:cNvSpPr txBox="1"/>
-          <p:nvPr/>
-        </p:nvSpPr>
-        <p:spPr>
-          <a:xfrm>
-            <a:off x="6443658" y="2502906"/>
-            <a:ext cx="2101857" cy="276999"/>
-          </a:xfrm>
-          <a:prstGeom prst="rect">
-            <a:avLst/>
-          </a:prstGeom>
-          <a:noFill/>
-        </p:spPr>
-        <p:txBody>
-          <a:bodyPr wrap="none" rtlCol="0">
-            <a:spAutoFit/>
-          </a:bodyPr>
-          <a:lstStyle/>
-          <a:p>
-            <a:r>
-              <a:rPr lang="ko-KR" altLang="en-US" sz="1200" b="1" dirty="0"/>
-              <a:t>내용의 제목을 입력해주세요</a:t>
-            </a:r>
-          </a:p>
-        </p:txBody>
-      </p:sp>
-      <p:sp>
-        <p:nvSpPr>
-          <p:cNvPr id="51" name="TextBox 50"/>
-          <p:cNvSpPr txBox="1"/>
-          <p:nvPr/>
-        </p:nvSpPr>
-        <p:spPr>
-          <a:xfrm>
-            <a:off x="6443658" y="2820233"/>
-            <a:ext cx="2223686" cy="369332"/>
-          </a:xfrm>
-          <a:prstGeom prst="rect">
-            <a:avLst/>
-          </a:prstGeom>
-          <a:noFill/>
-        </p:spPr>
-        <p:txBody>
-          <a:bodyPr wrap="none" rtlCol="0">
-            <a:spAutoFit/>
-          </a:bodyPr>
-          <a:lstStyle/>
-          <a:p>
-            <a:r>
-              <a:rPr lang="ko-KR" altLang="en-US" sz="900" b="1" dirty="0">
-                <a:solidFill>
-                  <a:schemeClr val="accent1">
-                    <a:lumMod val="75000"/>
-                  </a:schemeClr>
-                </a:solidFill>
-              </a:rPr>
-              <a:t>내용을 입력해주세요 여러가지의 항목을</a:t>
-            </a:r>
-            <a:endParaRPr lang="en-US" altLang="ko-KR" sz="900" b="1" dirty="0">
-              <a:solidFill>
-                <a:schemeClr val="accent1">
-                  <a:lumMod val="75000"/>
-                </a:schemeClr>
-              </a:solidFill>
-            </a:endParaRPr>
-          </a:p>
-          <a:p>
-            <a:r>
-              <a:rPr lang="ko-KR" altLang="en-US" sz="900" b="1" dirty="0">
-                <a:solidFill>
-                  <a:schemeClr val="accent1">
-                    <a:lumMod val="75000"/>
-                  </a:schemeClr>
-                </a:solidFill>
-              </a:rPr>
-              <a:t>정리하여 나타낼 수 있는 화면 입니다</a:t>
-            </a:r>
-            <a:r>
-              <a:rPr lang="en-US" altLang="ko-KR" sz="900" b="1" dirty="0">
-                <a:solidFill>
-                  <a:schemeClr val="accent1">
-                    <a:lumMod val="75000"/>
-                  </a:schemeClr>
-                </a:solidFill>
-              </a:rPr>
-              <a:t>.</a:t>
-            </a:r>
-            <a:endParaRPr lang="ko-KR" altLang="en-US" sz="900" b="1" dirty="0">
-              <a:solidFill>
-                <a:schemeClr val="accent1">
-                  <a:lumMod val="75000"/>
-                </a:schemeClr>
-              </a:solidFill>
-            </a:endParaRPr>
-          </a:p>
-        </p:txBody>
-      </p:sp>
-      <p:sp>
-        <p:nvSpPr>
-          <p:cNvPr id="52" name="TextBox 51"/>
-          <p:cNvSpPr txBox="1"/>
-          <p:nvPr/>
-        </p:nvSpPr>
-        <p:spPr>
-          <a:xfrm>
-            <a:off x="6443658" y="3746673"/>
-            <a:ext cx="2101857" cy="276999"/>
-          </a:xfrm>
-          <a:prstGeom prst="rect">
-            <a:avLst/>
-          </a:prstGeom>
-          <a:noFill/>
-        </p:spPr>
-        <p:txBody>
-          <a:bodyPr wrap="none" rtlCol="0">
-            <a:spAutoFit/>
-          </a:bodyPr>
-          <a:lstStyle/>
-          <a:p>
-            <a:r>
-              <a:rPr lang="ko-KR" altLang="en-US" sz="1200" b="1" dirty="0"/>
-              <a:t>내용의 제목을 입력해주세요</a:t>
-            </a:r>
-          </a:p>
-        </p:txBody>
-      </p:sp>
-      <p:sp>
-        <p:nvSpPr>
-          <p:cNvPr id="53" name="TextBox 52"/>
-          <p:cNvSpPr txBox="1"/>
-          <p:nvPr/>
-        </p:nvSpPr>
-        <p:spPr>
-          <a:xfrm>
-            <a:off x="6443658" y="4064000"/>
-            <a:ext cx="2223686" cy="369332"/>
-          </a:xfrm>
-          <a:prstGeom prst="rect">
-            <a:avLst/>
-          </a:prstGeom>
-          <a:noFill/>
-        </p:spPr>
-        <p:txBody>
-          <a:bodyPr wrap="none" rtlCol="0">
-            <a:spAutoFit/>
-          </a:bodyPr>
-          <a:lstStyle/>
-          <a:p>
-            <a:r>
-              <a:rPr lang="ko-KR" altLang="en-US" sz="900" b="1" dirty="0">
-                <a:solidFill>
-                  <a:schemeClr val="accent1">
-                    <a:lumMod val="75000"/>
-                  </a:schemeClr>
-                </a:solidFill>
-              </a:rPr>
-              <a:t>내용을 입력해주세요 여러가지의 항목을</a:t>
-            </a:r>
-            <a:endParaRPr lang="en-US" altLang="ko-KR" sz="900" b="1" dirty="0">
-              <a:solidFill>
-                <a:schemeClr val="accent1">
-                  <a:lumMod val="75000"/>
-                </a:schemeClr>
-              </a:solidFill>
-            </a:endParaRPr>
-          </a:p>
-          <a:p>
-            <a:r>
-              <a:rPr lang="ko-KR" altLang="en-US" sz="900" b="1" dirty="0">
-                <a:solidFill>
-                  <a:schemeClr val="accent1">
-                    <a:lumMod val="75000"/>
-                  </a:schemeClr>
-                </a:solidFill>
-              </a:rPr>
-              <a:t>정리하여 나타낼 수 있는 화면 입니다</a:t>
-            </a:r>
-            <a:r>
-              <a:rPr lang="en-US" altLang="ko-KR" sz="900" b="1" dirty="0">
-                <a:solidFill>
-                  <a:schemeClr val="accent1">
-                    <a:lumMod val="75000"/>
-                  </a:schemeClr>
-                </a:solidFill>
-              </a:rPr>
-              <a:t>.</a:t>
-            </a:r>
-            <a:endParaRPr lang="ko-KR" altLang="en-US" sz="900" b="1" dirty="0">
-              <a:solidFill>
-                <a:schemeClr val="accent1">
-                  <a:lumMod val="75000"/>
-                </a:schemeClr>
-              </a:solidFill>
-            </a:endParaRPr>
-          </a:p>
-        </p:txBody>
-      </p:sp>
-      <p:sp>
-        <p:nvSpPr>
-          <p:cNvPr id="54" name="TextBox 53"/>
-          <p:cNvSpPr txBox="1"/>
-          <p:nvPr/>
-        </p:nvSpPr>
-        <p:spPr>
-          <a:xfrm>
-            <a:off x="6443658" y="4975072"/>
-            <a:ext cx="2101857" cy="276999"/>
-          </a:xfrm>
-          <a:prstGeom prst="rect">
-            <a:avLst/>
-          </a:prstGeom>
-          <a:noFill/>
-        </p:spPr>
-        <p:txBody>
-          <a:bodyPr wrap="none" rtlCol="0">
-            <a:spAutoFit/>
-          </a:bodyPr>
-          <a:lstStyle/>
-          <a:p>
-            <a:r>
-              <a:rPr lang="ko-KR" altLang="en-US" sz="1200" b="1" dirty="0"/>
-              <a:t>내용의 제목을 입력해주세요</a:t>
-            </a:r>
-          </a:p>
-        </p:txBody>
-      </p:sp>
-      <p:sp>
-        <p:nvSpPr>
-          <p:cNvPr id="55" name="TextBox 54"/>
-          <p:cNvSpPr txBox="1"/>
-          <p:nvPr/>
-        </p:nvSpPr>
-        <p:spPr>
-          <a:xfrm>
-            <a:off x="6443658" y="5292399"/>
-            <a:ext cx="2223686" cy="369332"/>
-          </a:xfrm>
-          <a:prstGeom prst="rect">
-            <a:avLst/>
-          </a:prstGeom>
-          <a:noFill/>
-        </p:spPr>
-        <p:txBody>
-          <a:bodyPr wrap="none" rtlCol="0">
-            <a:spAutoFit/>
-          </a:bodyPr>
-          <a:lstStyle/>
-          <a:p>
-            <a:r>
-              <a:rPr lang="ko-KR" altLang="en-US" sz="900" b="1" dirty="0">
-                <a:solidFill>
-                  <a:schemeClr val="accent1">
-                    <a:lumMod val="75000"/>
-                  </a:schemeClr>
-                </a:solidFill>
-              </a:rPr>
-              <a:t>내용을 입력해주세요 여러가지의 항목을</a:t>
-            </a:r>
-            <a:endParaRPr lang="en-US" altLang="ko-KR" sz="900" b="1" dirty="0">
-              <a:solidFill>
-                <a:schemeClr val="accent1">
-                  <a:lumMod val="75000"/>
-                </a:schemeClr>
-              </a:solidFill>
-            </a:endParaRPr>
-          </a:p>
-          <a:p>
-            <a:r>
-              <a:rPr lang="ko-KR" altLang="en-US" sz="900" b="1" dirty="0">
-                <a:solidFill>
-                  <a:schemeClr val="accent1">
-                    <a:lumMod val="75000"/>
-                  </a:schemeClr>
-                </a:solidFill>
-              </a:rPr>
-              <a:t>정리하여 나타낼 수 있는 화면 입니다</a:t>
-            </a:r>
-            <a:r>
-              <a:rPr lang="en-US" altLang="ko-KR" sz="900" b="1" dirty="0">
-                <a:solidFill>
-                  <a:schemeClr val="accent1">
-                    <a:lumMod val="75000"/>
-                  </a:schemeClr>
-                </a:solidFill>
-              </a:rPr>
-              <a:t>.</a:t>
-            </a:r>
-            <a:endParaRPr lang="ko-KR" altLang="en-US" sz="900" b="1" dirty="0">
-              <a:solidFill>
-                <a:schemeClr val="accent1">
-                  <a:lumMod val="75000"/>
-                </a:schemeClr>
-              </a:solidFill>
-            </a:endParaRPr>
-          </a:p>
-        </p:txBody>
-      </p:sp>
+        </p:spPr>
+      </p:pic>
     </p:spTree>
     <p:extLst>
       <p:ext uri="{BB962C8B-B14F-4D97-AF65-F5344CB8AC3E}">
-        <p14:creationId xmlns:p14="http://schemas.microsoft.com/office/powerpoint/2010/main" val="1225698840"/>
+        <p14:creationId xmlns:p14="http://schemas.microsoft.com/office/powerpoint/2010/main" val="2299145598"/>
       </p:ext>
     </p:extLst>
   </p:cSld>
@@ -8973,7 +10483,7 @@
         <p:spPr>
           <a:xfrm>
             <a:off x="1313413" y="374073"/>
-            <a:ext cx="2170787" cy="523220"/>
+            <a:ext cx="2779928" cy="523220"/>
           </a:xfrm>
           <a:prstGeom prst="rect">
             <a:avLst/>
@@ -8987,9 +10497,10 @@
           <a:lstStyle/>
           <a:p>
             <a:r>
-              <a:rPr lang="en-US" altLang="ko-KR" sz="2800" b="1" dirty="0"/>
-              <a:t>TITLE IS HERE</a:t>
-            </a:r>
+              <a:rPr lang="ko-KR" altLang="en-US" sz="2800" b="1" dirty="0"/>
+              <a:t>쇼핑몰 프로젝트</a:t>
+            </a:r>
+            <a:endParaRPr lang="en-US" altLang="ko-KR" sz="2800" b="1" dirty="0"/>
           </a:p>
         </p:txBody>
       </p:sp>
@@ -9002,7 +10513,7 @@
         <p:spPr>
           <a:xfrm>
             <a:off x="1382406" y="843957"/>
-            <a:ext cx="1707262" cy="307777"/>
+            <a:ext cx="1155766" cy="307777"/>
           </a:xfrm>
           <a:prstGeom prst="rect">
             <a:avLst/>
@@ -9025,7 +10536,7 @@
                 <a:latin typeface="+mj-ea"/>
                 <a:ea typeface="+mj-ea"/>
               </a:rPr>
-              <a:t>SUBTITLE IS HERE</a:t>
+              <a:t>CART PAGE</a:t>
             </a:r>
           </a:p>
         </p:txBody>
@@ -9108,8 +10619,8 @@
         </p:nvSpPr>
         <p:spPr>
           <a:xfrm>
-            <a:off x="1628959" y="3528855"/>
-            <a:ext cx="1835760" cy="276999"/>
+            <a:off x="1358650" y="3528855"/>
+            <a:ext cx="2704587" cy="276999"/>
           </a:xfrm>
           <a:prstGeom prst="rect">
             <a:avLst/>
@@ -9125,13 +10636,8 @@
             <a:pPr algn="r"/>
             <a:r>
               <a:rPr lang="ko-KR" altLang="en-US" sz="1200" b="1" dirty="0"/>
-              <a:t>이곳에 제목을 넣으세요</a:t>
-            </a:r>
-            <a:r>
-              <a:rPr lang="en-US" altLang="ko-KR" sz="1200" b="1" dirty="0"/>
-              <a:t>.</a:t>
-            </a:r>
-            <a:endParaRPr lang="ko-KR" altLang="en-US" sz="1200" b="1" dirty="0"/>
+              <a:t>장바구니 및 선택한 상품의 옵션 확인</a:t>
+            </a:r>
           </a:p>
         </p:txBody>
       </p:sp>
@@ -9143,8 +10649,8 @@
         </p:nvSpPr>
         <p:spPr>
           <a:xfrm>
-            <a:off x="783890" y="4127551"/>
-            <a:ext cx="2660631" cy="600164"/>
+            <a:off x="527539" y="4127551"/>
+            <a:ext cx="3515499" cy="2123658"/>
           </a:xfrm>
           <a:prstGeom prst="rect">
             <a:avLst/>
@@ -9159,8 +10665,59 @@
           <a:p>
             <a:pPr algn="r"/>
             <a:r>
+              <a:rPr lang="en-US" altLang="ko-KR" sz="1100" dirty="0"/>
+              <a:t>CART </a:t>
+            </a:r>
+            <a:r>
               <a:rPr lang="ko-KR" altLang="en-US" sz="1100" dirty="0"/>
-              <a:t>이곳에는 내용을 넣으시면 됩니다</a:t>
+              <a:t>페이지는 </a:t>
+            </a:r>
+            <a:r>
+              <a:rPr lang="en-US" altLang="ko-KR" sz="1100" dirty="0"/>
+              <a:t>PRODUCT</a:t>
+            </a:r>
+            <a:r>
+              <a:rPr lang="ko-KR" altLang="en-US" sz="1100" dirty="0"/>
+              <a:t>페이지에서 카트 담기를 통해</a:t>
+            </a:r>
+            <a:endParaRPr lang="en-US" altLang="ko-KR" sz="1100" dirty="0"/>
+          </a:p>
+          <a:p>
+            <a:pPr algn="r"/>
+            <a:r>
+              <a:rPr lang="ko-KR" altLang="en-US" sz="1100" dirty="0"/>
+              <a:t>선택한 상품들을 모아 놓고 확인 할 수 페이지이며</a:t>
+            </a:r>
+            <a:r>
+              <a:rPr lang="en-US" altLang="ko-KR" sz="1100" dirty="0"/>
+              <a:t>,</a:t>
+            </a:r>
+          </a:p>
+          <a:p>
+            <a:pPr algn="r"/>
+            <a:r>
+              <a:rPr lang="en-US" altLang="ko-KR" sz="1100" dirty="0"/>
+              <a:t>CART </a:t>
+            </a:r>
+            <a:r>
+              <a:rPr lang="ko-KR" altLang="en-US" sz="1100" dirty="0"/>
+              <a:t>페이지에서는 상품들의 옵션</a:t>
+            </a:r>
+            <a:r>
+              <a:rPr lang="en-US" altLang="ko-KR" sz="1100" dirty="0"/>
+              <a:t>, </a:t>
+            </a:r>
+            <a:r>
+              <a:rPr lang="ko-KR" altLang="en-US" sz="1100" dirty="0"/>
+              <a:t>가격</a:t>
+            </a:r>
+            <a:r>
+              <a:rPr lang="en-US" altLang="ko-KR" sz="1100" dirty="0"/>
+              <a:t>, </a:t>
+            </a:r>
+            <a:r>
+              <a:rPr lang="ko-KR" altLang="en-US" sz="1100" dirty="0"/>
+              <a:t>수량 등을 확인 할 수 있습니다</a:t>
             </a:r>
             <a:r>
               <a:rPr lang="en-US" altLang="ko-KR" sz="1100" dirty="0"/>
@@ -9171,13 +10728,135 @@
             <a:pPr algn="r"/>
             <a:r>
               <a:rPr lang="ko-KR" altLang="en-US" sz="1100" dirty="0"/>
-              <a:t>사진이나 이미지를 첨부하여 설명하는 내용을 넣으시면 됩니다</a:t>
+              <a:t>상품 이름을 클릭하여 상품의 </a:t>
+            </a:r>
+            <a:r>
+              <a:rPr lang="en-US" altLang="ko-KR" sz="1100" dirty="0"/>
+              <a:t>RRODUCT</a:t>
+            </a:r>
+            <a:r>
+              <a:rPr lang="ko-KR" altLang="en-US" sz="1100" dirty="0"/>
+              <a:t>페이지로 이동을 할 수 있으며</a:t>
+            </a:r>
+            <a:r>
+              <a:rPr lang="en-US" altLang="ko-KR" sz="1100" dirty="0"/>
+              <a:t>, COOKIE</a:t>
+            </a:r>
+            <a:r>
+              <a:rPr lang="ko-KR" altLang="en-US" sz="1100" dirty="0"/>
+              <a:t>로 되어있기에 새로 고침을 하여도 장바구니처럼 사용을 하실 수 있습니다</a:t>
             </a:r>
             <a:r>
               <a:rPr lang="en-US" altLang="ko-KR" sz="1100" dirty="0"/>
               <a:t>.</a:t>
             </a:r>
-            <a:endParaRPr lang="ko-KR" altLang="en-US" sz="1100" dirty="0"/>
+            <a:r>
+              <a:rPr lang="ko-KR" altLang="en-US" sz="1100" dirty="0"/>
+              <a:t> </a:t>
+            </a:r>
+            <a:endParaRPr lang="en-US" altLang="ko-KR" sz="1100" dirty="0"/>
+          </a:p>
+          <a:p>
+            <a:pPr algn="r"/>
+            <a:r>
+              <a:rPr lang="ko-KR" altLang="en-US" sz="1100" dirty="0">
+                <a:solidFill>
+                  <a:srgbClr val="FF0000"/>
+                </a:solidFill>
+              </a:rPr>
+              <a:t>상품 삭제기능이 구현되어 있으며</a:t>
+            </a:r>
+            <a:r>
+              <a:rPr lang="en-US" altLang="ko-KR" sz="1100" dirty="0">
+                <a:solidFill>
+                  <a:srgbClr val="FF0000"/>
+                </a:solidFill>
+              </a:rPr>
+              <a:t>, </a:t>
+            </a:r>
+            <a:r>
+              <a:rPr lang="ko-KR" altLang="en-US" sz="1100" dirty="0">
+                <a:solidFill>
+                  <a:srgbClr val="FF0000"/>
+                </a:solidFill>
+              </a:rPr>
+              <a:t> 중복 제거와 정렬을 통해 상품들의 깨끗한 정렬을 확인 할 수 있습니다</a:t>
+            </a:r>
+            <a:r>
+              <a:rPr lang="en-US" altLang="ko-KR" sz="1100" dirty="0">
+                <a:solidFill>
+                  <a:srgbClr val="FF0000"/>
+                </a:solidFill>
+              </a:rPr>
+              <a:t>.</a:t>
+            </a:r>
+          </a:p>
+          <a:p>
+            <a:pPr algn="r"/>
+            <a:r>
+              <a:rPr lang="ko-KR" altLang="en-US" sz="1100" dirty="0">
+                <a:solidFill>
+                  <a:srgbClr val="FF0000"/>
+                </a:solidFill>
+              </a:rPr>
+              <a:t>주문하기와 관심상품등록의 기능은 미 구현이며</a:t>
+            </a:r>
+            <a:r>
+              <a:rPr lang="en-US" altLang="ko-KR" sz="1100" dirty="0">
+                <a:solidFill>
+                  <a:srgbClr val="FF0000"/>
+                </a:solidFill>
+              </a:rPr>
+              <a:t>, </a:t>
+            </a:r>
+          </a:p>
+          <a:p>
+            <a:pPr algn="r"/>
+            <a:r>
+              <a:rPr lang="ko-KR" altLang="en-US" sz="1100" dirty="0">
+                <a:solidFill>
+                  <a:srgbClr val="FF0000"/>
+                </a:solidFill>
+              </a:rPr>
+              <a:t>아래 쇼핑 계속하기를 통해 </a:t>
+            </a:r>
+            <a:endParaRPr lang="en-US" altLang="ko-KR" sz="1100" dirty="0">
+              <a:solidFill>
+                <a:srgbClr val="FF0000"/>
+              </a:solidFill>
+            </a:endParaRPr>
+          </a:p>
+          <a:p>
+            <a:pPr algn="r"/>
+            <a:r>
+              <a:rPr lang="en-US" altLang="ko-KR" sz="1100" dirty="0">
+                <a:solidFill>
+                  <a:srgbClr val="FF0000"/>
+                </a:solidFill>
+              </a:rPr>
+              <a:t>MAIN</a:t>
+            </a:r>
+            <a:r>
+              <a:rPr lang="ko-KR" altLang="en-US" sz="1100" dirty="0">
+                <a:solidFill>
+                  <a:srgbClr val="FF0000"/>
+                </a:solidFill>
+              </a:rPr>
+              <a:t>페이지로 이동이 가능합니다</a:t>
+            </a:r>
+            <a:r>
+              <a:rPr lang="en-US" altLang="ko-KR" sz="1100" dirty="0">
+                <a:solidFill>
+                  <a:srgbClr val="FF0000"/>
+                </a:solidFill>
+              </a:rPr>
+              <a:t>.</a:t>
+            </a:r>
+            <a:endParaRPr lang="ko-KR" altLang="en-US" sz="1100" dirty="0">
+              <a:solidFill>
+                <a:srgbClr val="FF0000"/>
+              </a:solidFill>
+            </a:endParaRPr>
           </a:p>
         </p:txBody>
       </p:sp>
@@ -9189,8 +10868,8 @@
         </p:nvSpPr>
         <p:spPr>
           <a:xfrm>
-            <a:off x="3674226" y="1931762"/>
-            <a:ext cx="4754678" cy="4106487"/>
+            <a:off x="4322416" y="1931762"/>
+            <a:ext cx="4106487" cy="4106487"/>
           </a:xfrm>
           <a:prstGeom prst="rect">
             <a:avLst/>
@@ -9229,32 +10908,40 @@
           </a:p>
         </p:txBody>
       </p:sp>
-      <p:graphicFrame>
-        <p:nvGraphicFramePr>
-          <p:cNvPr id="14" name="차트 13"/>
-          <p:cNvGraphicFramePr/>
-          <p:nvPr>
-            <p:extLst>
-              <p:ext uri="{D42A27DB-BD31-4B8C-83A1-F6EECF244321}">
-                <p14:modId xmlns:p14="http://schemas.microsoft.com/office/powerpoint/2010/main" val="800887080"/>
-              </p:ext>
-            </p:extLst>
-          </p:nvPr>
-        </p:nvGraphicFramePr>
-        <p:xfrm>
-          <a:off x="4003061" y="2688245"/>
-          <a:ext cx="4097008" cy="2593520"/>
-        </p:xfrm>
-        <a:graphic>
-          <a:graphicData uri="http://schemas.openxmlformats.org/drawingml/2006/chart">
-            <c:chart xmlns:c="http://schemas.openxmlformats.org/drawingml/2006/chart" xmlns:r="http://schemas.openxmlformats.org/officeDocument/2006/relationships" r:id="rId2"/>
-          </a:graphicData>
-        </a:graphic>
-      </p:graphicFrame>
+      <p:pic>
+        <p:nvPicPr>
+          <p:cNvPr id="3" name="그림 2">
+            <a:extLst>
+              <a:ext uri="{FF2B5EF4-FFF2-40B4-BE49-F238E27FC236}">
+                <a16:creationId xmlns:a16="http://schemas.microsoft.com/office/drawing/2014/main" id="{1B538F96-A8D0-49B5-84A3-0EC4A141E20F}"/>
+              </a:ext>
+            </a:extLst>
+          </p:cNvPr>
+          <p:cNvPicPr>
+            <a:picLocks noChangeAspect="1"/>
+          </p:cNvPicPr>
+          <p:nvPr/>
+        </p:nvPicPr>
+        <p:blipFill>
+          <a:blip r:embed="rId2"/>
+          <a:stretch>
+            <a:fillRect/>
+          </a:stretch>
+        </p:blipFill>
+        <p:spPr>
+          <a:xfrm>
+            <a:off x="4322415" y="1931764"/>
+            <a:ext cx="4106487" cy="4106486"/>
+          </a:xfrm>
+          <a:prstGeom prst="rect">
+            <a:avLst/>
+          </a:prstGeom>
+        </p:spPr>
+      </p:pic>
     </p:spTree>
     <p:extLst>
       <p:ext uri="{BB962C8B-B14F-4D97-AF65-F5344CB8AC3E}">
-        <p14:creationId xmlns:p14="http://schemas.microsoft.com/office/powerpoint/2010/main" val="1222414763"/>
+        <p14:creationId xmlns:p14="http://schemas.microsoft.com/office/powerpoint/2010/main" val="854501634"/>
       </p:ext>
     </p:extLst>
   </p:cSld>
@@ -9365,8 +11052,8 @@
         </p:nvSpPr>
         <p:spPr>
           <a:xfrm>
-            <a:off x="-1" y="2763982"/>
-            <a:ext cx="3283527" cy="1330036"/>
+            <a:off x="781398" y="0"/>
+            <a:ext cx="133002" cy="1330036"/>
           </a:xfrm>
           <a:prstGeom prst="rect">
             <a:avLst/>
@@ -9414,8 +11101,8 @@
         </p:nvSpPr>
         <p:spPr>
           <a:xfrm>
-            <a:off x="3684289" y="2975956"/>
-            <a:ext cx="1827103" cy="523220"/>
+            <a:off x="1313413" y="374073"/>
+            <a:ext cx="2779928" cy="523220"/>
           </a:xfrm>
           <a:prstGeom prst="rect">
             <a:avLst/>
@@ -9429,9 +11116,10 @@
           <a:lstStyle/>
           <a:p>
             <a:r>
-              <a:rPr lang="en-US" altLang="ko-KR" sz="2800" b="1" dirty="0"/>
-              <a:t>Thank you.</a:t>
-            </a:r>
+              <a:rPr lang="ko-KR" altLang="en-US" sz="2800" b="1" dirty="0"/>
+              <a:t>쇼핑몰 프로젝트</a:t>
+            </a:r>
+            <a:endParaRPr lang="en-US" altLang="ko-KR" sz="2800" b="1" dirty="0"/>
           </a:p>
         </p:txBody>
       </p:sp>
@@ -9443,8 +11131,8 @@
         </p:nvSpPr>
         <p:spPr>
           <a:xfrm>
-            <a:off x="3695091" y="3528970"/>
-            <a:ext cx="2671693" cy="307777"/>
+            <a:off x="1382406" y="843957"/>
+            <a:ext cx="1391022" cy="307777"/>
           </a:xfrm>
           <a:prstGeom prst="rect">
             <a:avLst/>
@@ -9467,7 +11155,7 @@
                 <a:latin typeface="+mj-ea"/>
                 <a:ea typeface="+mj-ea"/>
               </a:rPr>
-              <a:t>Thank you for coming today.</a:t>
+              <a:t>SEARCH PAGE</a:t>
             </a:r>
           </a:p>
         </p:txBody>
@@ -9542,10 +11230,1450 @@
           </a:fontRef>
         </p:style>
       </p:cxnSp>
+      <p:sp>
+        <p:nvSpPr>
+          <p:cNvPr id="26" name="TextBox 25"/>
+          <p:cNvSpPr txBox="1"/>
+          <p:nvPr/>
+        </p:nvSpPr>
+        <p:spPr>
+          <a:xfrm>
+            <a:off x="1855580" y="3528855"/>
+            <a:ext cx="2207657" cy="276999"/>
+          </a:xfrm>
+          <a:prstGeom prst="rect">
+            <a:avLst/>
+          </a:prstGeom>
+          <a:noFill/>
+        </p:spPr>
+        <p:txBody>
+          <a:bodyPr wrap="none" rtlCol="0">
+            <a:spAutoFit/>
+          </a:bodyPr>
+          <a:lstStyle/>
+          <a:p>
+            <a:pPr algn="r"/>
+            <a:r>
+              <a:rPr lang="ko-KR" altLang="en-US" sz="1200" b="1" dirty="0"/>
+              <a:t>검색 결과 및 검색된 상품 확인</a:t>
+            </a:r>
+          </a:p>
+        </p:txBody>
+      </p:sp>
+      <p:sp>
+        <p:nvSpPr>
+          <p:cNvPr id="29" name="TextBox 28"/>
+          <p:cNvSpPr txBox="1"/>
+          <p:nvPr/>
+        </p:nvSpPr>
+        <p:spPr>
+          <a:xfrm>
+            <a:off x="527539" y="4127551"/>
+            <a:ext cx="3515499" cy="1446550"/>
+          </a:xfrm>
+          <a:prstGeom prst="rect">
+            <a:avLst/>
+          </a:prstGeom>
+          <a:noFill/>
+        </p:spPr>
+        <p:txBody>
+          <a:bodyPr wrap="square" rtlCol="0">
+            <a:spAutoFit/>
+          </a:bodyPr>
+          <a:lstStyle/>
+          <a:p>
+            <a:pPr algn="r"/>
+            <a:r>
+              <a:rPr lang="en-US" altLang="ko-KR" sz="1100" dirty="0"/>
+              <a:t>SEARCH </a:t>
+            </a:r>
+            <a:r>
+              <a:rPr lang="ko-KR" altLang="en-US" sz="1100" dirty="0"/>
+              <a:t>페이지는 </a:t>
+            </a:r>
+            <a:r>
+              <a:rPr lang="en-US" altLang="ko-KR" sz="1100" dirty="0"/>
+              <a:t>SIDE MENU</a:t>
+            </a:r>
+            <a:r>
+              <a:rPr lang="ko-KR" altLang="en-US" sz="1100" dirty="0"/>
+              <a:t>를 통해 검색된 상품들을</a:t>
+            </a:r>
+            <a:endParaRPr lang="en-US" altLang="ko-KR" sz="1100" dirty="0"/>
+          </a:p>
+          <a:p>
+            <a:pPr algn="r"/>
+            <a:r>
+              <a:rPr lang="ko-KR" altLang="en-US" sz="1100" dirty="0"/>
+              <a:t>확인 할 수 있는 페이지입니다</a:t>
+            </a:r>
+            <a:r>
+              <a:rPr lang="en-US" altLang="ko-KR" sz="1100" dirty="0"/>
+              <a:t>.</a:t>
+            </a:r>
+          </a:p>
+          <a:p>
+            <a:pPr algn="r"/>
+            <a:r>
+              <a:rPr lang="ko-KR" altLang="en-US" sz="1100" dirty="0"/>
+              <a:t>상단의 찾은 결과를 통해 검색한 값을 보여주며</a:t>
+            </a:r>
+            <a:r>
+              <a:rPr lang="en-US" altLang="ko-KR" sz="1100" dirty="0"/>
+              <a:t>, </a:t>
+            </a:r>
+          </a:p>
+          <a:p>
+            <a:pPr algn="r"/>
+            <a:r>
+              <a:rPr lang="ko-KR" altLang="en-US" sz="1100" dirty="0"/>
+              <a:t>검색된 값에 대한 결과값을 상품으로 보여줍니다</a:t>
+            </a:r>
+            <a:r>
+              <a:rPr lang="en-US" altLang="ko-KR" sz="1100" dirty="0"/>
+              <a:t>.</a:t>
+            </a:r>
+          </a:p>
+          <a:p>
+            <a:pPr algn="r"/>
+            <a:r>
+              <a:rPr lang="en-US" altLang="ko-KR" sz="1100" dirty="0">
+                <a:solidFill>
+                  <a:srgbClr val="FF0000"/>
+                </a:solidFill>
+              </a:rPr>
+              <a:t>MAIN</a:t>
+            </a:r>
+            <a:r>
+              <a:rPr lang="ko-KR" altLang="en-US" sz="1100" dirty="0">
+                <a:solidFill>
+                  <a:srgbClr val="FF0000"/>
+                </a:solidFill>
+              </a:rPr>
+              <a:t>페이지와 마찬가지로 클릭 시 </a:t>
+            </a:r>
+            <a:r>
+              <a:rPr lang="en-US" altLang="ko-KR" sz="1100" dirty="0">
+                <a:solidFill>
+                  <a:srgbClr val="FF0000"/>
+                </a:solidFill>
+              </a:rPr>
+              <a:t>PRODUCT </a:t>
+            </a:r>
+            <a:r>
+              <a:rPr lang="ko-KR" altLang="en-US" sz="1100" dirty="0">
+                <a:solidFill>
+                  <a:srgbClr val="FF0000"/>
+                </a:solidFill>
+              </a:rPr>
+              <a:t>페이지로 넘어가게 됩니다</a:t>
+            </a:r>
+            <a:r>
+              <a:rPr lang="en-US" altLang="ko-KR" sz="1100" dirty="0">
+                <a:solidFill>
+                  <a:srgbClr val="FF0000"/>
+                </a:solidFill>
+              </a:rPr>
+              <a:t>.</a:t>
+            </a:r>
+            <a:r>
+              <a:rPr lang="ko-KR" altLang="en-US" sz="1100" dirty="0">
+                <a:solidFill>
+                  <a:srgbClr val="FF0000"/>
+                </a:solidFill>
+              </a:rPr>
+              <a:t> </a:t>
+            </a:r>
+            <a:r>
+              <a:rPr lang="en-US" altLang="ko-KR" sz="1100" dirty="0">
+                <a:solidFill>
+                  <a:srgbClr val="FF0000"/>
+                </a:solidFill>
+              </a:rPr>
+              <a:t>UI</a:t>
+            </a:r>
+            <a:r>
+              <a:rPr lang="ko-KR" altLang="en-US" sz="1100" dirty="0">
+                <a:solidFill>
+                  <a:srgbClr val="FF0000"/>
+                </a:solidFill>
+              </a:rPr>
+              <a:t>같은 경우 더 많은 상품을 확인 할 수 있도록 </a:t>
+            </a:r>
+            <a:r>
+              <a:rPr lang="en-US" altLang="ko-KR" sz="1100" dirty="0">
+                <a:solidFill>
+                  <a:srgbClr val="FF0000"/>
+                </a:solidFill>
+              </a:rPr>
+              <a:t>4</a:t>
+            </a:r>
+            <a:r>
+              <a:rPr lang="ko-KR" altLang="en-US" sz="1100" dirty="0">
+                <a:solidFill>
+                  <a:srgbClr val="FF0000"/>
+                </a:solidFill>
+              </a:rPr>
+              <a:t>개로 표현을 하였고 바로 확인 할 수 있도록 </a:t>
+            </a:r>
+            <a:r>
+              <a:rPr lang="en-US" altLang="ko-KR" sz="1100" dirty="0">
+                <a:solidFill>
+                  <a:srgbClr val="FF0000"/>
+                </a:solidFill>
+              </a:rPr>
+              <a:t>MAIN</a:t>
+            </a:r>
+            <a:r>
+              <a:rPr lang="ko-KR" altLang="en-US" sz="1100" dirty="0">
+                <a:solidFill>
+                  <a:srgbClr val="FF0000"/>
+                </a:solidFill>
+              </a:rPr>
+              <a:t>페이지의 </a:t>
+            </a:r>
+            <a:r>
+              <a:rPr lang="en-US" altLang="ko-KR" sz="1100" dirty="0">
+                <a:solidFill>
+                  <a:srgbClr val="FF0000"/>
+                </a:solidFill>
+              </a:rPr>
+              <a:t>NEW </a:t>
+            </a:r>
+            <a:r>
+              <a:rPr lang="ko-KR" altLang="en-US" sz="1100" dirty="0">
+                <a:solidFill>
+                  <a:srgbClr val="FF0000"/>
+                </a:solidFill>
+              </a:rPr>
+              <a:t>콘텐츠처럼 설계하였습니다</a:t>
+            </a:r>
+            <a:r>
+              <a:rPr lang="en-US" altLang="ko-KR" sz="1100" dirty="0">
+                <a:solidFill>
+                  <a:srgbClr val="FF0000"/>
+                </a:solidFill>
+              </a:rPr>
+              <a:t>.</a:t>
+            </a:r>
+          </a:p>
+        </p:txBody>
+      </p:sp>
+      <p:sp>
+        <p:nvSpPr>
+          <p:cNvPr id="4" name="직사각형 3"/>
+          <p:cNvSpPr/>
+          <p:nvPr/>
+        </p:nvSpPr>
+        <p:spPr>
+          <a:xfrm>
+            <a:off x="4322416" y="1931762"/>
+            <a:ext cx="4106487" cy="4106487"/>
+          </a:xfrm>
+          <a:prstGeom prst="rect">
+            <a:avLst/>
+          </a:prstGeom>
+          <a:noFill/>
+          <a:ln>
+            <a:solidFill>
+              <a:schemeClr val="bg1">
+                <a:lumMod val="50000"/>
+              </a:schemeClr>
+            </a:solidFill>
+          </a:ln>
+        </p:spPr>
+        <p:style>
+          <a:lnRef idx="2">
+            <a:schemeClr val="accent1">
+              <a:shade val="50000"/>
+            </a:schemeClr>
+          </a:lnRef>
+          <a:fillRef idx="1">
+            <a:schemeClr val="accent1"/>
+          </a:fillRef>
+          <a:effectRef idx="0">
+            <a:schemeClr val="accent1"/>
+          </a:effectRef>
+          <a:fontRef idx="minor">
+            <a:schemeClr val="lt1"/>
+          </a:fontRef>
+        </p:style>
+        <p:txBody>
+          <a:bodyPr rtlCol="0" anchor="ctr"/>
+          <a:lstStyle/>
+          <a:p>
+            <a:pPr algn="ctr"/>
+            <a:endParaRPr lang="ko-KR" altLang="en-US"/>
+          </a:p>
+        </p:txBody>
+      </p:sp>
+      <p:pic>
+        <p:nvPicPr>
+          <p:cNvPr id="3" name="그림 2">
+            <a:extLst>
+              <a:ext uri="{FF2B5EF4-FFF2-40B4-BE49-F238E27FC236}">
+                <a16:creationId xmlns:a16="http://schemas.microsoft.com/office/drawing/2014/main" id="{21EFAFDB-3E0C-417E-AFF6-E37238322152}"/>
+              </a:ext>
+            </a:extLst>
+          </p:cNvPr>
+          <p:cNvPicPr>
+            <a:picLocks noChangeAspect="1"/>
+          </p:cNvPicPr>
+          <p:nvPr/>
+        </p:nvPicPr>
+        <p:blipFill>
+          <a:blip r:embed="rId2"/>
+          <a:stretch>
+            <a:fillRect/>
+          </a:stretch>
+        </p:blipFill>
+        <p:spPr>
+          <a:xfrm>
+            <a:off x="4322415" y="1929937"/>
+            <a:ext cx="4106487" cy="4106473"/>
+          </a:xfrm>
+          <a:prstGeom prst="rect">
+            <a:avLst/>
+          </a:prstGeom>
+        </p:spPr>
+      </p:pic>
     </p:spTree>
     <p:extLst>
       <p:ext uri="{BB962C8B-B14F-4D97-AF65-F5344CB8AC3E}">
-        <p14:creationId xmlns:p14="http://schemas.microsoft.com/office/powerpoint/2010/main" val="2913168480"/>
+        <p14:creationId xmlns:p14="http://schemas.microsoft.com/office/powerpoint/2010/main" val="85965411"/>
+      </p:ext>
+    </p:extLst>
+  </p:cSld>
+  <p:clrMapOvr>
+    <a:masterClrMapping/>
+  </p:clrMapOvr>
+</p:sld>
+</file>
+
+<file path=ppt/slides/slide8.xml><?xml version="1.0" encoding="utf-8"?>
+<p:sld xmlns:a="http://schemas.openxmlformats.org/drawingml/2006/main" xmlns:r="http://schemas.openxmlformats.org/officeDocument/2006/relationships" xmlns:p="http://schemas.openxmlformats.org/presentationml/2006/main">
+  <p:cSld>
+    <p:spTree>
+      <p:nvGrpSpPr>
+        <p:cNvPr id="1" name=""/>
+        <p:cNvGrpSpPr/>
+        <p:nvPr/>
+      </p:nvGrpSpPr>
+      <p:grpSpPr>
+        <a:xfrm>
+          <a:off x="0" y="0"/>
+          <a:ext cx="0" cy="0"/>
+          <a:chOff x="0" y="0"/>
+          <a:chExt cx="0" cy="0"/>
+        </a:xfrm>
+      </p:grpSpPr>
+      <p:cxnSp>
+        <p:nvCxnSpPr>
+          <p:cNvPr id="5" name="직선 연결선 4"/>
+          <p:cNvCxnSpPr/>
+          <p:nvPr/>
+        </p:nvCxnSpPr>
+        <p:spPr>
+          <a:xfrm>
+            <a:off x="0" y="216131"/>
+            <a:ext cx="9144000" cy="0"/>
+          </a:xfrm>
+          <a:prstGeom prst="line">
+            <a:avLst/>
+          </a:prstGeom>
+          <a:ln w="28575">
+            <a:solidFill>
+              <a:schemeClr val="tx1">
+                <a:lumMod val="85000"/>
+                <a:lumOff val="15000"/>
+              </a:schemeClr>
+            </a:solidFill>
+          </a:ln>
+        </p:spPr>
+        <p:style>
+          <a:lnRef idx="1">
+            <a:schemeClr val="accent1"/>
+          </a:lnRef>
+          <a:fillRef idx="0">
+            <a:schemeClr val="accent1"/>
+          </a:fillRef>
+          <a:effectRef idx="0">
+            <a:schemeClr val="accent1"/>
+          </a:effectRef>
+          <a:fontRef idx="minor">
+            <a:schemeClr val="tx1"/>
+          </a:fontRef>
+        </p:style>
+      </p:cxnSp>
+      <p:cxnSp>
+        <p:nvCxnSpPr>
+          <p:cNvPr id="6" name="직선 연결선 5"/>
+          <p:cNvCxnSpPr/>
+          <p:nvPr/>
+        </p:nvCxnSpPr>
+        <p:spPr>
+          <a:xfrm>
+            <a:off x="0" y="6644640"/>
+            <a:ext cx="9144000" cy="0"/>
+          </a:xfrm>
+          <a:prstGeom prst="line">
+            <a:avLst/>
+          </a:prstGeom>
+          <a:ln w="28575">
+            <a:solidFill>
+              <a:schemeClr val="tx1">
+                <a:lumMod val="85000"/>
+                <a:lumOff val="15000"/>
+              </a:schemeClr>
+            </a:solidFill>
+          </a:ln>
+        </p:spPr>
+        <p:style>
+          <a:lnRef idx="1">
+            <a:schemeClr val="accent1"/>
+          </a:lnRef>
+          <a:fillRef idx="0">
+            <a:schemeClr val="accent1"/>
+          </a:fillRef>
+          <a:effectRef idx="0">
+            <a:schemeClr val="accent1"/>
+          </a:effectRef>
+          <a:fontRef idx="minor">
+            <a:schemeClr val="tx1"/>
+          </a:fontRef>
+        </p:style>
+      </p:cxnSp>
+      <p:sp>
+        <p:nvSpPr>
+          <p:cNvPr id="7" name="직사각형 6"/>
+          <p:cNvSpPr/>
+          <p:nvPr/>
+        </p:nvSpPr>
+        <p:spPr>
+          <a:xfrm>
+            <a:off x="781398" y="0"/>
+            <a:ext cx="133002" cy="1330036"/>
+          </a:xfrm>
+          <a:prstGeom prst="rect">
+            <a:avLst/>
+          </a:prstGeom>
+          <a:solidFill>
+            <a:schemeClr val="tx1">
+              <a:lumMod val="85000"/>
+              <a:lumOff val="15000"/>
+            </a:schemeClr>
+          </a:solidFill>
+          <a:ln>
+            <a:noFill/>
+          </a:ln>
+        </p:spPr>
+        <p:style>
+          <a:lnRef idx="2">
+            <a:schemeClr val="accent1">
+              <a:shade val="50000"/>
+            </a:schemeClr>
+          </a:lnRef>
+          <a:fillRef idx="1">
+            <a:schemeClr val="accent1"/>
+          </a:fillRef>
+          <a:effectRef idx="0">
+            <a:schemeClr val="accent1"/>
+          </a:effectRef>
+          <a:fontRef idx="minor">
+            <a:schemeClr val="lt1"/>
+          </a:fontRef>
+        </p:style>
+        <p:txBody>
+          <a:bodyPr rtlCol="0" anchor="ctr"/>
+          <a:lstStyle/>
+          <a:p>
+            <a:pPr algn="ctr"/>
+            <a:endParaRPr lang="ko-KR" altLang="en-US"/>
+          </a:p>
+        </p:txBody>
+      </p:sp>
+      <p:sp>
+        <p:nvSpPr>
+          <p:cNvPr id="8" name="TextBox 7"/>
+          <p:cNvSpPr txBox="1"/>
+          <p:nvPr/>
+        </p:nvSpPr>
+        <p:spPr>
+          <a:xfrm>
+            <a:off x="1313413" y="374073"/>
+            <a:ext cx="2779928" cy="523220"/>
+          </a:xfrm>
+          <a:prstGeom prst="rect">
+            <a:avLst/>
+          </a:prstGeom>
+          <a:noFill/>
+        </p:spPr>
+        <p:txBody>
+          <a:bodyPr wrap="none" rtlCol="0">
+            <a:spAutoFit/>
+          </a:bodyPr>
+          <a:lstStyle/>
+          <a:p>
+            <a:r>
+              <a:rPr lang="ko-KR" altLang="en-US" sz="2800" b="1" dirty="0"/>
+              <a:t>쇼핑몰 프로젝트</a:t>
+            </a:r>
+            <a:endParaRPr lang="en-US" altLang="ko-KR" sz="2800" b="1" dirty="0"/>
+          </a:p>
+        </p:txBody>
+      </p:sp>
+      <p:sp>
+        <p:nvSpPr>
+          <p:cNvPr id="9" name="TextBox 8"/>
+          <p:cNvSpPr txBox="1"/>
+          <p:nvPr/>
+        </p:nvSpPr>
+        <p:spPr>
+          <a:xfrm>
+            <a:off x="1382406" y="843957"/>
+            <a:ext cx="2456826" cy="307777"/>
+          </a:xfrm>
+          <a:prstGeom prst="rect">
+            <a:avLst/>
+          </a:prstGeom>
+          <a:noFill/>
+        </p:spPr>
+        <p:txBody>
+          <a:bodyPr wrap="none" rtlCol="0">
+            <a:spAutoFit/>
+          </a:bodyPr>
+          <a:lstStyle/>
+          <a:p>
+            <a:r>
+              <a:rPr lang="en-US" altLang="ko-KR" sz="1400" b="1" dirty="0">
+                <a:solidFill>
+                  <a:schemeClr val="bg1">
+                    <a:lumMod val="50000"/>
+                  </a:schemeClr>
+                </a:solidFill>
+                <a:latin typeface="+mj-ea"/>
+                <a:ea typeface="+mj-ea"/>
+              </a:rPr>
+              <a:t>LOGIN PAGE &amp; JOIN PAGE</a:t>
+            </a:r>
+          </a:p>
+        </p:txBody>
+      </p:sp>
+      <p:cxnSp>
+        <p:nvCxnSpPr>
+          <p:cNvPr id="12" name="직선 연결선 11"/>
+          <p:cNvCxnSpPr/>
+          <p:nvPr/>
+        </p:nvCxnSpPr>
+        <p:spPr>
+          <a:xfrm>
+            <a:off x="157942" y="0"/>
+            <a:ext cx="0" cy="6858000"/>
+          </a:xfrm>
+          <a:prstGeom prst="line">
+            <a:avLst/>
+          </a:prstGeom>
+          <a:ln w="28575">
+            <a:solidFill>
+              <a:schemeClr val="tx1"/>
+            </a:solidFill>
+          </a:ln>
+        </p:spPr>
+        <p:style>
+          <a:lnRef idx="1">
+            <a:schemeClr val="accent1"/>
+          </a:lnRef>
+          <a:fillRef idx="0">
+            <a:schemeClr val="accent1"/>
+          </a:fillRef>
+          <a:effectRef idx="0">
+            <a:schemeClr val="accent1"/>
+          </a:effectRef>
+          <a:fontRef idx="minor">
+            <a:schemeClr val="tx1"/>
+          </a:fontRef>
+        </p:style>
+      </p:cxnSp>
+      <p:cxnSp>
+        <p:nvCxnSpPr>
+          <p:cNvPr id="11" name="직선 연결선 10"/>
+          <p:cNvCxnSpPr/>
+          <p:nvPr/>
+        </p:nvCxnSpPr>
+        <p:spPr>
+          <a:xfrm>
+            <a:off x="8947265" y="0"/>
+            <a:ext cx="0" cy="6858000"/>
+          </a:xfrm>
+          <a:prstGeom prst="line">
+            <a:avLst/>
+          </a:prstGeom>
+          <a:ln w="28575">
+            <a:solidFill>
+              <a:schemeClr val="tx1"/>
+            </a:solidFill>
+          </a:ln>
+        </p:spPr>
+        <p:style>
+          <a:lnRef idx="1">
+            <a:schemeClr val="accent1"/>
+          </a:lnRef>
+          <a:fillRef idx="0">
+            <a:schemeClr val="accent1"/>
+          </a:fillRef>
+          <a:effectRef idx="0">
+            <a:schemeClr val="accent1"/>
+          </a:effectRef>
+          <a:fontRef idx="minor">
+            <a:schemeClr val="tx1"/>
+          </a:fontRef>
+        </p:style>
+      </p:cxnSp>
+      <p:sp>
+        <p:nvSpPr>
+          <p:cNvPr id="26" name="TextBox 25"/>
+          <p:cNvSpPr txBox="1"/>
+          <p:nvPr/>
+        </p:nvSpPr>
+        <p:spPr>
+          <a:xfrm>
+            <a:off x="1583071" y="3528855"/>
+            <a:ext cx="2480166" cy="276999"/>
+          </a:xfrm>
+          <a:prstGeom prst="rect">
+            <a:avLst/>
+          </a:prstGeom>
+          <a:noFill/>
+        </p:spPr>
+        <p:txBody>
+          <a:bodyPr wrap="none" rtlCol="0">
+            <a:spAutoFit/>
+          </a:bodyPr>
+          <a:lstStyle/>
+          <a:p>
+            <a:pPr algn="r"/>
+            <a:r>
+              <a:rPr lang="ko-KR" altLang="en-US" sz="1200" b="1" dirty="0"/>
+              <a:t>로그인 페이지 및 회원가입 페이지</a:t>
+            </a:r>
+          </a:p>
+        </p:txBody>
+      </p:sp>
+      <p:sp>
+        <p:nvSpPr>
+          <p:cNvPr id="29" name="TextBox 28"/>
+          <p:cNvSpPr txBox="1"/>
+          <p:nvPr/>
+        </p:nvSpPr>
+        <p:spPr>
+          <a:xfrm>
+            <a:off x="527539" y="4127551"/>
+            <a:ext cx="3515499" cy="430887"/>
+          </a:xfrm>
+          <a:prstGeom prst="rect">
+            <a:avLst/>
+          </a:prstGeom>
+          <a:noFill/>
+        </p:spPr>
+        <p:txBody>
+          <a:bodyPr wrap="square" rtlCol="0">
+            <a:spAutoFit/>
+          </a:bodyPr>
+          <a:lstStyle/>
+          <a:p>
+            <a:pPr algn="r"/>
+            <a:r>
+              <a:rPr lang="ko-KR" altLang="en-US" sz="1100" dirty="0"/>
+              <a:t>현재</a:t>
+            </a:r>
+            <a:r>
+              <a:rPr lang="en-US" altLang="ko-KR" sz="1100" dirty="0"/>
+              <a:t> </a:t>
+            </a:r>
+            <a:r>
+              <a:rPr lang="ko-KR" altLang="en-US" sz="1100" dirty="0"/>
+              <a:t>로그인 페이지와 회원가입 페이지는 미 구현 페이지이며</a:t>
+            </a:r>
+            <a:r>
+              <a:rPr lang="en-US" altLang="ko-KR" sz="1100" dirty="0"/>
+              <a:t>, UI</a:t>
+            </a:r>
+            <a:r>
+              <a:rPr lang="ko-KR" altLang="en-US" sz="1100" dirty="0"/>
+              <a:t>만 작성해 놓은 상태입니다</a:t>
+            </a:r>
+            <a:r>
+              <a:rPr lang="en-US" altLang="ko-KR" sz="1100" dirty="0"/>
+              <a:t>.</a:t>
+            </a:r>
+            <a:endParaRPr lang="en-US" altLang="ko-KR" sz="1100" dirty="0">
+              <a:solidFill>
+                <a:srgbClr val="FF0000"/>
+              </a:solidFill>
+            </a:endParaRPr>
+          </a:p>
+        </p:txBody>
+      </p:sp>
+      <p:sp>
+        <p:nvSpPr>
+          <p:cNvPr id="4" name="직사각형 3"/>
+          <p:cNvSpPr/>
+          <p:nvPr/>
+        </p:nvSpPr>
+        <p:spPr>
+          <a:xfrm>
+            <a:off x="4322416" y="1931762"/>
+            <a:ext cx="4106487" cy="4106487"/>
+          </a:xfrm>
+          <a:prstGeom prst="rect">
+            <a:avLst/>
+          </a:prstGeom>
+          <a:noFill/>
+          <a:ln>
+            <a:solidFill>
+              <a:schemeClr val="bg1">
+                <a:lumMod val="50000"/>
+              </a:schemeClr>
+            </a:solidFill>
+          </a:ln>
+        </p:spPr>
+        <p:style>
+          <a:lnRef idx="2">
+            <a:schemeClr val="accent1">
+              <a:shade val="50000"/>
+            </a:schemeClr>
+          </a:lnRef>
+          <a:fillRef idx="1">
+            <a:schemeClr val="accent1"/>
+          </a:fillRef>
+          <a:effectRef idx="0">
+            <a:schemeClr val="accent1"/>
+          </a:effectRef>
+          <a:fontRef idx="minor">
+            <a:schemeClr val="lt1"/>
+          </a:fontRef>
+        </p:style>
+        <p:txBody>
+          <a:bodyPr rtlCol="0" anchor="ctr"/>
+          <a:lstStyle/>
+          <a:p>
+            <a:pPr algn="ctr"/>
+            <a:endParaRPr lang="ko-KR" altLang="en-US"/>
+          </a:p>
+        </p:txBody>
+      </p:sp>
+      <p:pic>
+        <p:nvPicPr>
+          <p:cNvPr id="10" name="그림 9">
+            <a:extLst>
+              <a:ext uri="{FF2B5EF4-FFF2-40B4-BE49-F238E27FC236}">
+                <a16:creationId xmlns:a16="http://schemas.microsoft.com/office/drawing/2014/main" id="{4E3A51D4-8331-4ECD-B463-EB28CF19F602}"/>
+              </a:ext>
+            </a:extLst>
+          </p:cNvPr>
+          <p:cNvPicPr>
+            <a:picLocks noChangeAspect="1"/>
+          </p:cNvPicPr>
+          <p:nvPr/>
+        </p:nvPicPr>
+        <p:blipFill>
+          <a:blip r:embed="rId2"/>
+          <a:stretch>
+            <a:fillRect/>
+          </a:stretch>
+        </p:blipFill>
+        <p:spPr>
+          <a:xfrm>
+            <a:off x="4322415" y="1931762"/>
+            <a:ext cx="2268883" cy="4106486"/>
+          </a:xfrm>
+          <a:prstGeom prst="rect">
+            <a:avLst/>
+          </a:prstGeom>
+        </p:spPr>
+      </p:pic>
+      <p:pic>
+        <p:nvPicPr>
+          <p:cNvPr id="14" name="그림 13">
+            <a:extLst>
+              <a:ext uri="{FF2B5EF4-FFF2-40B4-BE49-F238E27FC236}">
+                <a16:creationId xmlns:a16="http://schemas.microsoft.com/office/drawing/2014/main" id="{04319AA8-72AA-4F6F-B61E-D8EEB76437E3}"/>
+              </a:ext>
+            </a:extLst>
+          </p:cNvPr>
+          <p:cNvPicPr>
+            <a:picLocks noChangeAspect="1"/>
+          </p:cNvPicPr>
+          <p:nvPr/>
+        </p:nvPicPr>
+        <p:blipFill>
+          <a:blip r:embed="rId3"/>
+          <a:stretch>
+            <a:fillRect/>
+          </a:stretch>
+        </p:blipFill>
+        <p:spPr>
+          <a:xfrm>
+            <a:off x="6489707" y="1931760"/>
+            <a:ext cx="1939192" cy="4106487"/>
+          </a:xfrm>
+          <a:prstGeom prst="rect">
+            <a:avLst/>
+          </a:prstGeom>
+        </p:spPr>
+      </p:pic>
+    </p:spTree>
+    <p:extLst>
+      <p:ext uri="{BB962C8B-B14F-4D97-AF65-F5344CB8AC3E}">
+        <p14:creationId xmlns:p14="http://schemas.microsoft.com/office/powerpoint/2010/main" val="2904370064"/>
+      </p:ext>
+    </p:extLst>
+  </p:cSld>
+  <p:clrMapOvr>
+    <a:masterClrMapping/>
+  </p:clrMapOvr>
+</p:sld>
+</file>
+
+<file path=ppt/slides/slide9.xml><?xml version="1.0" encoding="utf-8"?>
+<p:sld xmlns:a="http://schemas.openxmlformats.org/drawingml/2006/main" xmlns:r="http://schemas.openxmlformats.org/officeDocument/2006/relationships" xmlns:p="http://schemas.openxmlformats.org/presentationml/2006/main">
+  <p:cSld>
+    <p:spTree>
+      <p:nvGrpSpPr>
+        <p:cNvPr id="1" name=""/>
+        <p:cNvGrpSpPr/>
+        <p:nvPr/>
+      </p:nvGrpSpPr>
+      <p:grpSpPr>
+        <a:xfrm>
+          <a:off x="0" y="0"/>
+          <a:ext cx="0" cy="0"/>
+          <a:chOff x="0" y="0"/>
+          <a:chExt cx="0" cy="0"/>
+        </a:xfrm>
+      </p:grpSpPr>
+      <p:cxnSp>
+        <p:nvCxnSpPr>
+          <p:cNvPr id="5" name="직선 연결선 4"/>
+          <p:cNvCxnSpPr/>
+          <p:nvPr/>
+        </p:nvCxnSpPr>
+        <p:spPr>
+          <a:xfrm>
+            <a:off x="0" y="216131"/>
+            <a:ext cx="9144000" cy="0"/>
+          </a:xfrm>
+          <a:prstGeom prst="line">
+            <a:avLst/>
+          </a:prstGeom>
+          <a:ln w="28575">
+            <a:solidFill>
+              <a:schemeClr val="tx1">
+                <a:lumMod val="85000"/>
+                <a:lumOff val="15000"/>
+              </a:schemeClr>
+            </a:solidFill>
+          </a:ln>
+        </p:spPr>
+        <p:style>
+          <a:lnRef idx="1">
+            <a:schemeClr val="accent1"/>
+          </a:lnRef>
+          <a:fillRef idx="0">
+            <a:schemeClr val="accent1"/>
+          </a:fillRef>
+          <a:effectRef idx="0">
+            <a:schemeClr val="accent1"/>
+          </a:effectRef>
+          <a:fontRef idx="minor">
+            <a:schemeClr val="tx1"/>
+          </a:fontRef>
+        </p:style>
+      </p:cxnSp>
+      <p:cxnSp>
+        <p:nvCxnSpPr>
+          <p:cNvPr id="6" name="직선 연결선 5"/>
+          <p:cNvCxnSpPr/>
+          <p:nvPr/>
+        </p:nvCxnSpPr>
+        <p:spPr>
+          <a:xfrm>
+            <a:off x="0" y="6644640"/>
+            <a:ext cx="9144000" cy="0"/>
+          </a:xfrm>
+          <a:prstGeom prst="line">
+            <a:avLst/>
+          </a:prstGeom>
+          <a:ln w="28575">
+            <a:solidFill>
+              <a:schemeClr val="tx1">
+                <a:lumMod val="85000"/>
+                <a:lumOff val="15000"/>
+              </a:schemeClr>
+            </a:solidFill>
+          </a:ln>
+        </p:spPr>
+        <p:style>
+          <a:lnRef idx="1">
+            <a:schemeClr val="accent1"/>
+          </a:lnRef>
+          <a:fillRef idx="0">
+            <a:schemeClr val="accent1"/>
+          </a:fillRef>
+          <a:effectRef idx="0">
+            <a:schemeClr val="accent1"/>
+          </a:effectRef>
+          <a:fontRef idx="minor">
+            <a:schemeClr val="tx1"/>
+          </a:fontRef>
+        </p:style>
+      </p:cxnSp>
+      <p:sp>
+        <p:nvSpPr>
+          <p:cNvPr id="7" name="직사각형 6"/>
+          <p:cNvSpPr/>
+          <p:nvPr/>
+        </p:nvSpPr>
+        <p:spPr>
+          <a:xfrm>
+            <a:off x="781398" y="0"/>
+            <a:ext cx="133002" cy="1330036"/>
+          </a:xfrm>
+          <a:prstGeom prst="rect">
+            <a:avLst/>
+          </a:prstGeom>
+          <a:solidFill>
+            <a:schemeClr val="tx1">
+              <a:lumMod val="85000"/>
+              <a:lumOff val="15000"/>
+            </a:schemeClr>
+          </a:solidFill>
+          <a:ln>
+            <a:noFill/>
+          </a:ln>
+        </p:spPr>
+        <p:style>
+          <a:lnRef idx="2">
+            <a:schemeClr val="accent1">
+              <a:shade val="50000"/>
+            </a:schemeClr>
+          </a:lnRef>
+          <a:fillRef idx="1">
+            <a:schemeClr val="accent1"/>
+          </a:fillRef>
+          <a:effectRef idx="0">
+            <a:schemeClr val="accent1"/>
+          </a:effectRef>
+          <a:fontRef idx="minor">
+            <a:schemeClr val="lt1"/>
+          </a:fontRef>
+        </p:style>
+        <p:txBody>
+          <a:bodyPr rtlCol="0" anchor="ctr"/>
+          <a:lstStyle/>
+          <a:p>
+            <a:pPr algn="ctr"/>
+            <a:endParaRPr lang="ko-KR" altLang="en-US"/>
+          </a:p>
+        </p:txBody>
+      </p:sp>
+      <p:sp>
+        <p:nvSpPr>
+          <p:cNvPr id="8" name="TextBox 7"/>
+          <p:cNvSpPr txBox="1"/>
+          <p:nvPr/>
+        </p:nvSpPr>
+        <p:spPr>
+          <a:xfrm>
+            <a:off x="1313413" y="374073"/>
+            <a:ext cx="2779928" cy="523220"/>
+          </a:xfrm>
+          <a:prstGeom prst="rect">
+            <a:avLst/>
+          </a:prstGeom>
+          <a:noFill/>
+        </p:spPr>
+        <p:txBody>
+          <a:bodyPr wrap="none" rtlCol="0">
+            <a:spAutoFit/>
+          </a:bodyPr>
+          <a:lstStyle/>
+          <a:p>
+            <a:r>
+              <a:rPr lang="ko-KR" altLang="en-US" sz="2800" b="1" dirty="0"/>
+              <a:t>쇼핑몰 프로젝트</a:t>
+            </a:r>
+            <a:endParaRPr lang="en-US" altLang="ko-KR" sz="2800" b="1" dirty="0"/>
+          </a:p>
+        </p:txBody>
+      </p:sp>
+      <p:sp>
+        <p:nvSpPr>
+          <p:cNvPr id="9" name="TextBox 8"/>
+          <p:cNvSpPr txBox="1"/>
+          <p:nvPr/>
+        </p:nvSpPr>
+        <p:spPr>
+          <a:xfrm>
+            <a:off x="1382406" y="843957"/>
+            <a:ext cx="1178528" cy="307777"/>
+          </a:xfrm>
+          <a:prstGeom prst="rect">
+            <a:avLst/>
+          </a:prstGeom>
+          <a:noFill/>
+        </p:spPr>
+        <p:txBody>
+          <a:bodyPr wrap="none" rtlCol="0">
+            <a:spAutoFit/>
+          </a:bodyPr>
+          <a:lstStyle/>
+          <a:p>
+            <a:r>
+              <a:rPr lang="en-US" altLang="ko-KR" sz="1400" b="1" dirty="0">
+                <a:solidFill>
+                  <a:schemeClr val="bg1">
+                    <a:lumMod val="50000"/>
+                  </a:schemeClr>
+                </a:solidFill>
+                <a:latin typeface="+mj-ea"/>
+                <a:ea typeface="+mj-ea"/>
+              </a:rPr>
+              <a:t>SIDE MENU</a:t>
+            </a:r>
+          </a:p>
+        </p:txBody>
+      </p:sp>
+      <p:cxnSp>
+        <p:nvCxnSpPr>
+          <p:cNvPr id="12" name="직선 연결선 11"/>
+          <p:cNvCxnSpPr/>
+          <p:nvPr/>
+        </p:nvCxnSpPr>
+        <p:spPr>
+          <a:xfrm>
+            <a:off x="157942" y="0"/>
+            <a:ext cx="0" cy="6858000"/>
+          </a:xfrm>
+          <a:prstGeom prst="line">
+            <a:avLst/>
+          </a:prstGeom>
+          <a:ln w="28575">
+            <a:solidFill>
+              <a:schemeClr val="tx1"/>
+            </a:solidFill>
+          </a:ln>
+        </p:spPr>
+        <p:style>
+          <a:lnRef idx="1">
+            <a:schemeClr val="accent1"/>
+          </a:lnRef>
+          <a:fillRef idx="0">
+            <a:schemeClr val="accent1"/>
+          </a:fillRef>
+          <a:effectRef idx="0">
+            <a:schemeClr val="accent1"/>
+          </a:effectRef>
+          <a:fontRef idx="minor">
+            <a:schemeClr val="tx1"/>
+          </a:fontRef>
+        </p:style>
+      </p:cxnSp>
+      <p:cxnSp>
+        <p:nvCxnSpPr>
+          <p:cNvPr id="11" name="직선 연결선 10"/>
+          <p:cNvCxnSpPr/>
+          <p:nvPr/>
+        </p:nvCxnSpPr>
+        <p:spPr>
+          <a:xfrm>
+            <a:off x="8947265" y="0"/>
+            <a:ext cx="0" cy="6858000"/>
+          </a:xfrm>
+          <a:prstGeom prst="line">
+            <a:avLst/>
+          </a:prstGeom>
+          <a:ln w="28575">
+            <a:solidFill>
+              <a:schemeClr val="tx1"/>
+            </a:solidFill>
+          </a:ln>
+        </p:spPr>
+        <p:style>
+          <a:lnRef idx="1">
+            <a:schemeClr val="accent1"/>
+          </a:lnRef>
+          <a:fillRef idx="0">
+            <a:schemeClr val="accent1"/>
+          </a:fillRef>
+          <a:effectRef idx="0">
+            <a:schemeClr val="accent1"/>
+          </a:effectRef>
+          <a:fontRef idx="minor">
+            <a:schemeClr val="tx1"/>
+          </a:fontRef>
+        </p:style>
+      </p:cxnSp>
+      <p:sp>
+        <p:nvSpPr>
+          <p:cNvPr id="26" name="TextBox 25"/>
+          <p:cNvSpPr txBox="1"/>
+          <p:nvPr/>
+        </p:nvSpPr>
+        <p:spPr>
+          <a:xfrm>
+            <a:off x="2352511" y="3528855"/>
+            <a:ext cx="1710726" cy="276999"/>
+          </a:xfrm>
+          <a:prstGeom prst="rect">
+            <a:avLst/>
+          </a:prstGeom>
+          <a:noFill/>
+        </p:spPr>
+        <p:txBody>
+          <a:bodyPr wrap="none" rtlCol="0">
+            <a:spAutoFit/>
+          </a:bodyPr>
+          <a:lstStyle/>
+          <a:p>
+            <a:pPr algn="r"/>
+            <a:r>
+              <a:rPr lang="ko-KR" altLang="en-US" sz="1200" b="1" dirty="0"/>
+              <a:t>모든 메뉴 및 검색 기능</a:t>
+            </a:r>
+          </a:p>
+        </p:txBody>
+      </p:sp>
+      <p:sp>
+        <p:nvSpPr>
+          <p:cNvPr id="29" name="TextBox 28"/>
+          <p:cNvSpPr txBox="1"/>
+          <p:nvPr/>
+        </p:nvSpPr>
+        <p:spPr>
+          <a:xfrm>
+            <a:off x="527539" y="4127551"/>
+            <a:ext cx="3515499" cy="1446550"/>
+          </a:xfrm>
+          <a:prstGeom prst="rect">
+            <a:avLst/>
+          </a:prstGeom>
+          <a:noFill/>
+        </p:spPr>
+        <p:txBody>
+          <a:bodyPr wrap="square" rtlCol="0">
+            <a:spAutoFit/>
+          </a:bodyPr>
+          <a:lstStyle/>
+          <a:p>
+            <a:pPr algn="r"/>
+            <a:r>
+              <a:rPr lang="en-US" altLang="ko-KR" sz="1100" dirty="0"/>
+              <a:t>SIDE </a:t>
+            </a:r>
+            <a:r>
+              <a:rPr lang="ko-KR" altLang="en-US" sz="1100" dirty="0"/>
+              <a:t>메뉴는 모든 메뉴와 검색창을 구현해 놓은 </a:t>
+            </a:r>
+            <a:r>
+              <a:rPr lang="en-US" altLang="ko-KR" sz="1100" dirty="0"/>
+              <a:t>MENU</a:t>
+            </a:r>
+            <a:r>
+              <a:rPr lang="ko-KR" altLang="en-US" sz="1100" dirty="0"/>
+              <a:t>입니다</a:t>
+            </a:r>
+            <a:r>
+              <a:rPr lang="en-US" altLang="ko-KR" sz="1100" dirty="0"/>
+              <a:t>. </a:t>
+            </a:r>
+          </a:p>
+          <a:p>
+            <a:pPr algn="r"/>
+            <a:r>
+              <a:rPr lang="ko-KR" altLang="en-US" sz="1100" dirty="0"/>
+              <a:t>클릭을 통해 해당 페이지로 이동을 할 수 있습니다</a:t>
+            </a:r>
+            <a:r>
+              <a:rPr lang="en-US" altLang="ko-KR" sz="1100" dirty="0"/>
+              <a:t>.</a:t>
+            </a:r>
+          </a:p>
+          <a:p>
+            <a:pPr algn="r"/>
+            <a:r>
+              <a:rPr lang="ko-KR" altLang="en-US" sz="1100" dirty="0"/>
+              <a:t>검색창을 통해 검색을 할 수 있습니다</a:t>
+            </a:r>
+            <a:r>
+              <a:rPr lang="en-US" altLang="ko-KR" sz="1100" dirty="0"/>
+              <a:t>. </a:t>
+            </a:r>
+            <a:r>
+              <a:rPr lang="ko-KR" altLang="en-US" sz="1100" dirty="0"/>
+              <a:t>이때  추천 검색이 나타나며</a:t>
+            </a:r>
+            <a:r>
+              <a:rPr lang="en-US" altLang="ko-KR" sz="1100" dirty="0"/>
+              <a:t>, </a:t>
+            </a:r>
+            <a:r>
+              <a:rPr lang="ko-KR" altLang="en-US" sz="1100" dirty="0"/>
+              <a:t>방향키</a:t>
+            </a:r>
+            <a:r>
+              <a:rPr lang="en-US" altLang="ko-KR" sz="1100" dirty="0"/>
+              <a:t>(</a:t>
+            </a:r>
+            <a:r>
+              <a:rPr lang="ko-KR" altLang="en-US" sz="1100" dirty="0"/>
+              <a:t>↑</a:t>
+            </a:r>
+            <a:r>
+              <a:rPr lang="en-US" altLang="ko-KR" sz="1100" dirty="0"/>
+              <a:t>, </a:t>
+            </a:r>
+            <a:r>
+              <a:rPr lang="ko-KR" altLang="en-US" sz="1100" dirty="0"/>
+              <a:t>↓</a:t>
+            </a:r>
+            <a:r>
+              <a:rPr lang="en-US" altLang="ko-KR" sz="1100" dirty="0"/>
+              <a:t>)</a:t>
+            </a:r>
+            <a:r>
+              <a:rPr lang="ko-KR" altLang="en-US" sz="1100" dirty="0"/>
+              <a:t>로 이동 및 </a:t>
+            </a:r>
+            <a:r>
+              <a:rPr lang="en-US" altLang="ko-KR" sz="1100" dirty="0"/>
+              <a:t>ENTER </a:t>
+            </a:r>
+            <a:r>
+              <a:rPr lang="ko-KR" altLang="en-US" sz="1100" dirty="0"/>
+              <a:t>키로 페이지 이동이 가능합니다</a:t>
+            </a:r>
+            <a:r>
+              <a:rPr lang="en-US" altLang="ko-KR" sz="1100" dirty="0"/>
+              <a:t>.</a:t>
+            </a:r>
+          </a:p>
+          <a:p>
+            <a:pPr algn="r"/>
+            <a:r>
+              <a:rPr lang="en-US" altLang="ko-KR" sz="1100" dirty="0">
+                <a:solidFill>
+                  <a:srgbClr val="FF0000"/>
+                </a:solidFill>
+              </a:rPr>
+              <a:t>LOGO(</a:t>
+            </a:r>
+            <a:r>
+              <a:rPr lang="ko-KR" altLang="en-US" sz="1100" dirty="0" err="1">
+                <a:solidFill>
+                  <a:srgbClr val="FF0000"/>
+                </a:solidFill>
+              </a:rPr>
+              <a:t>옷파는집</a:t>
+            </a:r>
+            <a:r>
+              <a:rPr lang="en-US" altLang="ko-KR" sz="1100" dirty="0">
+                <a:solidFill>
+                  <a:srgbClr val="FF0000"/>
+                </a:solidFill>
+              </a:rPr>
+              <a:t>), LOGIN,</a:t>
+            </a:r>
+            <a:r>
+              <a:rPr lang="ko-KR" altLang="en-US" sz="1100" dirty="0">
+                <a:solidFill>
+                  <a:srgbClr val="FF0000"/>
+                </a:solidFill>
+              </a:rPr>
+              <a:t> </a:t>
+            </a:r>
+            <a:r>
+              <a:rPr lang="en-US" altLang="ko-KR" sz="1100" dirty="0">
+                <a:solidFill>
+                  <a:srgbClr val="FF0000"/>
+                </a:solidFill>
+              </a:rPr>
+              <a:t>JOIN,</a:t>
+            </a:r>
+            <a:r>
+              <a:rPr lang="ko-KR" altLang="en-US" sz="1100" dirty="0">
+                <a:solidFill>
+                  <a:srgbClr val="FF0000"/>
+                </a:solidFill>
+              </a:rPr>
+              <a:t> </a:t>
+            </a:r>
+            <a:r>
+              <a:rPr lang="en-US" altLang="ko-KR" sz="1100" dirty="0">
+                <a:solidFill>
+                  <a:srgbClr val="FF0000"/>
+                </a:solidFill>
+              </a:rPr>
+              <a:t>CART, SEARCH</a:t>
+            </a:r>
+            <a:r>
+              <a:rPr lang="ko-KR" altLang="en-US" sz="1100" dirty="0">
+                <a:solidFill>
+                  <a:srgbClr val="FF0000"/>
+                </a:solidFill>
+              </a:rPr>
+              <a:t>를 제외한 모든 메뉴는 미 구현 상태입니다</a:t>
+            </a:r>
+            <a:r>
+              <a:rPr lang="en-US" altLang="ko-KR" sz="1100" dirty="0">
+                <a:solidFill>
+                  <a:srgbClr val="FF0000"/>
+                </a:solidFill>
+              </a:rPr>
+              <a:t>.</a:t>
+            </a:r>
+            <a:endParaRPr lang="ko-KR" altLang="en-US" sz="1100" dirty="0">
+              <a:solidFill>
+                <a:srgbClr val="FF0000"/>
+              </a:solidFill>
+            </a:endParaRPr>
+          </a:p>
+        </p:txBody>
+      </p:sp>
+      <p:sp>
+        <p:nvSpPr>
+          <p:cNvPr id="4" name="직사각형 3"/>
+          <p:cNvSpPr/>
+          <p:nvPr/>
+        </p:nvSpPr>
+        <p:spPr>
+          <a:xfrm>
+            <a:off x="4322416" y="1931762"/>
+            <a:ext cx="4106487" cy="4106487"/>
+          </a:xfrm>
+          <a:prstGeom prst="rect">
+            <a:avLst/>
+          </a:prstGeom>
+          <a:noFill/>
+          <a:ln>
+            <a:solidFill>
+              <a:schemeClr val="bg1">
+                <a:lumMod val="50000"/>
+              </a:schemeClr>
+            </a:solidFill>
+          </a:ln>
+        </p:spPr>
+        <p:style>
+          <a:lnRef idx="2">
+            <a:schemeClr val="accent1">
+              <a:shade val="50000"/>
+            </a:schemeClr>
+          </a:lnRef>
+          <a:fillRef idx="1">
+            <a:schemeClr val="accent1"/>
+          </a:fillRef>
+          <a:effectRef idx="0">
+            <a:schemeClr val="accent1"/>
+          </a:effectRef>
+          <a:fontRef idx="minor">
+            <a:schemeClr val="lt1"/>
+          </a:fontRef>
+        </p:style>
+        <p:txBody>
+          <a:bodyPr rtlCol="0" anchor="ctr"/>
+          <a:lstStyle/>
+          <a:p>
+            <a:pPr algn="ctr"/>
+            <a:endParaRPr lang="ko-KR" altLang="en-US"/>
+          </a:p>
+        </p:txBody>
+      </p:sp>
+      <p:pic>
+        <p:nvPicPr>
+          <p:cNvPr id="15" name="그림 14">
+            <a:extLst>
+              <a:ext uri="{FF2B5EF4-FFF2-40B4-BE49-F238E27FC236}">
+                <a16:creationId xmlns:a16="http://schemas.microsoft.com/office/drawing/2014/main" id="{46EAE7D4-7BC2-4DE5-95D7-389F496996B2}"/>
+              </a:ext>
+            </a:extLst>
+          </p:cNvPr>
+          <p:cNvPicPr>
+            <a:picLocks noChangeAspect="1"/>
+          </p:cNvPicPr>
+          <p:nvPr/>
+        </p:nvPicPr>
+        <p:blipFill>
+          <a:blip r:embed="rId2"/>
+          <a:stretch>
+            <a:fillRect/>
+          </a:stretch>
+        </p:blipFill>
+        <p:spPr>
+          <a:xfrm>
+            <a:off x="4322416" y="1931762"/>
+            <a:ext cx="2256215" cy="4106486"/>
+          </a:xfrm>
+          <a:prstGeom prst="rect">
+            <a:avLst/>
+          </a:prstGeom>
+        </p:spPr>
+      </p:pic>
+      <p:sp>
+        <p:nvSpPr>
+          <p:cNvPr id="16" name="직사각형 15">
+            <a:extLst>
+              <a:ext uri="{FF2B5EF4-FFF2-40B4-BE49-F238E27FC236}">
+                <a16:creationId xmlns:a16="http://schemas.microsoft.com/office/drawing/2014/main" id="{D811B66D-871D-485D-B0C8-2B4C546E7BFD}"/>
+              </a:ext>
+            </a:extLst>
+          </p:cNvPr>
+          <p:cNvSpPr/>
+          <p:nvPr/>
+        </p:nvSpPr>
+        <p:spPr>
+          <a:xfrm>
+            <a:off x="6578632" y="1931762"/>
+            <a:ext cx="1850272" cy="4106481"/>
+          </a:xfrm>
+          <a:prstGeom prst="rect">
+            <a:avLst/>
+          </a:prstGeom>
+          <a:solidFill>
+            <a:schemeClr val="bg1"/>
+          </a:solidFill>
+          <a:ln>
+            <a:noFill/>
+          </a:ln>
+        </p:spPr>
+        <p:style>
+          <a:lnRef idx="2">
+            <a:schemeClr val="accent1">
+              <a:shade val="50000"/>
+            </a:schemeClr>
+          </a:lnRef>
+          <a:fillRef idx="1">
+            <a:schemeClr val="accent1"/>
+          </a:fillRef>
+          <a:effectRef idx="0">
+            <a:schemeClr val="accent1"/>
+          </a:effectRef>
+          <a:fontRef idx="minor">
+            <a:schemeClr val="lt1"/>
+          </a:fontRef>
+        </p:style>
+        <p:txBody>
+          <a:bodyPr rtlCol="0" anchor="ctr"/>
+          <a:lstStyle/>
+          <a:p>
+            <a:pPr algn="ctr"/>
+            <a:endParaRPr lang="ko-KR" altLang="en-US"/>
+          </a:p>
+        </p:txBody>
+      </p:sp>
+    </p:spTree>
+    <p:extLst>
+      <p:ext uri="{BB962C8B-B14F-4D97-AF65-F5344CB8AC3E}">
+        <p14:creationId xmlns:p14="http://schemas.microsoft.com/office/powerpoint/2010/main" val="131455998"/>
       </p:ext>
     </p:extLst>
   </p:cSld>
